--- a/trunk/2-Java-Programmer-Modulo-II/08.Capitulo02.pptx
+++ b/trunk/2-Java-Programmer-Modulo-II/08.Capitulo02.pptx
@@ -14,7 +14,7 @@
     <p:sldId id="279" r:id="rId5"/>
     <p:sldId id="280" r:id="rId6"/>
     <p:sldId id="281" r:id="rId7"/>
-    <p:sldId id="282" r:id="rId8"/>
+    <p:sldId id="290" r:id="rId8"/>
     <p:sldId id="283" r:id="rId9"/>
     <p:sldId id="284" r:id="rId10"/>
     <p:sldId id="285" r:id="rId11"/>
@@ -262,7 +262,7 @@
               <a:pPr>
                 <a:defRPr/>
               </a:pPr>
-              <a:t>01/03/2012</a:t>
+              <a:t>04/04/2012</a:t>
             </a:fld>
             <a:endParaRPr lang="pt-BR"/>
           </a:p>
@@ -2275,7 +2275,7 @@
               <a:pPr>
                 <a:defRPr/>
               </a:pPr>
-              <a:t>01/03/2012</a:t>
+              <a:t>04/04/2012</a:t>
             </a:fld>
             <a:endParaRPr lang="pt-BR"/>
           </a:p>
@@ -2467,7 +2467,7 @@
               <a:pPr>
                 <a:defRPr/>
               </a:pPr>
-              <a:t>01/03/2012</a:t>
+              <a:t>04/04/2012</a:t>
             </a:fld>
             <a:endParaRPr lang="pt-BR"/>
           </a:p>
@@ -2669,7 +2669,7 @@
               <a:pPr>
                 <a:defRPr/>
               </a:pPr>
-              <a:t>01/03/2012</a:t>
+              <a:t>04/04/2012</a:t>
             </a:fld>
             <a:endParaRPr lang="pt-BR"/>
           </a:p>
@@ -2865,7 +2865,7 @@
               <a:pPr>
                 <a:defRPr/>
               </a:pPr>
-              <a:t>01/03/2012</a:t>
+              <a:t>04/04/2012</a:t>
             </a:fld>
             <a:endParaRPr lang="pt-BR"/>
           </a:p>
@@ -3371,7 +3371,7 @@
               <a:pPr>
                 <a:defRPr/>
               </a:pPr>
-              <a:t>01/03/2012</a:t>
+              <a:t>04/04/2012</a:t>
             </a:fld>
             <a:endParaRPr lang="pt-BR"/>
           </a:p>
@@ -3662,7 +3662,7 @@
               <a:pPr>
                 <a:defRPr/>
               </a:pPr>
-              <a:t>01/03/2012</a:t>
+              <a:t>04/04/2012</a:t>
             </a:fld>
             <a:endParaRPr lang="pt-BR"/>
           </a:p>
@@ -4063,7 +4063,7 @@
               <a:pPr>
                 <a:defRPr/>
               </a:pPr>
-              <a:t>01/03/2012</a:t>
+              <a:t>04/04/2012</a:t>
             </a:fld>
             <a:endParaRPr lang="pt-BR"/>
           </a:p>
@@ -4212,7 +4212,7 @@
               <a:pPr>
                 <a:defRPr/>
               </a:pPr>
-              <a:t>01/03/2012</a:t>
+              <a:t>04/04/2012</a:t>
             </a:fld>
             <a:endParaRPr lang="pt-BR"/>
           </a:p>
@@ -4329,7 +4329,7 @@
               <a:pPr>
                 <a:defRPr/>
               </a:pPr>
-              <a:t>01/03/2012</a:t>
+              <a:t>04/04/2012</a:t>
             </a:fld>
             <a:endParaRPr lang="pt-BR"/>
           </a:p>
@@ -4605,7 +4605,7 @@
               <a:pPr>
                 <a:defRPr/>
               </a:pPr>
-              <a:t>01/03/2012</a:t>
+              <a:t>04/04/2012</a:t>
             </a:fld>
             <a:endParaRPr lang="pt-BR"/>
           </a:p>
@@ -4889,7 +4889,7 @@
               <a:pPr>
                 <a:defRPr/>
               </a:pPr>
-              <a:t>01/03/2012</a:t>
+              <a:t>04/04/2012</a:t>
             </a:fld>
             <a:endParaRPr lang="pt-BR"/>
           </a:p>
@@ -5367,7 +5367,7 @@
               <a:pPr>
                 <a:defRPr/>
               </a:pPr>
-              <a:t>01/03/2012</a:t>
+              <a:t>04/04/2012</a:t>
             </a:fld>
             <a:endParaRPr lang="pt-BR"/>
           </a:p>
@@ -6064,16 +6064,184 @@
               <a:buNone/>
             </a:pPr>
             <a:r>
+              <a:rPr lang="pt-BR" sz="1800" dirty="0" smtClean="0">
+                <a:solidFill>
+                  <a:srgbClr val="FFC000"/>
+                </a:solidFill>
+              </a:rPr>
+              <a:t>Trio&lt;</a:t>
+            </a:r>
+            <a:r>
+              <a:rPr lang="pt-BR" sz="1800" dirty="0" err="1" smtClean="0">
+                <a:solidFill>
+                  <a:srgbClr val="FFC000"/>
+                </a:solidFill>
+              </a:rPr>
+              <a:t>Integer</a:t>
+            </a:r>
+            <a:r>
+              <a:rPr lang="pt-BR" sz="1800" dirty="0" smtClean="0">
+                <a:solidFill>
+                  <a:srgbClr val="FFC000"/>
+                </a:solidFill>
+              </a:rPr>
+              <a:t>, String, Produto&gt;</a:t>
+            </a:r>
+            <a:r>
               <a:rPr lang="pt-BR" sz="1800" dirty="0" smtClean="0"/>
+              <a:t> trio1 = </a:t>
+            </a:r>
+            <a:r>
+              <a:rPr lang="pt-BR" sz="1800" dirty="0" err="1" smtClean="0"/>
+              <a:t>new</a:t>
+            </a:r>
+            <a:r>
+              <a:rPr lang="pt-BR" sz="1800" dirty="0" smtClean="0"/>
+              <a:t> </a:t>
+            </a:r>
+            <a:r>
+              <a:rPr lang="pt-BR" sz="1800" dirty="0" smtClean="0">
+                <a:solidFill>
+                  <a:srgbClr val="FFC000"/>
+                </a:solidFill>
+              </a:rPr>
               <a:t>Trio&lt;</a:t>
             </a:r>
             <a:r>
+              <a:rPr lang="pt-BR" sz="1800" dirty="0" err="1" smtClean="0">
+                <a:solidFill>
+                  <a:srgbClr val="FFC000"/>
+                </a:solidFill>
+              </a:rPr>
+              <a:t>Integer</a:t>
+            </a:r>
+            <a:r>
+              <a:rPr lang="pt-BR" sz="1800" dirty="0" smtClean="0">
+                <a:solidFill>
+                  <a:srgbClr val="FFC000"/>
+                </a:solidFill>
+              </a:rPr>
+              <a:t>, String, Produto&gt;()</a:t>
+            </a:r>
+            <a:r>
+              <a:rPr lang="pt-BR" sz="1800" dirty="0" smtClean="0"/>
+              <a:t>;</a:t>
+            </a:r>
+          </a:p>
+          <a:p>
+            <a:pPr marL="4763" lvl="1" indent="0">
+              <a:buNone/>
+            </a:pPr>
+            <a:r>
+              <a:rPr lang="pt-BR" sz="1800" dirty="0" smtClean="0"/>
+              <a:t>trio1.</a:t>
+            </a:r>
+            <a:r>
+              <a:rPr lang="pt-BR" sz="1800" dirty="0" err="1" smtClean="0">
+                <a:solidFill>
+                  <a:srgbClr val="FFC000"/>
+                </a:solidFill>
+              </a:rPr>
+              <a:t>setPrimeiro</a:t>
+            </a:r>
+            <a:r>
+              <a:rPr lang="pt-BR" sz="1800" dirty="0" smtClean="0">
+                <a:solidFill>
+                  <a:srgbClr val="FFC000"/>
+                </a:solidFill>
+              </a:rPr>
+              <a:t>(</a:t>
+            </a:r>
+            <a:r>
+              <a:rPr lang="pt-BR" sz="1800" dirty="0" smtClean="0"/>
+              <a:t>39</a:t>
+            </a:r>
+            <a:r>
+              <a:rPr lang="pt-BR" sz="1800" dirty="0" smtClean="0">
+                <a:solidFill>
+                  <a:srgbClr val="FFC000"/>
+                </a:solidFill>
+              </a:rPr>
+              <a:t>)</a:t>
+            </a:r>
+            <a:r>
+              <a:rPr lang="pt-BR" sz="1800" dirty="0" smtClean="0"/>
+              <a:t>;</a:t>
+            </a:r>
+          </a:p>
+          <a:p>
+            <a:pPr marL="4763" lvl="1" indent="0">
+              <a:buNone/>
+            </a:pPr>
+            <a:r>
+              <a:rPr lang="pt-BR" sz="1800" dirty="0" smtClean="0"/>
+              <a:t>trio1.</a:t>
+            </a:r>
+            <a:r>
+              <a:rPr lang="pt-BR" sz="1800" dirty="0" err="1" smtClean="0">
+                <a:solidFill>
+                  <a:srgbClr val="FFC000"/>
+                </a:solidFill>
+              </a:rPr>
+              <a:t>setSegundo</a:t>
+            </a:r>
+            <a:r>
+              <a:rPr lang="pt-BR" sz="1800" dirty="0" smtClean="0">
+                <a:solidFill>
+                  <a:srgbClr val="FFC000"/>
+                </a:solidFill>
+              </a:rPr>
+              <a:t>(</a:t>
+            </a:r>
+            <a:r>
+              <a:rPr lang="pt-BR" sz="1800" dirty="0" smtClean="0"/>
+              <a:t>“Manuel”</a:t>
+            </a:r>
+            <a:r>
+              <a:rPr lang="pt-BR" sz="1800" dirty="0" smtClean="0">
+                <a:solidFill>
+                  <a:srgbClr val="FFC000"/>
+                </a:solidFill>
+              </a:rPr>
+              <a:t>)</a:t>
+            </a:r>
+            <a:r>
+              <a:rPr lang="pt-BR" sz="1800" dirty="0" smtClean="0"/>
+              <a:t>;</a:t>
+            </a:r>
+            <a:endParaRPr lang="pt-BR" sz="1800" dirty="0" smtClean="0"/>
+          </a:p>
+          <a:p>
+            <a:pPr marL="4763" lvl="1" indent="0">
+              <a:buNone/>
+            </a:pPr>
+            <a:r>
+              <a:rPr lang="pt-BR" sz="1800" dirty="0" smtClean="0"/>
+              <a:t>trio1.</a:t>
+            </a:r>
+            <a:r>
+              <a:rPr lang="pt-BR" sz="1800" dirty="0" err="1" smtClean="0">
+                <a:solidFill>
+                  <a:srgbClr val="FFC000"/>
+                </a:solidFill>
+              </a:rPr>
+              <a:t>setTerceiro</a:t>
+            </a:r>
+            <a:r>
+              <a:rPr lang="pt-BR" sz="1800" dirty="0" smtClean="0">
+                <a:solidFill>
+                  <a:srgbClr val="FFC000"/>
+                </a:solidFill>
+              </a:rPr>
+              <a:t>(</a:t>
+            </a:r>
+            <a:r>
               <a:rPr lang="pt-BR" sz="1800" dirty="0" err="1" smtClean="0"/>
-              <a:t>Integer</a:t>
+              <a:t>new</a:t>
             </a:r>
             <a:r>
               <a:rPr lang="pt-BR" sz="1800" dirty="0" smtClean="0"/>
-              <a:t>, String, Produto&gt;</a:t>
+              <a:t> Produto()</a:t>
             </a:r>
             <a:r>
               <a:rPr lang="pt-BR" sz="1800" dirty="0" smtClean="0">
@@ -6081,7 +6249,63 @@
                   <a:srgbClr val="FFC000"/>
                 </a:solidFill>
               </a:rPr>
-              <a:t> trio1 = </a:t>
+              <a:t>)</a:t>
+            </a:r>
+            <a:r>
+              <a:rPr lang="pt-BR" sz="1800" dirty="0" smtClean="0"/>
+              <a:t>;</a:t>
+            </a:r>
+          </a:p>
+          <a:p>
+            <a:pPr marL="4763" lvl="1" indent="0">
+              <a:buNone/>
+            </a:pPr>
+            <a:endParaRPr lang="pt-BR" sz="1800" dirty="0" smtClean="0"/>
+          </a:p>
+          <a:p>
+            <a:pPr marL="4763" lvl="1" indent="0">
+              <a:buNone/>
+            </a:pPr>
+            <a:r>
+              <a:rPr lang="pt-BR" sz="1800" dirty="0" smtClean="0">
+                <a:solidFill>
+                  <a:srgbClr val="FFC000"/>
+                </a:solidFill>
+              </a:rPr>
+              <a:t>Trio&lt;String, Date, Double&gt;</a:t>
+            </a:r>
+            <a:r>
+              <a:rPr lang="pt-BR" sz="1800" dirty="0" smtClean="0"/>
+              <a:t> trio2 = </a:t>
+            </a:r>
+            <a:r>
+              <a:rPr lang="pt-BR" sz="1800" dirty="0" err="1" smtClean="0"/>
+              <a:t>new</a:t>
+            </a:r>
+            <a:r>
+              <a:rPr lang="pt-BR" sz="1800" dirty="0" smtClean="0"/>
+              <a:t> </a:t>
+            </a:r>
+            <a:r>
+              <a:rPr lang="pt-BR" sz="1800" dirty="0" smtClean="0">
+                <a:solidFill>
+                  <a:srgbClr val="FFC000"/>
+                </a:solidFill>
+              </a:rPr>
+              <a:t>Trio&lt;String, Date, Double&gt;()</a:t>
+            </a:r>
+            <a:r>
+              <a:rPr lang="pt-BR" sz="1800" dirty="0" smtClean="0"/>
+              <a:t>;</a:t>
+            </a:r>
+          </a:p>
+          <a:p>
+            <a:pPr marL="4763" lvl="1" indent="0">
+              <a:buNone/>
+            </a:pPr>
+            <a:r>
+              <a:rPr lang="pt-BR" sz="1800" dirty="0" smtClean="0"/>
+              <a:t>trio2.</a:t>
             </a:r>
             <a:r>
               <a:rPr lang="pt-BR" sz="1800" dirty="0" err="1" smtClean="0">
@@ -6089,27 +6313,93 @@
                   <a:srgbClr val="FFC000"/>
                 </a:solidFill>
               </a:rPr>
+              <a:t>setPrimeiro</a:t>
+            </a:r>
+            <a:r>
+              <a:rPr lang="pt-BR" sz="1800" dirty="0" smtClean="0">
+                <a:solidFill>
+                  <a:srgbClr val="FFC000"/>
+                </a:solidFill>
+              </a:rPr>
+              <a:t>(</a:t>
+            </a:r>
+            <a:r>
+              <a:rPr lang="pt-BR" sz="1800" dirty="0" smtClean="0"/>
+              <a:t>“João”</a:t>
+            </a:r>
+            <a:r>
+              <a:rPr lang="pt-BR" sz="1800" dirty="0" smtClean="0">
+                <a:solidFill>
+                  <a:srgbClr val="FFC000"/>
+                </a:solidFill>
+              </a:rPr>
+              <a:t>)</a:t>
+            </a:r>
+            <a:r>
+              <a:rPr lang="pt-BR" sz="1800" dirty="0" smtClean="0"/>
+              <a:t>;</a:t>
+            </a:r>
+          </a:p>
+          <a:p>
+            <a:pPr marL="4763" lvl="1" indent="0">
+              <a:buNone/>
+            </a:pPr>
+            <a:r>
+              <a:rPr lang="pt-BR" sz="1800" dirty="0" smtClean="0"/>
+              <a:t>trio2.</a:t>
+            </a:r>
+            <a:r>
+              <a:rPr lang="pt-BR" sz="1800" dirty="0" err="1" smtClean="0">
+                <a:solidFill>
+                  <a:srgbClr val="FFC000"/>
+                </a:solidFill>
+              </a:rPr>
+              <a:t>setSegundo</a:t>
+            </a:r>
+            <a:r>
+              <a:rPr lang="pt-BR" sz="1800" dirty="0" smtClean="0">
+                <a:solidFill>
+                  <a:srgbClr val="FFC000"/>
+                </a:solidFill>
+              </a:rPr>
+              <a:t>(</a:t>
+            </a:r>
+            <a:r>
+              <a:rPr lang="pt-BR" sz="1800" dirty="0" err="1" smtClean="0"/>
               <a:t>new</a:t>
             </a:r>
             <a:r>
+              <a:rPr lang="pt-BR" sz="1800" dirty="0" smtClean="0"/>
+              <a:t> Date(1982, 6, 12)</a:t>
+            </a:r>
+            <a:r>
               <a:rPr lang="pt-BR" sz="1800" dirty="0" smtClean="0">
                 <a:solidFill>
                   <a:srgbClr val="FFC000"/>
                 </a:solidFill>
               </a:rPr>
-              <a:t> </a:t>
+              <a:t>)</a:t>
             </a:r>
             <a:r>
               <a:rPr lang="pt-BR" sz="1800" dirty="0" smtClean="0"/>
-              <a:t>Trio&lt;</a:t>
-            </a:r>
-            <a:r>
-              <a:rPr lang="pt-BR" sz="1800" dirty="0" err="1" smtClean="0"/>
-              <a:t>Integer</a:t>
-            </a:r>
+              <a:t>;</a:t>
+            </a:r>
+          </a:p>
+          <a:p>
+            <a:pPr marL="4763" lvl="1" indent="0">
+              <a:buNone/>
+            </a:pPr>
             <a:r>
               <a:rPr lang="pt-BR" sz="1800" dirty="0" smtClean="0"/>
-              <a:t>, String, Produto&gt;()</a:t>
+              <a:t>trio2.</a:t>
+            </a:r>
+            <a:r>
+              <a:rPr lang="pt-BR" sz="1800" dirty="0" err="1" smtClean="0">
+                <a:solidFill>
+                  <a:srgbClr val="FFC000"/>
+                </a:solidFill>
+              </a:rPr>
+              <a:t>setTerceiro</a:t>
             </a:r>
             <a:r>
               <a:rPr lang="pt-BR" sz="1800" dirty="0" smtClean="0">
@@ -6117,6 +6407,22 @@
                   <a:srgbClr val="FFC000"/>
                 </a:solidFill>
               </a:rPr>
+              <a:t>(</a:t>
+            </a:r>
+            <a:r>
+              <a:rPr lang="pt-BR" sz="1800" dirty="0" smtClean="0"/>
+              <a:t>2450.3</a:t>
+            </a:r>
+            <a:r>
+              <a:rPr lang="pt-BR" sz="1800" dirty="0" smtClean="0">
+                <a:solidFill>
+                  <a:srgbClr val="FFC000"/>
+                </a:solidFill>
+              </a:rPr>
+              <a:t>)</a:t>
+            </a:r>
+            <a:r>
+              <a:rPr lang="pt-BR" sz="1800" dirty="0" smtClean="0"/>
               <a:t>;</a:t>
             </a:r>
           </a:p>
@@ -6124,328 +6430,7 @@
             <a:pPr marL="4763" lvl="1" indent="0">
               <a:buNone/>
             </a:pPr>
-            <a:r>
-              <a:rPr lang="pt-BR" sz="1800" dirty="0" smtClean="0">
-                <a:solidFill>
-                  <a:srgbClr val="FFC000"/>
-                </a:solidFill>
-              </a:rPr>
-              <a:t>trio1.</a:t>
-            </a:r>
-            <a:r>
-              <a:rPr lang="pt-BR" sz="1800" dirty="0" err="1" smtClean="0"/>
-              <a:t>setPrimeiro</a:t>
-            </a:r>
-            <a:r>
-              <a:rPr lang="pt-BR" sz="1800" dirty="0" smtClean="0"/>
-              <a:t>(</a:t>
-            </a:r>
-            <a:r>
-              <a:rPr lang="pt-BR" sz="1800" dirty="0" smtClean="0">
-                <a:solidFill>
-                  <a:srgbClr val="FFC000"/>
-                </a:solidFill>
-              </a:rPr>
-              <a:t>39</a:t>
-            </a:r>
-            <a:r>
-              <a:rPr lang="pt-BR" sz="1800" dirty="0" smtClean="0"/>
-              <a:t>)</a:t>
-            </a:r>
-            <a:r>
-              <a:rPr lang="pt-BR" sz="1800" dirty="0" smtClean="0">
-                <a:solidFill>
-                  <a:srgbClr val="FFC000"/>
-                </a:solidFill>
-              </a:rPr>
-              <a:t>;</a:t>
-            </a:r>
-          </a:p>
-          <a:p>
-            <a:pPr marL="4763" lvl="1" indent="0">
-              <a:buNone/>
-            </a:pPr>
-            <a:r>
-              <a:rPr lang="pt-BR" sz="1800" dirty="0" smtClean="0">
-                <a:solidFill>
-                  <a:srgbClr val="FFC000"/>
-                </a:solidFill>
-              </a:rPr>
-              <a:t>trio1.</a:t>
-            </a:r>
-            <a:r>
-              <a:rPr lang="pt-BR" sz="1800" dirty="0" err="1" smtClean="0"/>
-              <a:t>setSegundo</a:t>
-            </a:r>
-            <a:r>
-              <a:rPr lang="pt-BR" sz="1800" dirty="0" smtClean="0"/>
-              <a:t>(</a:t>
-            </a:r>
-            <a:r>
-              <a:rPr lang="pt-BR" sz="1800" dirty="0" smtClean="0">
-                <a:solidFill>
-                  <a:srgbClr val="FFC000"/>
-                </a:solidFill>
-              </a:rPr>
-              <a:t>“Canela”</a:t>
-            </a:r>
-            <a:r>
-              <a:rPr lang="pt-BR" sz="1800" dirty="0" smtClean="0"/>
-              <a:t>)</a:t>
-            </a:r>
-            <a:r>
-              <a:rPr lang="pt-BR" sz="1800" dirty="0" smtClean="0">
-                <a:solidFill>
-                  <a:srgbClr val="FFC000"/>
-                </a:solidFill>
-              </a:rPr>
-              <a:t>;</a:t>
-            </a:r>
-          </a:p>
-          <a:p>
-            <a:pPr marL="4763" lvl="1" indent="0">
-              <a:buNone/>
-            </a:pPr>
-            <a:r>
-              <a:rPr lang="pt-BR" sz="1800" dirty="0" smtClean="0">
-                <a:solidFill>
-                  <a:srgbClr val="FFC000"/>
-                </a:solidFill>
-              </a:rPr>
-              <a:t>trio1.</a:t>
-            </a:r>
-            <a:r>
-              <a:rPr lang="pt-BR" sz="1800" dirty="0" err="1" smtClean="0"/>
-              <a:t>setTerceiro</a:t>
-            </a:r>
-            <a:r>
-              <a:rPr lang="pt-BR" sz="1800" dirty="0" smtClean="0"/>
-              <a:t>(</a:t>
-            </a:r>
-            <a:r>
-              <a:rPr lang="pt-BR" sz="1800" dirty="0" err="1" smtClean="0">
-                <a:solidFill>
-                  <a:srgbClr val="FFC000"/>
-                </a:solidFill>
-              </a:rPr>
-              <a:t>new</a:t>
-            </a:r>
-            <a:r>
-              <a:rPr lang="pt-BR" sz="1800" dirty="0" smtClean="0">
-                <a:solidFill>
-                  <a:srgbClr val="FFC000"/>
-                </a:solidFill>
-              </a:rPr>
-              <a:t> Produto()</a:t>
-            </a:r>
-            <a:r>
-              <a:rPr lang="pt-BR" sz="1800" dirty="0" smtClean="0"/>
-              <a:t>)</a:t>
-            </a:r>
-            <a:r>
-              <a:rPr lang="pt-BR" sz="1800" dirty="0" smtClean="0">
-                <a:solidFill>
-                  <a:srgbClr val="FFC000"/>
-                </a:solidFill>
-              </a:rPr>
-              <a:t>;</a:t>
-            </a:r>
-          </a:p>
-          <a:p>
-            <a:pPr marL="4763" lvl="1" indent="0">
-              <a:buNone/>
-            </a:pPr>
-            <a:endParaRPr lang="pt-BR" sz="1800" dirty="0" smtClean="0">
-              <a:solidFill>
-                <a:srgbClr val="FFC000"/>
-              </a:solidFill>
-            </a:endParaRPr>
-          </a:p>
-          <a:p>
-            <a:pPr marL="4763" lvl="1" indent="0">
-              <a:buNone/>
-            </a:pPr>
-            <a:r>
-              <a:rPr lang="pt-BR" sz="1800" dirty="0" smtClean="0"/>
-              <a:t>Trio&lt;String, Date, Double&gt;</a:t>
-            </a:r>
-            <a:r>
-              <a:rPr lang="pt-BR" sz="1800" dirty="0" smtClean="0">
-                <a:solidFill>
-                  <a:srgbClr val="FFC000"/>
-                </a:solidFill>
-              </a:rPr>
-              <a:t> trio2 = </a:t>
-            </a:r>
-            <a:r>
-              <a:rPr lang="pt-BR" sz="1800" dirty="0" err="1" smtClean="0">
-                <a:solidFill>
-                  <a:srgbClr val="FFC000"/>
-                </a:solidFill>
-              </a:rPr>
-              <a:t>new</a:t>
-            </a:r>
-            <a:r>
-              <a:rPr lang="pt-BR" sz="1800" dirty="0" smtClean="0">
-                <a:solidFill>
-                  <a:srgbClr val="FFC000"/>
-                </a:solidFill>
-              </a:rPr>
-              <a:t> </a:t>
-            </a:r>
-            <a:r>
-              <a:rPr lang="pt-BR" sz="1800" dirty="0" smtClean="0"/>
-              <a:t>Trio&lt;String, Date, Double&gt;()</a:t>
-            </a:r>
-            <a:r>
-              <a:rPr lang="pt-BR" sz="1800" dirty="0" smtClean="0">
-                <a:solidFill>
-                  <a:srgbClr val="FFC000"/>
-                </a:solidFill>
-              </a:rPr>
-              <a:t>;</a:t>
-            </a:r>
-          </a:p>
-          <a:p>
-            <a:pPr marL="4763" lvl="1" indent="0">
-              <a:buNone/>
-            </a:pPr>
-            <a:r>
-              <a:rPr lang="pt-BR" sz="1800" dirty="0" smtClean="0">
-                <a:solidFill>
-                  <a:srgbClr val="FFC000"/>
-                </a:solidFill>
-              </a:rPr>
-              <a:t>trio2.</a:t>
-            </a:r>
-            <a:r>
-              <a:rPr lang="pt-BR" sz="1800" dirty="0" err="1" smtClean="0"/>
-              <a:t>setPrimeiro</a:t>
-            </a:r>
-            <a:r>
-              <a:rPr lang="pt-BR" sz="1800" dirty="0" smtClean="0"/>
-              <a:t>(</a:t>
-            </a:r>
-            <a:r>
-              <a:rPr lang="pt-BR" sz="1800" dirty="0" smtClean="0">
-                <a:solidFill>
-                  <a:srgbClr val="FFC000"/>
-                </a:solidFill>
-              </a:rPr>
-              <a:t>“João”</a:t>
-            </a:r>
-            <a:r>
-              <a:rPr lang="pt-BR" sz="1800" dirty="0" smtClean="0"/>
-              <a:t>)</a:t>
-            </a:r>
-            <a:r>
-              <a:rPr lang="pt-BR" sz="1800" dirty="0" smtClean="0">
-                <a:solidFill>
-                  <a:srgbClr val="FFC000"/>
-                </a:solidFill>
-              </a:rPr>
-              <a:t>;</a:t>
-            </a:r>
-          </a:p>
-          <a:p>
-            <a:pPr marL="4763" lvl="1" indent="0">
-              <a:buNone/>
-            </a:pPr>
-            <a:r>
-              <a:rPr lang="pt-BR" sz="1800" dirty="0" smtClean="0">
-                <a:solidFill>
-                  <a:srgbClr val="FFC000"/>
-                </a:solidFill>
-              </a:rPr>
-              <a:t>trio2.</a:t>
-            </a:r>
-            <a:r>
-              <a:rPr lang="pt-BR" sz="1800" dirty="0" err="1" smtClean="0"/>
-              <a:t>setSegundo</a:t>
-            </a:r>
-            <a:r>
-              <a:rPr lang="pt-BR" sz="1800" dirty="0" smtClean="0"/>
-              <a:t>(</a:t>
-            </a:r>
-            <a:r>
-              <a:rPr lang="pt-BR" sz="1800" dirty="0" err="1" smtClean="0">
-                <a:solidFill>
-                  <a:srgbClr val="FFC000"/>
-                </a:solidFill>
-              </a:rPr>
-              <a:t>new</a:t>
-            </a:r>
-            <a:r>
-              <a:rPr lang="pt-BR" sz="1800" dirty="0" smtClean="0">
-                <a:solidFill>
-                  <a:srgbClr val="FFC000"/>
-                </a:solidFill>
-              </a:rPr>
-              <a:t> Date(1982, 6, 12)</a:t>
-            </a:r>
-            <a:r>
-              <a:rPr lang="pt-BR" sz="1800" dirty="0" smtClean="0"/>
-              <a:t>)</a:t>
-            </a:r>
-            <a:r>
-              <a:rPr lang="pt-BR" sz="1800" dirty="0" smtClean="0">
-                <a:solidFill>
-                  <a:srgbClr val="FFC000"/>
-                </a:solidFill>
-              </a:rPr>
-              <a:t>;</a:t>
-            </a:r>
-          </a:p>
-          <a:p>
-            <a:pPr marL="4763" lvl="1" indent="0">
-              <a:buNone/>
-            </a:pPr>
-            <a:r>
-              <a:rPr lang="pt-BR" sz="1800" dirty="0" smtClean="0">
-                <a:solidFill>
-                  <a:srgbClr val="FFC000"/>
-                </a:solidFill>
-              </a:rPr>
-              <a:t>trio2.</a:t>
-            </a:r>
-            <a:r>
-              <a:rPr lang="pt-BR" sz="1800" dirty="0" err="1" smtClean="0"/>
-              <a:t>setTerceiro</a:t>
-            </a:r>
-            <a:r>
-              <a:rPr lang="pt-BR" sz="1800" dirty="0" smtClean="0"/>
-              <a:t>(</a:t>
-            </a:r>
-            <a:r>
-              <a:rPr lang="pt-BR" sz="1800" dirty="0" smtClean="0">
-                <a:solidFill>
-                  <a:srgbClr val="FFC000"/>
-                </a:solidFill>
-              </a:rPr>
-              <a:t>2450.3</a:t>
-            </a:r>
-            <a:r>
-              <a:rPr lang="pt-BR" sz="1800" dirty="0" smtClean="0"/>
-              <a:t>)</a:t>
-            </a:r>
-            <a:r>
-              <a:rPr lang="pt-BR" sz="1800" dirty="0" smtClean="0">
-                <a:solidFill>
-                  <a:srgbClr val="FFC000"/>
-                </a:solidFill>
-              </a:rPr>
-              <a:t>;</a:t>
-            </a:r>
-          </a:p>
-          <a:p>
-            <a:pPr marL="4763" lvl="1" indent="0">
-              <a:buNone/>
-            </a:pPr>
-            <a:endParaRPr lang="pt-BR" sz="1800" dirty="0" smtClean="0">
-              <a:solidFill>
-                <a:srgbClr val="FFC000"/>
-              </a:solidFill>
-            </a:endParaRPr>
+            <a:endParaRPr lang="pt-BR" sz="1800" dirty="0" smtClean="0"/>
           </a:p>
         </p:txBody>
       </p:sp>
@@ -6561,47 +6546,31 @@
               </a:tabLst>
             </a:pPr>
             <a:r>
-              <a:rPr lang="pt-BR" sz="2000" dirty="0" err="1" smtClean="0">
-                <a:solidFill>
-                  <a:srgbClr val="FFC000"/>
-                </a:solidFill>
-              </a:rPr>
+              <a:rPr lang="pt-BR" sz="2000" dirty="0" err="1" smtClean="0"/>
               <a:t>public</a:t>
             </a:r>
             <a:r>
+              <a:rPr lang="pt-BR" sz="2000" dirty="0" smtClean="0"/>
+              <a:t> </a:t>
+            </a:r>
+            <a:r>
+              <a:rPr lang="pt-BR" sz="2000" dirty="0" err="1" smtClean="0"/>
+              <a:t>class</a:t>
+            </a:r>
+            <a:r>
+              <a:rPr lang="pt-BR" sz="2000" dirty="0" smtClean="0"/>
+              <a:t> </a:t>
+            </a:r>
+            <a:r>
               <a:rPr lang="pt-BR" sz="2000" dirty="0" smtClean="0">
                 <a:solidFill>
                   <a:srgbClr val="FFC000"/>
                 </a:solidFill>
               </a:rPr>
-              <a:t> </a:t>
-            </a:r>
-            <a:r>
-              <a:rPr lang="pt-BR" sz="2000" dirty="0" err="1" smtClean="0">
-                <a:solidFill>
-                  <a:srgbClr val="FFC000"/>
-                </a:solidFill>
-              </a:rPr>
-              <a:t>class</a:t>
-            </a:r>
-            <a:r>
-              <a:rPr lang="pt-BR" sz="2000" dirty="0" smtClean="0">
-                <a:solidFill>
-                  <a:srgbClr val="FFC000"/>
-                </a:solidFill>
-              </a:rPr>
-              <a:t> </a:t>
+              <a:t>Exemplo</a:t>
             </a:r>
             <a:r>
               <a:rPr lang="pt-BR" sz="2000" dirty="0" smtClean="0"/>
-              <a:t>Exemplo</a:t>
-            </a:r>
-            <a:r>
-              <a:rPr lang="pt-BR" sz="2000" dirty="0" smtClean="0">
-                <a:solidFill>
-                  <a:srgbClr val="FFC000"/>
-                </a:solidFill>
-              </a:rPr>
               <a:t> {</a:t>
             </a:r>
           </a:p>
@@ -6613,11 +6582,7 @@
                 <a:tab pos="1076325" algn="l"/>
               </a:tabLst>
             </a:pPr>
-            <a:endParaRPr lang="pt-BR" sz="2000" dirty="0" smtClean="0">
-              <a:solidFill>
-                <a:srgbClr val="FFC000"/>
-              </a:solidFill>
-            </a:endParaRPr>
+            <a:endParaRPr lang="pt-BR" sz="2000" dirty="0" smtClean="0"/>
           </a:p>
           <a:p>
             <a:pPr marL="4763" lvl="1" indent="0">
@@ -6661,12 +6626,32 @@
               </a:tabLst>
             </a:pPr>
             <a:r>
+              <a:rPr lang="pt-BR" sz="2000" dirty="0" smtClean="0"/>
+              <a:t>	</a:t>
+            </a:r>
+            <a:r>
+              <a:rPr lang="pt-BR" sz="2000" dirty="0" err="1" smtClean="0"/>
+              <a:t>public</a:t>
+            </a:r>
+            <a:r>
+              <a:rPr lang="pt-BR" sz="2000" dirty="0" smtClean="0"/>
+              <a:t> </a:t>
+            </a:r>
+            <a:r>
+              <a:rPr lang="pt-BR" sz="2000" dirty="0" err="1" smtClean="0"/>
+              <a:t>static</a:t>
+            </a:r>
+            <a:r>
+              <a:rPr lang="pt-BR" sz="2000" dirty="0" smtClean="0"/>
+              <a:t> </a:t>
+            </a:r>
+            <a:r>
               <a:rPr lang="pt-BR" sz="2000" dirty="0" smtClean="0">
                 <a:solidFill>
                   <a:srgbClr val="FFC000"/>
                 </a:solidFill>
               </a:rPr>
-              <a:t>	</a:t>
+              <a:t>String </a:t>
             </a:r>
             <a:r>
               <a:rPr lang="pt-BR" sz="2000" dirty="0" err="1" smtClean="0">
@@ -6674,7 +6659,11 @@
                   <a:srgbClr val="FFC000"/>
                 </a:solidFill>
               </a:rPr>
-              <a:t>public</a:t>
+              <a:t>ultimoItem</a:t>
+            </a:r>
+            <a:r>
+              <a:rPr lang="pt-BR" sz="2000" dirty="0" smtClean="0"/>
+              <a:t>(</a:t>
             </a:r>
             <a:r>
               <a:rPr lang="pt-BR" sz="2000" dirty="0" smtClean="0">
@@ -6682,7 +6671,7 @@
                   <a:srgbClr val="FFC000"/>
                 </a:solidFill>
               </a:rPr>
-              <a:t> </a:t>
+              <a:t>String[ ] </a:t>
             </a:r>
             <a:r>
               <a:rPr lang="pt-BR" sz="2000" dirty="0" err="1" smtClean="0">
@@ -6690,46 +6679,10 @@
                   <a:srgbClr val="FFC000"/>
                 </a:solidFill>
               </a:rPr>
-              <a:t>static</a:t>
-            </a:r>
-            <a:r>
-              <a:rPr lang="pt-BR" sz="2000" dirty="0" smtClean="0">
-                <a:solidFill>
-                  <a:srgbClr val="FFC000"/>
-                </a:solidFill>
-              </a:rPr>
-              <a:t> </a:t>
+              <a:t>array</a:t>
             </a:r>
             <a:r>
               <a:rPr lang="pt-BR" sz="2000" dirty="0" smtClean="0"/>
-              <a:t>String </a:t>
-            </a:r>
-            <a:r>
-              <a:rPr lang="pt-BR" sz="2000" dirty="0" err="1" smtClean="0"/>
-              <a:t>ultimoItem</a:t>
-            </a:r>
-            <a:r>
-              <a:rPr lang="pt-BR" sz="2000" dirty="0" smtClean="0">
-                <a:solidFill>
-                  <a:srgbClr val="FFC000"/>
-                </a:solidFill>
-              </a:rPr>
-              <a:t>(</a:t>
-            </a:r>
-            <a:r>
-              <a:rPr lang="pt-BR" sz="2000" dirty="0" smtClean="0"/>
-              <a:t>String[ ] </a:t>
-            </a:r>
-            <a:r>
-              <a:rPr lang="pt-BR" sz="2000" dirty="0" err="1" smtClean="0"/>
-              <a:t>array</a:t>
-            </a:r>
-            <a:r>
-              <a:rPr lang="pt-BR" sz="2000" dirty="0" smtClean="0">
-                <a:solidFill>
-                  <a:srgbClr val="FFC000"/>
-                </a:solidFill>
-              </a:rPr>
               <a:t>) {</a:t>
             </a:r>
           </a:p>
@@ -6742,139 +6695,71 @@
               </a:tabLst>
             </a:pPr>
             <a:r>
-              <a:rPr lang="pt-BR" sz="2000" dirty="0" smtClean="0">
-                <a:solidFill>
-                  <a:srgbClr val="FFC000"/>
-                </a:solidFill>
-              </a:rPr>
+              <a:rPr lang="pt-BR" sz="2000" dirty="0" smtClean="0"/>
               <a:t>		</a:t>
             </a:r>
             <a:r>
-              <a:rPr lang="pt-BR" sz="2000" dirty="0" err="1" smtClean="0">
-                <a:solidFill>
-                  <a:srgbClr val="FFC000"/>
-                </a:solidFill>
-              </a:rPr>
+              <a:rPr lang="pt-BR" sz="2000" dirty="0" err="1" smtClean="0"/>
               <a:t>if</a:t>
             </a:r>
             <a:r>
-              <a:rPr lang="pt-BR" sz="2000" dirty="0" smtClean="0">
-                <a:solidFill>
-                  <a:srgbClr val="FFC000"/>
-                </a:solidFill>
-              </a:rPr>
+              <a:rPr lang="pt-BR" sz="2000" dirty="0" smtClean="0"/>
               <a:t> (</a:t>
             </a:r>
             <a:r>
-              <a:rPr lang="pt-BR" sz="2000" dirty="0" err="1" smtClean="0">
-                <a:solidFill>
-                  <a:srgbClr val="FFC000"/>
-                </a:solidFill>
-              </a:rPr>
+              <a:rPr lang="pt-BR" sz="2000" dirty="0" err="1" smtClean="0"/>
               <a:t>array</a:t>
             </a:r>
             <a:r>
-              <a:rPr lang="pt-BR" sz="2000" dirty="0" smtClean="0">
-                <a:solidFill>
-                  <a:srgbClr val="FFC000"/>
-                </a:solidFill>
-              </a:rPr>
+              <a:rPr lang="pt-BR" sz="2000" dirty="0" smtClean="0"/>
               <a:t> == </a:t>
             </a:r>
             <a:r>
-              <a:rPr lang="pt-BR" sz="2000" dirty="0" err="1" smtClean="0">
-                <a:solidFill>
-                  <a:srgbClr val="FFC000"/>
-                </a:solidFill>
-              </a:rPr>
+              <a:rPr lang="pt-BR" sz="2000" dirty="0" err="1" smtClean="0"/>
               <a:t>null</a:t>
             </a:r>
             <a:r>
-              <a:rPr lang="pt-BR" sz="2000" dirty="0" smtClean="0">
-                <a:solidFill>
-                  <a:srgbClr val="FFC000"/>
-                </a:solidFill>
-              </a:rPr>
+              <a:rPr lang="pt-BR" sz="2000" dirty="0" smtClean="0"/>
               <a:t> |</a:t>
             </a:r>
             <a:r>
-              <a:rPr lang="pt-BR" sz="2000" dirty="0" err="1" smtClean="0">
-                <a:solidFill>
-                  <a:srgbClr val="FFC000"/>
-                </a:solidFill>
-              </a:rPr>
+              <a:rPr lang="pt-BR" sz="2000" dirty="0" err="1" smtClean="0"/>
               <a:t>|</a:t>
             </a:r>
             <a:r>
-              <a:rPr lang="pt-BR" sz="2000" dirty="0" smtClean="0">
-                <a:solidFill>
-                  <a:srgbClr val="FFC000"/>
-                </a:solidFill>
-              </a:rPr>
+              <a:rPr lang="pt-BR" sz="2000" dirty="0" smtClean="0"/>
               <a:t> </a:t>
             </a:r>
             <a:r>
-              <a:rPr lang="pt-BR" sz="2000" dirty="0" err="1" smtClean="0">
-                <a:solidFill>
-                  <a:srgbClr val="FFC000"/>
-                </a:solidFill>
-              </a:rPr>
+              <a:rPr lang="pt-BR" sz="2000" dirty="0" err="1" smtClean="0"/>
               <a:t>array</a:t>
             </a:r>
             <a:r>
-              <a:rPr lang="pt-BR" sz="2000" dirty="0" smtClean="0">
-                <a:solidFill>
-                  <a:srgbClr val="FFC000"/>
-                </a:solidFill>
-              </a:rPr>
+              <a:rPr lang="pt-BR" sz="2000" dirty="0" smtClean="0"/>
               <a:t>.</a:t>
             </a:r>
             <a:r>
-              <a:rPr lang="pt-BR" sz="2000" dirty="0" err="1" smtClean="0">
-                <a:solidFill>
-                  <a:srgbClr val="FFC000"/>
-                </a:solidFill>
-              </a:rPr>
+              <a:rPr lang="pt-BR" sz="2000" dirty="0" err="1" smtClean="0"/>
               <a:t>length</a:t>
             </a:r>
             <a:r>
-              <a:rPr lang="pt-BR" sz="2000" dirty="0" smtClean="0">
-                <a:solidFill>
-                  <a:srgbClr val="FFC000"/>
-                </a:solidFill>
-              </a:rPr>
+              <a:rPr lang="pt-BR" sz="2000" dirty="0" smtClean="0"/>
               <a:t> == 0) </a:t>
             </a:r>
             <a:r>
-              <a:rPr lang="pt-BR" sz="2000" dirty="0" err="1" smtClean="0">
-                <a:solidFill>
-                  <a:srgbClr val="FFC000"/>
-                </a:solidFill>
-              </a:rPr>
+              <a:rPr lang="pt-BR" sz="2000" dirty="0" err="1" smtClean="0"/>
               <a:t>return</a:t>
             </a:r>
             <a:r>
-              <a:rPr lang="pt-BR" sz="2000" dirty="0" smtClean="0">
-                <a:solidFill>
-                  <a:srgbClr val="FFC000"/>
-                </a:solidFill>
-              </a:rPr>
+              <a:rPr lang="pt-BR" sz="2000" dirty="0" smtClean="0"/>
               <a:t> </a:t>
             </a:r>
             <a:r>
-              <a:rPr lang="pt-BR" sz="2000" dirty="0" err="1" smtClean="0">
-                <a:solidFill>
-                  <a:srgbClr val="FFC000"/>
-                </a:solidFill>
-              </a:rPr>
+              <a:rPr lang="pt-BR" sz="2000" dirty="0" err="1" smtClean="0"/>
               <a:t>null</a:t>
             </a:r>
             <a:r>
-              <a:rPr lang="pt-BR" sz="2000" dirty="0" smtClean="0">
-                <a:solidFill>
-                  <a:srgbClr val="FFC000"/>
-                </a:solidFill>
-              </a:rPr>
+              <a:rPr lang="pt-BR" sz="2000" dirty="0" smtClean="0"/>
               <a:t>;</a:t>
             </a:r>
           </a:p>
@@ -6887,91 +6772,47 @@
               </a:tabLst>
             </a:pPr>
             <a:r>
-              <a:rPr lang="pt-BR" sz="2000" dirty="0" smtClean="0">
-                <a:solidFill>
-                  <a:srgbClr val="FFC000"/>
-                </a:solidFill>
-              </a:rPr>
+              <a:rPr lang="pt-BR" sz="2000" dirty="0" smtClean="0"/>
               <a:t>		</a:t>
             </a:r>
             <a:r>
-              <a:rPr lang="pt-BR" sz="2000" dirty="0" err="1" smtClean="0">
-                <a:solidFill>
-                  <a:srgbClr val="FFC000"/>
-                </a:solidFill>
-              </a:rPr>
+              <a:rPr lang="pt-BR" sz="2000" dirty="0" err="1" smtClean="0"/>
               <a:t>else</a:t>
             </a:r>
             <a:r>
-              <a:rPr lang="pt-BR" sz="2000" dirty="0" smtClean="0">
-                <a:solidFill>
-                  <a:srgbClr val="FFC000"/>
-                </a:solidFill>
-              </a:rPr>
+              <a:rPr lang="pt-BR" sz="2000" dirty="0" smtClean="0"/>
               <a:t> </a:t>
             </a:r>
             <a:r>
-              <a:rPr lang="pt-BR" sz="2000" dirty="0" err="1" smtClean="0">
-                <a:solidFill>
-                  <a:srgbClr val="FFC000"/>
-                </a:solidFill>
-              </a:rPr>
+              <a:rPr lang="pt-BR" sz="2000" dirty="0" err="1" smtClean="0"/>
               <a:t>return</a:t>
             </a:r>
             <a:r>
-              <a:rPr lang="pt-BR" sz="2000" dirty="0" smtClean="0">
-                <a:solidFill>
-                  <a:srgbClr val="FFC000"/>
-                </a:solidFill>
-              </a:rPr>
+              <a:rPr lang="pt-BR" sz="2000" dirty="0" smtClean="0"/>
               <a:t> </a:t>
             </a:r>
             <a:r>
-              <a:rPr lang="pt-BR" sz="2000" dirty="0" err="1" smtClean="0">
-                <a:solidFill>
-                  <a:srgbClr val="FFC000"/>
-                </a:solidFill>
-              </a:rPr>
+              <a:rPr lang="pt-BR" sz="2000" dirty="0" err="1" smtClean="0"/>
               <a:t>array</a:t>
             </a:r>
             <a:r>
-              <a:rPr lang="pt-BR" sz="2000" dirty="0" smtClean="0">
-                <a:solidFill>
-                  <a:srgbClr val="FFC000"/>
-                </a:solidFill>
-              </a:rPr>
+              <a:rPr lang="pt-BR" sz="2000" dirty="0" smtClean="0"/>
               <a:t>[</a:t>
             </a:r>
             <a:r>
-              <a:rPr lang="pt-BR" sz="2000" dirty="0" err="1" smtClean="0">
-                <a:solidFill>
-                  <a:srgbClr val="FFC000"/>
-                </a:solidFill>
-              </a:rPr>
+              <a:rPr lang="pt-BR" sz="2000" dirty="0" err="1" smtClean="0"/>
               <a:t>array</a:t>
             </a:r>
             <a:r>
-              <a:rPr lang="pt-BR" sz="2000" dirty="0" smtClean="0">
-                <a:solidFill>
-                  <a:srgbClr val="FFC000"/>
-                </a:solidFill>
-              </a:rPr>
+              <a:rPr lang="pt-BR" sz="2000" dirty="0" smtClean="0"/>
               <a:t>.</a:t>
             </a:r>
             <a:r>
-              <a:rPr lang="pt-BR" sz="2000" dirty="0" err="1" smtClean="0">
-                <a:solidFill>
-                  <a:srgbClr val="FFC000"/>
-                </a:solidFill>
-              </a:rPr>
+              <a:rPr lang="pt-BR" sz="2000" dirty="0" err="1" smtClean="0"/>
               <a:t>length</a:t>
             </a:r>
             <a:r>
-              <a:rPr lang="pt-BR" sz="2000" dirty="0" smtClean="0">
-                <a:solidFill>
-                  <a:srgbClr val="FFC000"/>
-                </a:solidFill>
-              </a:rPr>
+              <a:rPr lang="pt-BR" sz="2000" dirty="0" smtClean="0"/>
               <a:t> - 1];</a:t>
             </a:r>
           </a:p>
@@ -6984,11 +6825,7 @@
               </a:tabLst>
             </a:pPr>
             <a:r>
-              <a:rPr lang="pt-BR" sz="2000" dirty="0" smtClean="0">
-                <a:solidFill>
-                  <a:srgbClr val="FFC000"/>
-                </a:solidFill>
-              </a:rPr>
+              <a:rPr lang="pt-BR" sz="2000" dirty="0" smtClean="0"/>
               <a:t>	}</a:t>
             </a:r>
           </a:p>
@@ -7000,11 +6837,7 @@
                 <a:tab pos="1076325" algn="l"/>
               </a:tabLst>
             </a:pPr>
-            <a:endParaRPr lang="pt-BR" sz="2000" dirty="0" smtClean="0">
-              <a:solidFill>
-                <a:srgbClr val="FFC000"/>
-              </a:solidFill>
-            </a:endParaRPr>
+            <a:endParaRPr lang="pt-BR" sz="2000" dirty="0" smtClean="0"/>
           </a:p>
           <a:p>
             <a:pPr marL="4763" lvl="1" indent="0">
@@ -7048,12 +6881,48 @@
               </a:tabLst>
             </a:pPr>
             <a:r>
+              <a:rPr lang="pt-BR" sz="2000" dirty="0" smtClean="0"/>
+              <a:t>	</a:t>
+            </a:r>
+            <a:r>
+              <a:rPr lang="pt-BR" sz="2000" dirty="0" err="1" smtClean="0"/>
+              <a:t>public</a:t>
+            </a:r>
+            <a:r>
+              <a:rPr lang="pt-BR" sz="2000" dirty="0" smtClean="0"/>
+              <a:t> </a:t>
+            </a:r>
+            <a:r>
+              <a:rPr lang="pt-BR" sz="2000" dirty="0" err="1" smtClean="0"/>
+              <a:t>static</a:t>
+            </a:r>
+            <a:r>
+              <a:rPr lang="pt-BR" sz="2000" dirty="0" smtClean="0"/>
+              <a:t> </a:t>
+            </a:r>
+            <a:r>
+              <a:rPr lang="pt-BR" sz="2000" b="1" dirty="0" smtClean="0"/>
+              <a:t>&lt;T&gt;</a:t>
+            </a:r>
+            <a:r>
+              <a:rPr lang="pt-BR" sz="2000" dirty="0" smtClean="0"/>
+              <a:t> </a:t>
+            </a:r>
+            <a:r>
+              <a:rPr lang="pt-BR" sz="2000" b="1" dirty="0" smtClean="0">
+                <a:solidFill>
+                  <a:srgbClr val="FFC000"/>
+                </a:solidFill>
+              </a:rPr>
+              <a:t>T</a:t>
+            </a:r>
+            <a:r>
               <a:rPr lang="pt-BR" sz="2000" dirty="0" smtClean="0">
                 <a:solidFill>
                   <a:srgbClr val="FFC000"/>
                 </a:solidFill>
               </a:rPr>
-              <a:t>	</a:t>
+              <a:t> </a:t>
             </a:r>
             <a:r>
               <a:rPr lang="pt-BR" sz="2000" dirty="0" err="1" smtClean="0">
@@ -7061,7 +6930,11 @@
                   <a:srgbClr val="FFC000"/>
                 </a:solidFill>
               </a:rPr>
-              <a:t>public</a:t>
+              <a:t>ultimoItem</a:t>
+            </a:r>
+            <a:r>
+              <a:rPr lang="pt-BR" sz="2000" dirty="0" smtClean="0"/>
+              <a:t>(</a:t>
             </a:r>
             <a:r>
               <a:rPr lang="pt-BR" sz="2000" dirty="0" smtClean="0">
@@ -7069,7 +6942,7 @@
                   <a:srgbClr val="FFC000"/>
                 </a:solidFill>
               </a:rPr>
-              <a:t> </a:t>
+              <a:t>T[ ] </a:t>
             </a:r>
             <a:r>
               <a:rPr lang="pt-BR" sz="2000" dirty="0" err="1" smtClean="0">
@@ -7077,58 +6950,10 @@
                   <a:srgbClr val="FFC000"/>
                 </a:solidFill>
               </a:rPr>
-              <a:t>static</a:t>
-            </a:r>
-            <a:r>
-              <a:rPr lang="pt-BR" sz="2000" dirty="0" smtClean="0">
-                <a:solidFill>
-                  <a:srgbClr val="FFC000"/>
-                </a:solidFill>
-              </a:rPr>
-              <a:t> &lt;T&gt; </a:t>
+              <a:t>array</a:t>
             </a:r>
             <a:r>
               <a:rPr lang="pt-BR" sz="2000" dirty="0" smtClean="0"/>
-              <a:t>T </a:t>
-            </a:r>
-            <a:r>
-              <a:rPr lang="pt-BR" sz="2000" dirty="0" err="1" smtClean="0"/>
-              <a:t>ultimoItem</a:t>
-            </a:r>
-            <a:r>
-              <a:rPr lang="pt-BR" sz="2000" dirty="0" smtClean="0">
-                <a:solidFill>
-                  <a:srgbClr val="FFC000"/>
-                </a:solidFill>
-              </a:rPr>
-              <a:t>(</a:t>
-            </a:r>
-            <a:r>
-              <a:rPr lang="pt-BR" sz="2000" dirty="0" smtClean="0"/>
-              <a:t>T[ ]</a:t>
-            </a:r>
-            <a:r>
-              <a:rPr lang="pt-BR" sz="2000" dirty="0" smtClean="0">
-                <a:solidFill>
-                  <a:srgbClr val="FFC000"/>
-                </a:solidFill>
-              </a:rPr>
-              <a:t> </a:t>
-            </a:r>
-            <a:r>
-              <a:rPr lang="pt-BR" sz="2000" dirty="0" err="1" smtClean="0">
-                <a:solidFill>
-                  <a:srgbClr val="FFC000"/>
-                </a:solidFill>
-              </a:rPr>
-              <a:t>array</a:t>
-            </a:r>
-            <a:r>
-              <a:rPr lang="pt-BR" sz="2000" dirty="0" smtClean="0">
-                <a:solidFill>
-                  <a:srgbClr val="FFC000"/>
-                </a:solidFill>
-              </a:rPr>
               <a:t>) {</a:t>
             </a:r>
           </a:p>
@@ -7141,139 +6966,71 @@
               </a:tabLst>
             </a:pPr>
             <a:r>
-              <a:rPr lang="pt-BR" sz="2000" dirty="0" smtClean="0">
-                <a:solidFill>
-                  <a:srgbClr val="FFC000"/>
-                </a:solidFill>
-              </a:rPr>
+              <a:rPr lang="pt-BR" sz="2000" dirty="0" smtClean="0"/>
               <a:t>		</a:t>
             </a:r>
             <a:r>
-              <a:rPr lang="pt-BR" sz="2000" dirty="0" err="1" smtClean="0">
-                <a:solidFill>
-                  <a:srgbClr val="FFC000"/>
-                </a:solidFill>
-              </a:rPr>
+              <a:rPr lang="pt-BR" sz="2000" dirty="0" err="1" smtClean="0"/>
               <a:t>if</a:t>
             </a:r>
             <a:r>
-              <a:rPr lang="pt-BR" sz="2000" dirty="0" smtClean="0">
-                <a:solidFill>
-                  <a:srgbClr val="FFC000"/>
-                </a:solidFill>
-              </a:rPr>
+              <a:rPr lang="pt-BR" sz="2000" dirty="0" smtClean="0"/>
               <a:t> (</a:t>
             </a:r>
             <a:r>
-              <a:rPr lang="pt-BR" sz="2000" dirty="0" err="1" smtClean="0">
-                <a:solidFill>
-                  <a:srgbClr val="FFC000"/>
-                </a:solidFill>
-              </a:rPr>
+              <a:rPr lang="pt-BR" sz="2000" dirty="0" err="1" smtClean="0"/>
               <a:t>array</a:t>
             </a:r>
             <a:r>
-              <a:rPr lang="pt-BR" sz="2000" dirty="0" smtClean="0">
-                <a:solidFill>
-                  <a:srgbClr val="FFC000"/>
-                </a:solidFill>
-              </a:rPr>
+              <a:rPr lang="pt-BR" sz="2000" dirty="0" smtClean="0"/>
               <a:t> == </a:t>
             </a:r>
             <a:r>
-              <a:rPr lang="pt-BR" sz="2000" dirty="0" err="1" smtClean="0">
-                <a:solidFill>
-                  <a:srgbClr val="FFC000"/>
-                </a:solidFill>
-              </a:rPr>
+              <a:rPr lang="pt-BR" sz="2000" dirty="0" err="1" smtClean="0"/>
               <a:t>null</a:t>
             </a:r>
             <a:r>
-              <a:rPr lang="pt-BR" sz="2000" dirty="0" smtClean="0">
-                <a:solidFill>
-                  <a:srgbClr val="FFC000"/>
-                </a:solidFill>
-              </a:rPr>
+              <a:rPr lang="pt-BR" sz="2000" dirty="0" smtClean="0"/>
               <a:t> |</a:t>
             </a:r>
             <a:r>
-              <a:rPr lang="pt-BR" sz="2000" dirty="0" err="1" smtClean="0">
-                <a:solidFill>
-                  <a:srgbClr val="FFC000"/>
-                </a:solidFill>
-              </a:rPr>
+              <a:rPr lang="pt-BR" sz="2000" dirty="0" err="1" smtClean="0"/>
               <a:t>|</a:t>
             </a:r>
             <a:r>
-              <a:rPr lang="pt-BR" sz="2000" dirty="0" smtClean="0">
-                <a:solidFill>
-                  <a:srgbClr val="FFC000"/>
-                </a:solidFill>
-              </a:rPr>
+              <a:rPr lang="pt-BR" sz="2000" dirty="0" smtClean="0"/>
               <a:t> </a:t>
             </a:r>
             <a:r>
-              <a:rPr lang="pt-BR" sz="2000" dirty="0" err="1" smtClean="0">
-                <a:solidFill>
-                  <a:srgbClr val="FFC000"/>
-                </a:solidFill>
-              </a:rPr>
+              <a:rPr lang="pt-BR" sz="2000" dirty="0" err="1" smtClean="0"/>
               <a:t>array</a:t>
             </a:r>
             <a:r>
-              <a:rPr lang="pt-BR" sz="2000" dirty="0" smtClean="0">
-                <a:solidFill>
-                  <a:srgbClr val="FFC000"/>
-                </a:solidFill>
-              </a:rPr>
+              <a:rPr lang="pt-BR" sz="2000" dirty="0" smtClean="0"/>
               <a:t>.</a:t>
             </a:r>
             <a:r>
-              <a:rPr lang="pt-BR" sz="2000" dirty="0" err="1" smtClean="0">
-                <a:solidFill>
-                  <a:srgbClr val="FFC000"/>
-                </a:solidFill>
-              </a:rPr>
+              <a:rPr lang="pt-BR" sz="2000" dirty="0" err="1" smtClean="0"/>
               <a:t>length</a:t>
             </a:r>
             <a:r>
-              <a:rPr lang="pt-BR" sz="2000" dirty="0" smtClean="0">
-                <a:solidFill>
-                  <a:srgbClr val="FFC000"/>
-                </a:solidFill>
-              </a:rPr>
+              <a:rPr lang="pt-BR" sz="2000" dirty="0" smtClean="0"/>
               <a:t> == 0) </a:t>
             </a:r>
             <a:r>
-              <a:rPr lang="pt-BR" sz="2000" dirty="0" err="1" smtClean="0">
-                <a:solidFill>
-                  <a:srgbClr val="FFC000"/>
-                </a:solidFill>
-              </a:rPr>
+              <a:rPr lang="pt-BR" sz="2000" dirty="0" err="1" smtClean="0"/>
               <a:t>return</a:t>
             </a:r>
             <a:r>
-              <a:rPr lang="pt-BR" sz="2000" dirty="0" smtClean="0">
-                <a:solidFill>
-                  <a:srgbClr val="FFC000"/>
-                </a:solidFill>
-              </a:rPr>
+              <a:rPr lang="pt-BR" sz="2000" dirty="0" smtClean="0"/>
               <a:t> </a:t>
             </a:r>
             <a:r>
-              <a:rPr lang="pt-BR" sz="2000" dirty="0" err="1" smtClean="0">
-                <a:solidFill>
-                  <a:srgbClr val="FFC000"/>
-                </a:solidFill>
-              </a:rPr>
+              <a:rPr lang="pt-BR" sz="2000" dirty="0" err="1" smtClean="0"/>
               <a:t>null</a:t>
             </a:r>
             <a:r>
-              <a:rPr lang="pt-BR" sz="2000" dirty="0" smtClean="0">
-                <a:solidFill>
-                  <a:srgbClr val="FFC000"/>
-                </a:solidFill>
-              </a:rPr>
+              <a:rPr lang="pt-BR" sz="2000" dirty="0" smtClean="0"/>
               <a:t>;</a:t>
             </a:r>
           </a:p>
@@ -7286,91 +7043,47 @@
               </a:tabLst>
             </a:pPr>
             <a:r>
-              <a:rPr lang="pt-BR" sz="2000" dirty="0" smtClean="0">
-                <a:solidFill>
-                  <a:srgbClr val="FFC000"/>
-                </a:solidFill>
-              </a:rPr>
+              <a:rPr lang="pt-BR" sz="2000" dirty="0" smtClean="0"/>
               <a:t>		</a:t>
             </a:r>
             <a:r>
-              <a:rPr lang="pt-BR" sz="2000" dirty="0" err="1" smtClean="0">
-                <a:solidFill>
-                  <a:srgbClr val="FFC000"/>
-                </a:solidFill>
-              </a:rPr>
+              <a:rPr lang="pt-BR" sz="2000" dirty="0" err="1" smtClean="0"/>
               <a:t>else</a:t>
             </a:r>
             <a:r>
-              <a:rPr lang="pt-BR" sz="2000" dirty="0" smtClean="0">
-                <a:solidFill>
-                  <a:srgbClr val="FFC000"/>
-                </a:solidFill>
-              </a:rPr>
+              <a:rPr lang="pt-BR" sz="2000" dirty="0" smtClean="0"/>
               <a:t> </a:t>
             </a:r>
             <a:r>
-              <a:rPr lang="pt-BR" sz="2000" dirty="0" err="1" smtClean="0">
-                <a:solidFill>
-                  <a:srgbClr val="FFC000"/>
-                </a:solidFill>
-              </a:rPr>
+              <a:rPr lang="pt-BR" sz="2000" dirty="0" err="1" smtClean="0"/>
               <a:t>return</a:t>
             </a:r>
             <a:r>
-              <a:rPr lang="pt-BR" sz="2000" dirty="0" smtClean="0">
-                <a:solidFill>
-                  <a:srgbClr val="FFC000"/>
-                </a:solidFill>
-              </a:rPr>
+              <a:rPr lang="pt-BR" sz="2000" dirty="0" smtClean="0"/>
               <a:t> </a:t>
             </a:r>
             <a:r>
-              <a:rPr lang="pt-BR" sz="2000" dirty="0" err="1" smtClean="0">
-                <a:solidFill>
-                  <a:srgbClr val="FFC000"/>
-                </a:solidFill>
-              </a:rPr>
+              <a:rPr lang="pt-BR" sz="2000" dirty="0" err="1" smtClean="0"/>
               <a:t>array</a:t>
             </a:r>
             <a:r>
-              <a:rPr lang="pt-BR" sz="2000" dirty="0" smtClean="0">
-                <a:solidFill>
-                  <a:srgbClr val="FFC000"/>
-                </a:solidFill>
-              </a:rPr>
+              <a:rPr lang="pt-BR" sz="2000" dirty="0" smtClean="0"/>
               <a:t>[</a:t>
             </a:r>
             <a:r>
-              <a:rPr lang="pt-BR" sz="2000" dirty="0" err="1" smtClean="0">
-                <a:solidFill>
-                  <a:srgbClr val="FFC000"/>
-                </a:solidFill>
-              </a:rPr>
+              <a:rPr lang="pt-BR" sz="2000" dirty="0" err="1" smtClean="0"/>
               <a:t>array</a:t>
             </a:r>
             <a:r>
-              <a:rPr lang="pt-BR" sz="2000" dirty="0" smtClean="0">
-                <a:solidFill>
-                  <a:srgbClr val="FFC000"/>
-                </a:solidFill>
-              </a:rPr>
+              <a:rPr lang="pt-BR" sz="2000" dirty="0" smtClean="0"/>
               <a:t>.</a:t>
             </a:r>
             <a:r>
-              <a:rPr lang="pt-BR" sz="2000" dirty="0" err="1" smtClean="0">
-                <a:solidFill>
-                  <a:srgbClr val="FFC000"/>
-                </a:solidFill>
-              </a:rPr>
+              <a:rPr lang="pt-BR" sz="2000" dirty="0" err="1" smtClean="0"/>
               <a:t>length</a:t>
             </a:r>
             <a:r>
-              <a:rPr lang="pt-BR" sz="2000" dirty="0" smtClean="0">
-                <a:solidFill>
-                  <a:srgbClr val="FFC000"/>
-                </a:solidFill>
-              </a:rPr>
+              <a:rPr lang="pt-BR" sz="2000" dirty="0" smtClean="0"/>
               <a:t> - 1];</a:t>
             </a:r>
           </a:p>
@@ -7383,11 +7096,7 @@
               </a:tabLst>
             </a:pPr>
             <a:r>
-              <a:rPr lang="pt-BR" sz="2000" dirty="0" smtClean="0">
-                <a:solidFill>
-                  <a:srgbClr val="FFC000"/>
-                </a:solidFill>
-              </a:rPr>
+              <a:rPr lang="pt-BR" sz="2000" dirty="0" smtClean="0"/>
               <a:t>	}</a:t>
             </a:r>
           </a:p>
@@ -7400,11 +7109,7 @@
               </a:tabLst>
             </a:pPr>
             <a:r>
-              <a:rPr lang="pt-BR" sz="2000" dirty="0" smtClean="0">
-                <a:solidFill>
-                  <a:srgbClr val="FFC000"/>
-                </a:solidFill>
-              </a:rPr>
+              <a:rPr lang="pt-BR" sz="2000" dirty="0" smtClean="0"/>
               <a:t>}</a:t>
             </a:r>
           </a:p>
@@ -7456,6 +7161,9 @@
                     <p:cTn id="3" fill="hold">
                       <p:stCondLst>
                         <p:cond delay="indefinite"/>
+                        <p:cond evt="onBegin" delay="0">
+                          <p:tn val="2"/>
+                        </p:cond>
                       </p:stCondLst>
                       <p:childTnLst>
                         <p:par>
@@ -7465,7 +7173,7 @@
                             </p:stCondLst>
                             <p:childTnLst>
                               <p:par>
-                                <p:cTn id="5" presetID="2" presetClass="entr" presetSubtype="2" fill="hold" nodeType="clickEffect">
+                                <p:cTn id="5" presetID="2" presetClass="entr" presetSubtype="2" fill="hold" nodeType="withEffect">
                                   <p:stCondLst>
                                     <p:cond delay="0"/>
                                   </p:stCondLst>
@@ -7480,7 +7188,7 @@
                                         <p:tgtEl>
                                           <p:spTgt spid="3">
                                             <p:txEl>
-                                              <p:pRg st="2" end="2"/>
+                                              <p:pRg st="3" end="3"/>
                                             </p:txEl>
                                           </p:spTgt>
                                         </p:tgtEl>
@@ -7498,7 +7206,7 @@
                                         <p:tgtEl>
                                           <p:spTgt spid="3">
                                             <p:txEl>
-                                              <p:pRg st="2" end="2"/>
+                                              <p:pRg st="3" end="3"/>
                                             </p:txEl>
                                           </p:spTgt>
                                         </p:tgtEl>
@@ -7525,7 +7233,7 @@
                                         <p:tgtEl>
                                           <p:spTgt spid="3">
                                             <p:txEl>
-                                              <p:pRg st="2" end="2"/>
+                                              <p:pRg st="3" end="3"/>
                                             </p:txEl>
                                           </p:spTgt>
                                         </p:tgtEl>
@@ -7565,7 +7273,7 @@
                                         <p:tgtEl>
                                           <p:spTgt spid="3">
                                             <p:txEl>
-                                              <p:pRg st="3" end="3"/>
+                                              <p:pRg st="2" end="2"/>
                                             </p:txEl>
                                           </p:spTgt>
                                         </p:tgtEl>
@@ -7583,7 +7291,7 @@
                                         <p:tgtEl>
                                           <p:spTgt spid="3">
                                             <p:txEl>
-                                              <p:pRg st="3" end="3"/>
+                                              <p:pRg st="2" end="2"/>
                                             </p:txEl>
                                           </p:spTgt>
                                         </p:tgtEl>
@@ -7610,7 +7318,7 @@
                                         <p:tgtEl>
                                           <p:spTgt spid="3">
                                             <p:txEl>
-                                              <p:pRg st="3" end="3"/>
+                                              <p:pRg st="2" end="2"/>
                                             </p:txEl>
                                           </p:spTgt>
                                         </p:tgtEl>
@@ -7889,33 +7597,100 @@
                                   </p:childTnLst>
                                 </p:cTn>
                               </p:par>
-                            </p:childTnLst>
-                          </p:cTn>
-                        </p:par>
-                      </p:childTnLst>
-                    </p:cTn>
-                  </p:par>
-                  <p:par>
-                    <p:cTn id="25" fill="hold">
-                      <p:stCondLst>
-                        <p:cond delay="indefinite"/>
-                      </p:stCondLst>
-                      <p:childTnLst>
-                        <p:par>
-                          <p:cTn id="26" fill="hold">
-                            <p:stCondLst>
-                              <p:cond delay="0"/>
-                            </p:stCondLst>
-                            <p:childTnLst>
                               <p:par>
-                                <p:cTn id="27" presetID="2" presetClass="entr" presetSubtype="2" fill="hold" nodeType="clickEffect">
+                                <p:cTn id="25" presetID="2" presetClass="entr" presetSubtype="2" fill="hold" nodeType="withEffect">
                                   <p:stCondLst>
                                     <p:cond delay="0"/>
                                   </p:stCondLst>
                                   <p:childTnLst>
                                     <p:set>
                                       <p:cBhvr>
-                                        <p:cTn id="28" dur="1" fill="hold">
+                                        <p:cTn id="26" dur="1" fill="hold">
+                                          <p:stCondLst>
+                                            <p:cond delay="0"/>
+                                          </p:stCondLst>
+                                        </p:cTn>
+                                        <p:tgtEl>
+                                          <p:spTgt spid="3">
+                                            <p:txEl>
+                                              <p:pRg st="9" end="9"/>
+                                            </p:txEl>
+                                          </p:spTgt>
+                                        </p:tgtEl>
+                                        <p:attrNameLst>
+                                          <p:attrName>style.visibility</p:attrName>
+                                        </p:attrNameLst>
+                                      </p:cBhvr>
+                                      <p:to>
+                                        <p:strVal val="visible"/>
+                                      </p:to>
+                                    </p:set>
+                                    <p:anim calcmode="lin" valueType="num">
+                                      <p:cBhvr additive="base">
+                                        <p:cTn id="27" dur="500" fill="hold"/>
+                                        <p:tgtEl>
+                                          <p:spTgt spid="3">
+                                            <p:txEl>
+                                              <p:pRg st="9" end="9"/>
+                                            </p:txEl>
+                                          </p:spTgt>
+                                        </p:tgtEl>
+                                        <p:attrNameLst>
+                                          <p:attrName>ppt_x</p:attrName>
+                                        </p:attrNameLst>
+                                      </p:cBhvr>
+                                      <p:tavLst>
+                                        <p:tav tm="0">
+                                          <p:val>
+                                            <p:strVal val="1+#ppt_w/2"/>
+                                          </p:val>
+                                        </p:tav>
+                                        <p:tav tm="100000">
+                                          <p:val>
+                                            <p:strVal val="#ppt_x"/>
+                                          </p:val>
+                                        </p:tav>
+                                      </p:tavLst>
+                                    </p:anim>
+                                    <p:anim calcmode="lin" valueType="num">
+                                      <p:cBhvr additive="base">
+                                        <p:cTn id="28" dur="500" fill="hold"/>
+                                        <p:tgtEl>
+                                          <p:spTgt spid="3">
+                                            <p:txEl>
+                                              <p:pRg st="9" end="9"/>
+                                            </p:txEl>
+                                          </p:spTgt>
+                                        </p:tgtEl>
+                                        <p:attrNameLst>
+                                          <p:attrName>ppt_y</p:attrName>
+                                        </p:attrNameLst>
+                                      </p:cBhvr>
+                                      <p:tavLst>
+                                        <p:tav tm="0">
+                                          <p:val>
+                                            <p:strVal val="#ppt_y"/>
+                                          </p:val>
+                                        </p:tav>
+                                        <p:tav tm="100000">
+                                          <p:val>
+                                            <p:strVal val="#ppt_y"/>
+                                          </p:val>
+                                        </p:tav>
+                                      </p:tavLst>
+                                    </p:anim>
+                                  </p:childTnLst>
+                                </p:cTn>
+                              </p:par>
+                              <p:par>
+                                <p:cTn id="29" presetID="2" presetClass="entr" presetSubtype="2" fill="hold" nodeType="withEffect">
+                                  <p:stCondLst>
+                                    <p:cond delay="0"/>
+                                  </p:stCondLst>
+                                  <p:childTnLst>
+                                    <p:set>
+                                      <p:cBhvr>
+                                        <p:cTn id="30" dur="1" fill="hold">
                                           <p:stCondLst>
                                             <p:cond delay="0"/>
                                           </p:stCondLst>
@@ -7937,7 +7712,7 @@
                                     </p:set>
                                     <p:anim calcmode="lin" valueType="num">
                                       <p:cBhvr additive="base">
-                                        <p:cTn id="29" dur="500" fill="hold"/>
+                                        <p:cTn id="31" dur="500" fill="hold"/>
                                         <p:tgtEl>
                                           <p:spTgt spid="3">
                                             <p:txEl>
@@ -7964,7 +7739,7 @@
                                     </p:anim>
                                     <p:anim calcmode="lin" valueType="num">
                                       <p:cBhvr additive="base">
-                                        <p:cTn id="30" dur="500" fill="hold"/>
+                                        <p:cTn id="32" dur="500" fill="hold"/>
                                         <p:tgtEl>
                                           <p:spTgt spid="3">
                                             <p:txEl>
@@ -7993,99 +7768,14 @@
                                 </p:cTn>
                               </p:par>
                               <p:par>
-                                <p:cTn id="31" presetID="2" presetClass="entr" presetSubtype="2" fill="hold" nodeType="withEffect">
+                                <p:cTn id="33" presetID="2" presetClass="entr" presetSubtype="2" fill="hold" nodeType="withEffect">
                                   <p:stCondLst>
                                     <p:cond delay="0"/>
                                   </p:stCondLst>
                                   <p:childTnLst>
                                     <p:set>
                                       <p:cBhvr>
-                                        <p:cTn id="32" dur="1" fill="hold">
-                                          <p:stCondLst>
-                                            <p:cond delay="0"/>
-                                          </p:stCondLst>
-                                        </p:cTn>
-                                        <p:tgtEl>
-                                          <p:spTgt spid="3">
-                                            <p:txEl>
-                                              <p:pRg st="9" end="9"/>
-                                            </p:txEl>
-                                          </p:spTgt>
-                                        </p:tgtEl>
-                                        <p:attrNameLst>
-                                          <p:attrName>style.visibility</p:attrName>
-                                        </p:attrNameLst>
-                                      </p:cBhvr>
-                                      <p:to>
-                                        <p:strVal val="visible"/>
-                                      </p:to>
-                                    </p:set>
-                                    <p:anim calcmode="lin" valueType="num">
-                                      <p:cBhvr additive="base">
-                                        <p:cTn id="33" dur="500" fill="hold"/>
-                                        <p:tgtEl>
-                                          <p:spTgt spid="3">
-                                            <p:txEl>
-                                              <p:pRg st="9" end="9"/>
-                                            </p:txEl>
-                                          </p:spTgt>
-                                        </p:tgtEl>
-                                        <p:attrNameLst>
-                                          <p:attrName>ppt_x</p:attrName>
-                                        </p:attrNameLst>
-                                      </p:cBhvr>
-                                      <p:tavLst>
-                                        <p:tav tm="0">
-                                          <p:val>
-                                            <p:strVal val="1+#ppt_w/2"/>
-                                          </p:val>
-                                        </p:tav>
-                                        <p:tav tm="100000">
-                                          <p:val>
-                                            <p:strVal val="#ppt_x"/>
-                                          </p:val>
-                                        </p:tav>
-                                      </p:tavLst>
-                                    </p:anim>
-                                    <p:anim calcmode="lin" valueType="num">
-                                      <p:cBhvr additive="base">
-                                        <p:cTn id="34" dur="500" fill="hold"/>
-                                        <p:tgtEl>
-                                          <p:spTgt spid="3">
-                                            <p:txEl>
-                                              <p:pRg st="9" end="9"/>
-                                            </p:txEl>
-                                          </p:spTgt>
-                                        </p:tgtEl>
-                                        <p:attrNameLst>
-                                          <p:attrName>ppt_y</p:attrName>
-                                        </p:attrNameLst>
-                                      </p:cBhvr>
-                                      <p:tavLst>
-                                        <p:tav tm="0">
-                                          <p:val>
-                                            <p:strVal val="#ppt_y"/>
-                                          </p:val>
-                                        </p:tav>
-                                        <p:tav tm="100000">
-                                          <p:val>
-                                            <p:strVal val="#ppt_y"/>
-                                          </p:val>
-                                        </p:tav>
-                                      </p:tavLst>
-                                    </p:anim>
-                                  </p:childTnLst>
-                                </p:cTn>
-                              </p:par>
-                              <p:par>
-                                <p:cTn id="35" presetID="2" presetClass="entr" presetSubtype="2" fill="hold" nodeType="withEffect">
-                                  <p:stCondLst>
-                                    <p:cond delay="0"/>
-                                  </p:stCondLst>
-                                  <p:childTnLst>
-                                    <p:set>
-                                      <p:cBhvr>
-                                        <p:cTn id="36" dur="1" fill="hold">
+                                        <p:cTn id="34" dur="1" fill="hold">
                                           <p:stCondLst>
                                             <p:cond delay="0"/>
                                           </p:stCondLst>
@@ -8107,7 +7797,7 @@
                                     </p:set>
                                     <p:anim calcmode="lin" valueType="num">
                                       <p:cBhvr additive="base">
-                                        <p:cTn id="37" dur="500" fill="hold"/>
+                                        <p:cTn id="35" dur="500" fill="hold"/>
                                         <p:tgtEl>
                                           <p:spTgt spid="3">
                                             <p:txEl>
@@ -8134,7 +7824,7 @@
                                     </p:anim>
                                     <p:anim calcmode="lin" valueType="num">
                                       <p:cBhvr additive="base">
-                                        <p:cTn id="38" dur="500" fill="hold"/>
+                                        <p:cTn id="36" dur="500" fill="hold"/>
                                         <p:tgtEl>
                                           <p:spTgt spid="3">
                                             <p:txEl>
@@ -8163,14 +7853,14 @@
                                 </p:cTn>
                               </p:par>
                               <p:par>
-                                <p:cTn id="39" presetID="2" presetClass="entr" presetSubtype="2" fill="hold" nodeType="withEffect">
+                                <p:cTn id="37" presetID="2" presetClass="entr" presetSubtype="2" fill="hold" nodeType="withEffect">
                                   <p:stCondLst>
                                     <p:cond delay="0"/>
                                   </p:stCondLst>
                                   <p:childTnLst>
                                     <p:set>
                                       <p:cBhvr>
-                                        <p:cTn id="40" dur="1" fill="hold">
+                                        <p:cTn id="38" dur="1" fill="hold">
                                           <p:stCondLst>
                                             <p:cond delay="0"/>
                                           </p:stCondLst>
@@ -8192,7 +7882,7 @@
                                     </p:set>
                                     <p:anim calcmode="lin" valueType="num">
                                       <p:cBhvr additive="base">
-                                        <p:cTn id="41" dur="500" fill="hold"/>
+                                        <p:cTn id="39" dur="500" fill="hold"/>
                                         <p:tgtEl>
                                           <p:spTgt spid="3">
                                             <p:txEl>
@@ -8219,7 +7909,7 @@
                                     </p:anim>
                                     <p:anim calcmode="lin" valueType="num">
                                       <p:cBhvr additive="base">
-                                        <p:cTn id="42" dur="500" fill="hold"/>
+                                        <p:cTn id="40" dur="500" fill="hold"/>
                                         <p:tgtEl>
                                           <p:spTgt spid="3">
                                             <p:txEl>
@@ -8248,14 +7938,14 @@
                                 </p:cTn>
                               </p:par>
                               <p:par>
-                                <p:cTn id="43" presetID="2" presetClass="entr" presetSubtype="2" fill="hold" nodeType="withEffect">
+                                <p:cTn id="41" presetID="2" presetClass="entr" presetSubtype="2" fill="hold" nodeType="withEffect">
                                   <p:stCondLst>
                                     <p:cond delay="0"/>
                                   </p:stCondLst>
                                   <p:childTnLst>
                                     <p:set>
                                       <p:cBhvr>
-                                        <p:cTn id="44" dur="1" fill="hold">
+                                        <p:cTn id="42" dur="1" fill="hold">
                                           <p:stCondLst>
                                             <p:cond delay="0"/>
                                           </p:stCondLst>
@@ -8277,7 +7967,7 @@
                                     </p:set>
                                     <p:anim calcmode="lin" valueType="num">
                                       <p:cBhvr additive="base">
-                                        <p:cTn id="45" dur="500" fill="hold"/>
+                                        <p:cTn id="43" dur="500" fill="hold"/>
                                         <p:tgtEl>
                                           <p:spTgt spid="3">
                                             <p:txEl>
@@ -8304,7 +7994,7 @@
                                     </p:anim>
                                     <p:anim calcmode="lin" valueType="num">
                                       <p:cBhvr additive="base">
-                                        <p:cTn id="46" dur="500" fill="hold"/>
+                                        <p:cTn id="44" dur="500" fill="hold"/>
                                         <p:tgtEl>
                                           <p:spTgt spid="3">
                                             <p:txEl>
@@ -8976,21 +8666,8 @@
                   <a:srgbClr val="FFC000"/>
                 </a:solidFill>
               </a:rPr>
-              <a:t>Marido: João </a:t>
-            </a:r>
-            <a:r>
-              <a:rPr lang="pt-BR" sz="2800" dirty="0" smtClean="0">
-                <a:solidFill>
-                  <a:srgbClr val="FFC000"/>
-                </a:solidFill>
-              </a:rPr>
-              <a:t>- 26 anos</a:t>
-            </a:r>
-            <a:endParaRPr lang="pt-BR" sz="2800" dirty="0" smtClean="0">
-              <a:solidFill>
-                <a:srgbClr val="FFC000"/>
-              </a:solidFill>
-            </a:endParaRPr>
+              <a:t>Marido: João - 26 anos</a:t>
+            </a:r>
           </a:p>
           <a:p>
             <a:pPr marL="0" indent="0">
@@ -9005,21 +8682,8 @@
                   <a:srgbClr val="FFC000"/>
                 </a:solidFill>
               </a:rPr>
-              <a:t>Mulher: Maria </a:t>
-            </a:r>
-            <a:r>
-              <a:rPr lang="pt-BR" sz="2800" dirty="0" smtClean="0">
-                <a:solidFill>
-                  <a:srgbClr val="FFC000"/>
-                </a:solidFill>
-              </a:rPr>
-              <a:t>- 22 anos</a:t>
-            </a:r>
-            <a:endParaRPr lang="pt-BR" sz="2800" dirty="0" smtClean="0">
-              <a:solidFill>
-                <a:srgbClr val="FFC000"/>
-              </a:solidFill>
-            </a:endParaRPr>
+              <a:t>Mulher: Maria - 22 anos</a:t>
+            </a:r>
           </a:p>
           <a:p>
             <a:pPr marL="0" indent="0">
@@ -9321,7 +8985,7 @@
                       <a:r>
                         <a:rPr lang="pt-BR" sz="1800" b="0" dirty="0" err="1" smtClean="0">
                           <a:solidFill>
-                            <a:srgbClr val="FFC000"/>
+                            <a:schemeClr val="tx1"/>
                           </a:solidFill>
                         </a:rPr>
                         <a:t>public</a:t>
@@ -9329,7 +8993,23 @@
                       <a:r>
                         <a:rPr lang="pt-BR" sz="1800" b="0" dirty="0" smtClean="0">
                           <a:solidFill>
-                            <a:srgbClr val="FFC000"/>
+                            <a:schemeClr val="tx1"/>
+                          </a:solidFill>
+                        </a:rPr>
+                        <a:t> </a:t>
+                      </a:r>
+                      <a:r>
+                        <a:rPr lang="pt-BR" sz="1800" b="0" dirty="0" err="1" smtClean="0">
+                          <a:solidFill>
+                            <a:schemeClr val="tx1"/>
+                          </a:solidFill>
+                        </a:rPr>
+                        <a:t>class</a:t>
+                      </a:r>
+                      <a:r>
+                        <a:rPr lang="pt-BR" sz="1800" b="0" dirty="0" smtClean="0">
+                          <a:solidFill>
+                            <a:schemeClr val="tx1"/>
                           </a:solidFill>
                         </a:rPr>
                         <a:t> </a:t>
@@ -9340,24 +9020,12 @@
                             <a:srgbClr val="FFC000"/>
                           </a:solidFill>
                         </a:rPr>
-                        <a:t>class</a:t>
-                      </a:r>
-                      <a:r>
-                        <a:rPr lang="pt-BR" sz="1800" b="0" dirty="0" smtClean="0">
-                          <a:solidFill>
-                            <a:srgbClr val="FFC000"/>
-                          </a:solidFill>
-                        </a:rPr>
-                        <a:t> </a:t>
-                      </a:r>
-                      <a:r>
-                        <a:rPr lang="pt-BR" sz="1800" b="0" dirty="0" err="1" smtClean="0"/>
                         <a:t>BolsaString</a:t>
                       </a:r>
                       <a:r>
                         <a:rPr lang="pt-BR" sz="1800" b="0" dirty="0" smtClean="0">
                           <a:solidFill>
-                            <a:srgbClr val="FFC000"/>
+                            <a:schemeClr val="tx1"/>
                           </a:solidFill>
                         </a:rPr>
                         <a:t> {</a:t>
@@ -9373,7 +9041,7 @@
                       </a:pPr>
                       <a:endParaRPr lang="pt-BR" sz="1800" b="0" dirty="0" smtClean="0">
                         <a:solidFill>
-                          <a:srgbClr val="FFC000"/>
+                          <a:schemeClr val="tx1"/>
                         </a:solidFill>
                       </a:endParaRPr>
                     </a:p>
@@ -9388,7 +9056,7 @@
                       <a:r>
                         <a:rPr lang="pt-BR" sz="1800" b="0" dirty="0" smtClean="0">
                           <a:solidFill>
-                            <a:srgbClr val="FFC000"/>
+                            <a:schemeClr val="tx1"/>
                           </a:solidFill>
                         </a:rPr>
                         <a:t>	</a:t>
@@ -9396,7 +9064,7 @@
                       <a:r>
                         <a:rPr lang="pt-BR" sz="1800" b="0" dirty="0" err="1" smtClean="0">
                           <a:solidFill>
-                            <a:srgbClr val="FFC000"/>
+                            <a:schemeClr val="tx1"/>
                           </a:solidFill>
                         </a:rPr>
                         <a:t>private</a:t>
@@ -9404,19 +9072,23 @@
                       <a:r>
                         <a:rPr lang="pt-BR" sz="1800" b="0" dirty="0" smtClean="0">
                           <a:solidFill>
-                            <a:srgbClr val="FFC000"/>
+                            <a:schemeClr val="tx1"/>
                           </a:solidFill>
                         </a:rPr>
                         <a:t> String </a:t>
                       </a:r>
                       <a:r>
-                        <a:rPr lang="pt-BR" sz="1800" b="0" dirty="0" smtClean="0"/>
+                        <a:rPr lang="pt-BR" sz="1800" b="0" dirty="0" smtClean="0">
+                          <a:solidFill>
+                            <a:srgbClr val="FFC000"/>
+                          </a:solidFill>
+                        </a:rPr>
                         <a:t>valor</a:t>
                       </a:r>
                       <a:r>
                         <a:rPr lang="pt-BR" sz="1800" b="0" dirty="0" smtClean="0">
                           <a:solidFill>
-                            <a:srgbClr val="FFC000"/>
+                            <a:schemeClr val="tx1"/>
                           </a:solidFill>
                         </a:rPr>
                         <a:t>;</a:t>
@@ -9432,7 +9104,7 @@
                       </a:pPr>
                       <a:endParaRPr lang="pt-BR" sz="1800" b="0" dirty="0" smtClean="0">
                         <a:solidFill>
-                          <a:srgbClr val="FFC000"/>
+                          <a:schemeClr val="tx1"/>
                         </a:solidFill>
                       </a:endParaRPr>
                     </a:p>
@@ -9447,7 +9119,7 @@
                       <a:r>
                         <a:rPr lang="pt-BR" sz="1800" b="0" dirty="0" smtClean="0">
                           <a:solidFill>
-                            <a:srgbClr val="FFC000"/>
+                            <a:schemeClr val="tx1"/>
                           </a:solidFill>
                         </a:rPr>
                         <a:t>	</a:t>
@@ -9455,7 +9127,7 @@
                       <a:r>
                         <a:rPr lang="pt-BR" sz="1800" b="0" dirty="0" err="1" smtClean="0">
                           <a:solidFill>
-                            <a:srgbClr val="FFC000"/>
+                            <a:schemeClr val="tx1"/>
                           </a:solidFill>
                         </a:rPr>
                         <a:t>public</a:t>
@@ -9463,19 +9135,23 @@
                       <a:r>
                         <a:rPr lang="pt-BR" sz="1800" b="0" dirty="0" smtClean="0">
                           <a:solidFill>
-                            <a:srgbClr val="FFC000"/>
+                            <a:schemeClr val="tx1"/>
                           </a:solidFill>
                         </a:rPr>
                         <a:t> String </a:t>
                       </a:r>
                       <a:r>
-                        <a:rPr lang="pt-BR" sz="1800" b="0" dirty="0" err="1" smtClean="0"/>
+                        <a:rPr lang="pt-BR" sz="1800" b="0" dirty="0" err="1" smtClean="0">
+                          <a:solidFill>
+                            <a:srgbClr val="FFC000"/>
+                          </a:solidFill>
+                        </a:rPr>
                         <a:t>getValor</a:t>
                       </a:r>
                       <a:r>
                         <a:rPr lang="pt-BR" sz="1800" b="0" dirty="0" smtClean="0">
                           <a:solidFill>
-                            <a:srgbClr val="FFC000"/>
+                            <a:schemeClr val="tx1"/>
                           </a:solidFill>
                         </a:rPr>
                         <a:t>() {</a:t>
@@ -9492,7 +9168,7 @@
                       <a:r>
                         <a:rPr lang="pt-BR" sz="1800" b="0" dirty="0" smtClean="0">
                           <a:solidFill>
-                            <a:srgbClr val="FFC000"/>
+                            <a:schemeClr val="tx1"/>
                           </a:solidFill>
                         </a:rPr>
                         <a:t>		</a:t>
@@ -9500,7 +9176,7 @@
                       <a:r>
                         <a:rPr lang="pt-BR" sz="1800" b="0" dirty="0" err="1" smtClean="0">
                           <a:solidFill>
-                            <a:srgbClr val="FFC000"/>
+                            <a:schemeClr val="tx1"/>
                           </a:solidFill>
                         </a:rPr>
                         <a:t>return</a:t>
@@ -9508,7 +9184,7 @@
                       <a:r>
                         <a:rPr lang="pt-BR" sz="1800" b="0" dirty="0" smtClean="0">
                           <a:solidFill>
-                            <a:srgbClr val="FFC000"/>
+                            <a:schemeClr val="tx1"/>
                           </a:solidFill>
                         </a:rPr>
                         <a:t> </a:t>
@@ -9516,7 +9192,7 @@
                       <a:r>
                         <a:rPr lang="pt-BR" sz="1800" b="0" dirty="0" smtClean="0">
                           <a:solidFill>
-                            <a:schemeClr val="tx1"/>
+                            <a:srgbClr val="FFC000"/>
                           </a:solidFill>
                         </a:rPr>
                         <a:t>valor</a:t>
@@ -9524,7 +9200,7 @@
                       <a:r>
                         <a:rPr lang="pt-BR" sz="1800" b="0" dirty="0" smtClean="0">
                           <a:solidFill>
-                            <a:srgbClr val="FFC000"/>
+                            <a:schemeClr val="tx1"/>
                           </a:solidFill>
                         </a:rPr>
                         <a:t>;</a:t>
@@ -9541,7 +9217,7 @@
                       <a:r>
                         <a:rPr lang="pt-BR" sz="1800" b="0" dirty="0" smtClean="0">
                           <a:solidFill>
-                            <a:srgbClr val="FFC000"/>
+                            <a:schemeClr val="tx1"/>
                           </a:solidFill>
                         </a:rPr>
                         <a:t>	}</a:t>
@@ -9557,7 +9233,7 @@
                       </a:pPr>
                       <a:endParaRPr lang="pt-BR" sz="1800" b="0" dirty="0" smtClean="0">
                         <a:solidFill>
-                          <a:srgbClr val="FFC000"/>
+                          <a:schemeClr val="tx1"/>
                         </a:solidFill>
                       </a:endParaRPr>
                     </a:p>
@@ -9572,7 +9248,7 @@
                       <a:r>
                         <a:rPr lang="pt-BR" sz="1800" b="0" dirty="0" smtClean="0">
                           <a:solidFill>
-                            <a:srgbClr val="FFC000"/>
+                            <a:schemeClr val="tx1"/>
                           </a:solidFill>
                         </a:rPr>
                         <a:t>	</a:t>
@@ -9580,7 +9256,7 @@
                       <a:r>
                         <a:rPr lang="pt-BR" sz="1800" b="0" dirty="0" err="1" smtClean="0">
                           <a:solidFill>
-                            <a:srgbClr val="FFC000"/>
+                            <a:schemeClr val="tx1"/>
                           </a:solidFill>
                         </a:rPr>
                         <a:t>public</a:t>
@@ -9588,7 +9264,23 @@
                       <a:r>
                         <a:rPr lang="pt-BR" sz="1800" b="0" dirty="0" smtClean="0">
                           <a:solidFill>
-                            <a:srgbClr val="FFC000"/>
+                            <a:schemeClr val="tx1"/>
+                          </a:solidFill>
+                        </a:rPr>
+                        <a:t> </a:t>
+                      </a:r>
+                      <a:r>
+                        <a:rPr lang="pt-BR" sz="1800" b="0" dirty="0" err="1" smtClean="0">
+                          <a:solidFill>
+                            <a:schemeClr val="tx1"/>
+                          </a:solidFill>
+                        </a:rPr>
+                        <a:t>void</a:t>
+                      </a:r>
+                      <a:r>
+                        <a:rPr lang="pt-BR" sz="1800" b="0" dirty="0" smtClean="0">
+                          <a:solidFill>
+                            <a:schemeClr val="tx1"/>
                           </a:solidFill>
                         </a:rPr>
                         <a:t> </a:t>
@@ -9599,24 +9291,12 @@
                             <a:srgbClr val="FFC000"/>
                           </a:solidFill>
                         </a:rPr>
-                        <a:t>void</a:t>
-                      </a:r>
-                      <a:r>
-                        <a:rPr lang="pt-BR" sz="1800" b="0" dirty="0" smtClean="0">
-                          <a:solidFill>
-                            <a:srgbClr val="FFC000"/>
-                          </a:solidFill>
-                        </a:rPr>
-                        <a:t> </a:t>
-                      </a:r>
-                      <a:r>
-                        <a:rPr lang="pt-BR" sz="1800" b="0" dirty="0" err="1" smtClean="0"/>
                         <a:t>setValor</a:t>
                       </a:r>
                       <a:r>
                         <a:rPr lang="pt-BR" sz="1800" b="0" dirty="0" smtClean="0">
                           <a:solidFill>
-                            <a:srgbClr val="FFC000"/>
+                            <a:schemeClr val="tx1"/>
                           </a:solidFill>
                         </a:rPr>
                         <a:t>(String valor) {</a:t>
@@ -9633,7 +9313,7 @@
                       <a:r>
                         <a:rPr lang="pt-BR" sz="1800" b="0" dirty="0" smtClean="0">
                           <a:solidFill>
-                            <a:srgbClr val="FFC000"/>
+                            <a:schemeClr val="tx1"/>
                           </a:solidFill>
                         </a:rPr>
                         <a:t>		</a:t>
@@ -9641,7 +9321,7 @@
                       <a:r>
                         <a:rPr lang="pt-BR" sz="1800" b="0" dirty="0" err="1" smtClean="0">
                           <a:solidFill>
-                            <a:srgbClr val="FFC000"/>
+                            <a:schemeClr val="tx1"/>
                           </a:solidFill>
                         </a:rPr>
                         <a:t>this</a:t>
@@ -9649,7 +9329,7 @@
                       <a:r>
                         <a:rPr lang="pt-BR" sz="1800" b="0" dirty="0" smtClean="0">
                           <a:solidFill>
-                            <a:srgbClr val="FFC000"/>
+                            <a:schemeClr val="tx1"/>
                           </a:solidFill>
                         </a:rPr>
                         <a:t>.</a:t>
@@ -9657,7 +9337,7 @@
                       <a:r>
                         <a:rPr lang="pt-BR" sz="1800" b="0" dirty="0" smtClean="0">
                           <a:solidFill>
-                            <a:schemeClr val="tx1"/>
+                            <a:srgbClr val="FFC000"/>
                           </a:solidFill>
                         </a:rPr>
                         <a:t>valor</a:t>
@@ -9665,7 +9345,7 @@
                       <a:r>
                         <a:rPr lang="pt-BR" sz="1800" b="0" dirty="0" smtClean="0">
                           <a:solidFill>
-                            <a:srgbClr val="FFC000"/>
+                            <a:schemeClr val="tx1"/>
                           </a:solidFill>
                         </a:rPr>
                         <a:t> = valor;</a:t>
@@ -9682,7 +9362,7 @@
                       <a:r>
                         <a:rPr lang="pt-BR" sz="1800" b="0" dirty="0" smtClean="0">
                           <a:solidFill>
-                            <a:srgbClr val="FFC000"/>
+                            <a:schemeClr val="tx1"/>
                           </a:solidFill>
                         </a:rPr>
                         <a:t>	}</a:t>
@@ -9699,7 +9379,7 @@
                       <a:r>
                         <a:rPr lang="pt-BR" sz="1800" b="0" dirty="0" smtClean="0">
                           <a:solidFill>
-                            <a:srgbClr val="FFC000"/>
+                            <a:schemeClr val="tx1"/>
                           </a:solidFill>
                         </a:rPr>
                         <a:t>}</a:t>
@@ -9751,7 +9431,7 @@
                       <a:r>
                         <a:rPr lang="pt-BR" sz="1800" b="0" dirty="0" err="1" smtClean="0">
                           <a:solidFill>
-                            <a:srgbClr val="FFC000"/>
+                            <a:schemeClr val="tx1"/>
                           </a:solidFill>
                         </a:rPr>
                         <a:t>public</a:t>
@@ -9759,7 +9439,23 @@
                       <a:r>
                         <a:rPr lang="pt-BR" sz="1800" b="0" dirty="0" smtClean="0">
                           <a:solidFill>
-                            <a:srgbClr val="FFC000"/>
+                            <a:schemeClr val="tx1"/>
+                          </a:solidFill>
+                        </a:rPr>
+                        <a:t> </a:t>
+                      </a:r>
+                      <a:r>
+                        <a:rPr lang="pt-BR" sz="1800" b="0" dirty="0" err="1" smtClean="0">
+                          <a:solidFill>
+                            <a:schemeClr val="tx1"/>
+                          </a:solidFill>
+                        </a:rPr>
+                        <a:t>class</a:t>
+                      </a:r>
+                      <a:r>
+                        <a:rPr lang="pt-BR" sz="1800" b="0" dirty="0" smtClean="0">
+                          <a:solidFill>
+                            <a:schemeClr val="tx1"/>
                           </a:solidFill>
                         </a:rPr>
                         <a:t> </a:t>
@@ -9770,24 +9466,12 @@
                             <a:srgbClr val="FFC000"/>
                           </a:solidFill>
                         </a:rPr>
-                        <a:t>class</a:t>
-                      </a:r>
-                      <a:r>
-                        <a:rPr lang="pt-BR" sz="1800" b="0" dirty="0" smtClean="0">
-                          <a:solidFill>
-                            <a:srgbClr val="FFC000"/>
-                          </a:solidFill>
-                        </a:rPr>
-                        <a:t> </a:t>
-                      </a:r>
-                      <a:r>
-                        <a:rPr lang="pt-BR" sz="1800" b="0" dirty="0" err="1" smtClean="0"/>
                         <a:t>BolsaInteger</a:t>
                       </a:r>
                       <a:r>
                         <a:rPr lang="pt-BR" sz="1800" b="0" dirty="0" smtClean="0">
                           <a:solidFill>
-                            <a:srgbClr val="FFC000"/>
+                            <a:schemeClr val="tx1"/>
                           </a:solidFill>
                         </a:rPr>
                         <a:t> {</a:t>
@@ -9803,7 +9487,7 @@
                       </a:pPr>
                       <a:endParaRPr lang="pt-BR" sz="1800" b="0" dirty="0" smtClean="0">
                         <a:solidFill>
-                          <a:srgbClr val="FFC000"/>
+                          <a:schemeClr val="tx1"/>
                         </a:solidFill>
                       </a:endParaRPr>
                     </a:p>
@@ -9818,7 +9502,7 @@
                       <a:r>
                         <a:rPr lang="pt-BR" sz="1800" b="0" dirty="0" smtClean="0">
                           <a:solidFill>
-                            <a:srgbClr val="FFC000"/>
+                            <a:schemeClr val="tx1"/>
                           </a:solidFill>
                         </a:rPr>
                         <a:t>	</a:t>
@@ -9826,7 +9510,7 @@
                       <a:r>
                         <a:rPr lang="pt-BR" sz="1800" b="0" dirty="0" err="1" smtClean="0">
                           <a:solidFill>
-                            <a:srgbClr val="FFC000"/>
+                            <a:schemeClr val="tx1"/>
                           </a:solidFill>
                         </a:rPr>
                         <a:t>private</a:t>
@@ -9834,7 +9518,7 @@
                       <a:r>
                         <a:rPr lang="pt-BR" sz="1800" b="0" dirty="0" smtClean="0">
                           <a:solidFill>
-                            <a:srgbClr val="FFC000"/>
+                            <a:schemeClr val="tx1"/>
                           </a:solidFill>
                         </a:rPr>
                         <a:t> </a:t>
@@ -9842,7 +9526,7 @@
                       <a:r>
                         <a:rPr lang="pt-BR" sz="1800" b="0" dirty="0" err="1" smtClean="0">
                           <a:solidFill>
-                            <a:srgbClr val="FFC000"/>
+                            <a:schemeClr val="tx1"/>
                           </a:solidFill>
                         </a:rPr>
                         <a:t>Integer</a:t>
@@ -9850,19 +9534,23 @@
                       <a:r>
                         <a:rPr lang="pt-BR" sz="1800" b="0" dirty="0" smtClean="0">
                           <a:solidFill>
-                            <a:srgbClr val="FFC000"/>
+                            <a:schemeClr val="tx1"/>
                           </a:solidFill>
                         </a:rPr>
                         <a:t> </a:t>
                       </a:r>
                       <a:r>
-                        <a:rPr lang="pt-BR" sz="1800" b="0" dirty="0" smtClean="0"/>
+                        <a:rPr lang="pt-BR" sz="1800" b="0" dirty="0" smtClean="0">
+                          <a:solidFill>
+                            <a:srgbClr val="FFC000"/>
+                          </a:solidFill>
+                        </a:rPr>
                         <a:t>valor</a:t>
                       </a:r>
                       <a:r>
                         <a:rPr lang="pt-BR" sz="1800" b="0" dirty="0" smtClean="0">
                           <a:solidFill>
-                            <a:srgbClr val="FFC000"/>
+                            <a:schemeClr val="tx1"/>
                           </a:solidFill>
                         </a:rPr>
                         <a:t>;</a:t>
@@ -9878,7 +9566,7 @@
                       </a:pPr>
                       <a:endParaRPr lang="pt-BR" sz="1800" b="0" dirty="0" smtClean="0">
                         <a:solidFill>
-                          <a:srgbClr val="FFC000"/>
+                          <a:schemeClr val="tx1"/>
                         </a:solidFill>
                       </a:endParaRPr>
                     </a:p>
@@ -9893,7 +9581,7 @@
                       <a:r>
                         <a:rPr lang="pt-BR" sz="1800" b="0" dirty="0" smtClean="0">
                           <a:solidFill>
-                            <a:srgbClr val="FFC000"/>
+                            <a:schemeClr val="tx1"/>
                           </a:solidFill>
                         </a:rPr>
                         <a:t>	</a:t>
@@ -9901,7 +9589,7 @@
                       <a:r>
                         <a:rPr lang="pt-BR" sz="1800" b="0" dirty="0" err="1" smtClean="0">
                           <a:solidFill>
-                            <a:srgbClr val="FFC000"/>
+                            <a:schemeClr val="tx1"/>
                           </a:solidFill>
                         </a:rPr>
                         <a:t>public</a:t>
@@ -9909,7 +9597,23 @@
                       <a:r>
                         <a:rPr lang="pt-BR" sz="1800" b="0" dirty="0" smtClean="0">
                           <a:solidFill>
-                            <a:srgbClr val="FFC000"/>
+                            <a:schemeClr val="tx1"/>
+                          </a:solidFill>
+                        </a:rPr>
+                        <a:t> </a:t>
+                      </a:r>
+                      <a:r>
+                        <a:rPr lang="pt-BR" sz="1800" b="0" dirty="0" err="1" smtClean="0">
+                          <a:solidFill>
+                            <a:schemeClr val="tx1"/>
+                          </a:solidFill>
+                        </a:rPr>
+                        <a:t>Integer</a:t>
+                      </a:r>
+                      <a:r>
+                        <a:rPr lang="pt-BR" sz="1800" b="0" dirty="0" smtClean="0">
+                          <a:solidFill>
+                            <a:schemeClr val="tx1"/>
                           </a:solidFill>
                         </a:rPr>
                         <a:t> </a:t>
@@ -9920,24 +9624,12 @@
                             <a:srgbClr val="FFC000"/>
                           </a:solidFill>
                         </a:rPr>
-                        <a:t>Integer</a:t>
-                      </a:r>
-                      <a:r>
-                        <a:rPr lang="pt-BR" sz="1800" b="0" dirty="0" smtClean="0">
-                          <a:solidFill>
-                            <a:srgbClr val="FFC000"/>
-                          </a:solidFill>
-                        </a:rPr>
-                        <a:t> </a:t>
-                      </a:r>
-                      <a:r>
-                        <a:rPr lang="pt-BR" sz="1800" b="0" dirty="0" err="1" smtClean="0"/>
                         <a:t>getValor</a:t>
                       </a:r>
                       <a:r>
                         <a:rPr lang="pt-BR" sz="1800" b="0" dirty="0" smtClean="0">
                           <a:solidFill>
-                            <a:srgbClr val="FFC000"/>
+                            <a:schemeClr val="tx1"/>
                           </a:solidFill>
                         </a:rPr>
                         <a:t>() {</a:t>
@@ -9954,7 +9646,7 @@
                       <a:r>
                         <a:rPr lang="pt-BR" sz="1800" b="0" dirty="0" smtClean="0">
                           <a:solidFill>
-                            <a:srgbClr val="FFC000"/>
+                            <a:schemeClr val="tx1"/>
                           </a:solidFill>
                         </a:rPr>
                         <a:t>		</a:t>
@@ -9962,7 +9654,7 @@
                       <a:r>
                         <a:rPr lang="pt-BR" sz="1800" b="0" dirty="0" err="1" smtClean="0">
                           <a:solidFill>
-                            <a:srgbClr val="FFC000"/>
+                            <a:schemeClr val="tx1"/>
                           </a:solidFill>
                         </a:rPr>
                         <a:t>return</a:t>
@@ -9970,7 +9662,7 @@
                       <a:r>
                         <a:rPr lang="pt-BR" sz="1800" b="0" dirty="0" smtClean="0">
                           <a:solidFill>
-                            <a:srgbClr val="FFC000"/>
+                            <a:schemeClr val="tx1"/>
                           </a:solidFill>
                         </a:rPr>
                         <a:t> </a:t>
@@ -9978,7 +9670,7 @@
                       <a:r>
                         <a:rPr lang="pt-BR" sz="1800" b="0" dirty="0" smtClean="0">
                           <a:solidFill>
-                            <a:schemeClr val="tx1"/>
+                            <a:srgbClr val="FFC000"/>
                           </a:solidFill>
                         </a:rPr>
                         <a:t>valor</a:t>
@@ -9986,7 +9678,7 @@
                       <a:r>
                         <a:rPr lang="pt-BR" sz="1800" b="0" dirty="0" smtClean="0">
                           <a:solidFill>
-                            <a:srgbClr val="FFC000"/>
+                            <a:schemeClr val="tx1"/>
                           </a:solidFill>
                         </a:rPr>
                         <a:t>;</a:t>
@@ -10003,7 +9695,7 @@
                       <a:r>
                         <a:rPr lang="pt-BR" sz="1800" b="0" dirty="0" smtClean="0">
                           <a:solidFill>
-                            <a:srgbClr val="FFC000"/>
+                            <a:schemeClr val="tx1"/>
                           </a:solidFill>
                         </a:rPr>
                         <a:t>	}</a:t>
@@ -10019,7 +9711,7 @@
                       </a:pPr>
                       <a:endParaRPr lang="pt-BR" sz="1800" b="0" dirty="0" smtClean="0">
                         <a:solidFill>
-                          <a:srgbClr val="FFC000"/>
+                          <a:schemeClr val="tx1"/>
                         </a:solidFill>
                       </a:endParaRPr>
                     </a:p>
@@ -10034,7 +9726,7 @@
                       <a:r>
                         <a:rPr lang="pt-BR" sz="1800" b="0" dirty="0" smtClean="0">
                           <a:solidFill>
-                            <a:srgbClr val="FFC000"/>
+                            <a:schemeClr val="tx1"/>
                           </a:solidFill>
                         </a:rPr>
                         <a:t>	</a:t>
@@ -10042,7 +9734,7 @@
                       <a:r>
                         <a:rPr lang="pt-BR" sz="1800" b="0" dirty="0" err="1" smtClean="0">
                           <a:solidFill>
-                            <a:srgbClr val="FFC000"/>
+                            <a:schemeClr val="tx1"/>
                           </a:solidFill>
                         </a:rPr>
                         <a:t>public</a:t>
@@ -10050,7 +9742,23 @@
                       <a:r>
                         <a:rPr lang="pt-BR" sz="1800" b="0" dirty="0" smtClean="0">
                           <a:solidFill>
-                            <a:srgbClr val="FFC000"/>
+                            <a:schemeClr val="tx1"/>
+                          </a:solidFill>
+                        </a:rPr>
+                        <a:t> </a:t>
+                      </a:r>
+                      <a:r>
+                        <a:rPr lang="pt-BR" sz="1800" b="0" dirty="0" err="1" smtClean="0">
+                          <a:solidFill>
+                            <a:schemeClr val="tx1"/>
+                          </a:solidFill>
+                        </a:rPr>
+                        <a:t>void</a:t>
+                      </a:r>
+                      <a:r>
+                        <a:rPr lang="pt-BR" sz="1800" b="0" dirty="0" smtClean="0">
+                          <a:solidFill>
+                            <a:schemeClr val="tx1"/>
                           </a:solidFill>
                         </a:rPr>
                         <a:t> </a:t>
@@ -10061,24 +9769,12 @@
                             <a:srgbClr val="FFC000"/>
                           </a:solidFill>
                         </a:rPr>
-                        <a:t>void</a:t>
-                      </a:r>
-                      <a:r>
-                        <a:rPr lang="pt-BR" sz="1800" b="0" dirty="0" smtClean="0">
-                          <a:solidFill>
-                            <a:srgbClr val="FFC000"/>
-                          </a:solidFill>
-                        </a:rPr>
-                        <a:t> </a:t>
-                      </a:r>
-                      <a:r>
-                        <a:rPr lang="pt-BR" sz="1800" b="0" dirty="0" err="1" smtClean="0"/>
                         <a:t>setValor</a:t>
                       </a:r>
                       <a:r>
                         <a:rPr lang="pt-BR" sz="1800" b="0" dirty="0" smtClean="0">
                           <a:solidFill>
-                            <a:srgbClr val="FFC000"/>
+                            <a:schemeClr val="tx1"/>
                           </a:solidFill>
                         </a:rPr>
                         <a:t>(</a:t>
@@ -10086,7 +9782,7 @@
                       <a:r>
                         <a:rPr lang="pt-BR" sz="1800" b="0" dirty="0" err="1" smtClean="0">
                           <a:solidFill>
-                            <a:srgbClr val="FFC000"/>
+                            <a:schemeClr val="tx1"/>
                           </a:solidFill>
                         </a:rPr>
                         <a:t>Integer</a:t>
@@ -10094,7 +9790,7 @@
                       <a:r>
                         <a:rPr lang="pt-BR" sz="1800" b="0" dirty="0" smtClean="0">
                           <a:solidFill>
-                            <a:srgbClr val="FFC000"/>
+                            <a:schemeClr val="tx1"/>
                           </a:solidFill>
                         </a:rPr>
                         <a:t> valor) {</a:t>
@@ -10111,7 +9807,7 @@
                       <a:r>
                         <a:rPr lang="pt-BR" sz="1800" b="0" dirty="0" smtClean="0">
                           <a:solidFill>
-                            <a:srgbClr val="FFC000"/>
+                            <a:schemeClr val="tx1"/>
                           </a:solidFill>
                         </a:rPr>
                         <a:t>		</a:t>
@@ -10119,7 +9815,7 @@
                       <a:r>
                         <a:rPr lang="pt-BR" sz="1800" b="0" dirty="0" err="1" smtClean="0">
                           <a:solidFill>
-                            <a:srgbClr val="FFC000"/>
+                            <a:schemeClr val="tx1"/>
                           </a:solidFill>
                         </a:rPr>
                         <a:t>this</a:t>
@@ -10127,7 +9823,7 @@
                       <a:r>
                         <a:rPr lang="pt-BR" sz="1800" b="0" dirty="0" smtClean="0">
                           <a:solidFill>
-                            <a:srgbClr val="FFC000"/>
+                            <a:schemeClr val="tx1"/>
                           </a:solidFill>
                         </a:rPr>
                         <a:t>.</a:t>
@@ -10135,7 +9831,7 @@
                       <a:r>
                         <a:rPr lang="pt-BR" sz="1800" b="0" dirty="0" smtClean="0">
                           <a:solidFill>
-                            <a:schemeClr val="tx1"/>
+                            <a:srgbClr val="FFC000"/>
                           </a:solidFill>
                         </a:rPr>
                         <a:t>valor</a:t>
@@ -10143,7 +9839,7 @@
                       <a:r>
                         <a:rPr lang="pt-BR" sz="1800" b="0" dirty="0" smtClean="0">
                           <a:solidFill>
-                            <a:srgbClr val="FFC000"/>
+                            <a:schemeClr val="tx1"/>
                           </a:solidFill>
                         </a:rPr>
                         <a:t> = valor;</a:t>
@@ -10160,7 +9856,7 @@
                       <a:r>
                         <a:rPr lang="pt-BR" sz="1800" b="0" dirty="0" smtClean="0">
                           <a:solidFill>
-                            <a:srgbClr val="FFC000"/>
+                            <a:schemeClr val="tx1"/>
                           </a:solidFill>
                         </a:rPr>
                         <a:t>	}</a:t>
@@ -10177,7 +9873,7 @@
                       <a:r>
                         <a:rPr lang="pt-BR" sz="1800" b="0" dirty="0" smtClean="0">
                           <a:solidFill>
-                            <a:srgbClr val="FFC000"/>
+                            <a:schemeClr val="tx1"/>
                           </a:solidFill>
                         </a:rPr>
                         <a:t>}</a:t>
@@ -10339,7 +10035,31 @@
               <a:buNone/>
             </a:pPr>
             <a:r>
+              <a:rPr lang="pt-BR" sz="2400" dirty="0" err="1" smtClean="0">
+                <a:solidFill>
+                  <a:srgbClr val="FFC000"/>
+                </a:solidFill>
+              </a:rPr>
+              <a:t>BolsaString</a:t>
+            </a:r>
+            <a:r>
+              <a:rPr lang="pt-BR" sz="2400" dirty="0" smtClean="0"/>
+              <a:t> bolsa1 = </a:t>
+            </a:r>
+            <a:r>
               <a:rPr lang="pt-BR" sz="2400" dirty="0" err="1" smtClean="0"/>
+              <a:t>new</a:t>
+            </a:r>
+            <a:r>
+              <a:rPr lang="pt-BR" sz="2400" dirty="0" smtClean="0"/>
+              <a:t> </a:t>
+            </a:r>
+            <a:r>
+              <a:rPr lang="pt-BR" sz="2400" dirty="0" err="1" smtClean="0">
+                <a:solidFill>
+                  <a:srgbClr val="FFC000"/>
+                </a:solidFill>
+              </a:rPr>
               <a:t>BolsaString</a:t>
             </a:r>
             <a:r>
@@ -10348,7 +10068,20 @@
                   <a:srgbClr val="FFC000"/>
                 </a:solidFill>
               </a:rPr>
-              <a:t> bolsa1 = </a:t>
+              <a:t>()</a:t>
+            </a:r>
+            <a:r>
+              <a:rPr lang="pt-BR" sz="2400" dirty="0" smtClean="0"/>
+              <a:t>;</a:t>
+            </a:r>
+          </a:p>
+          <a:p>
+            <a:pPr marL="447675" lvl="1" indent="0">
+              <a:buNone/>
+            </a:pPr>
+            <a:r>
+              <a:rPr lang="pt-BR" sz="2400" dirty="0" smtClean="0"/>
+              <a:t>bolsa1.</a:t>
             </a:r>
             <a:r>
               <a:rPr lang="pt-BR" sz="2400" dirty="0" err="1" smtClean="0">
@@ -10356,237 +10089,156 @@
                   <a:srgbClr val="FFC000"/>
                 </a:solidFill>
               </a:rPr>
+              <a:t>setValor</a:t>
+            </a:r>
+            <a:r>
+              <a:rPr lang="pt-BR" sz="2400" dirty="0" smtClean="0"/>
+              <a:t>(“E o vento levou!”);</a:t>
+            </a:r>
+          </a:p>
+          <a:p>
+            <a:pPr marL="447675" lvl="1" indent="0">
+              <a:buNone/>
+            </a:pPr>
+            <a:r>
+              <a:rPr lang="pt-BR" sz="2400" dirty="0" smtClean="0">
+                <a:solidFill>
+                  <a:srgbClr val="FFC000"/>
+                </a:solidFill>
+              </a:rPr>
+              <a:t>String</a:t>
+            </a:r>
+            <a:r>
+              <a:rPr lang="pt-BR" sz="2400" dirty="0" smtClean="0"/>
+              <a:t> s = bolsa1.</a:t>
+            </a:r>
+            <a:r>
+              <a:rPr lang="pt-BR" sz="2400" dirty="0" err="1" smtClean="0">
+                <a:solidFill>
+                  <a:srgbClr val="FFC000"/>
+                </a:solidFill>
+              </a:rPr>
+              <a:t>getValor</a:t>
+            </a:r>
+            <a:r>
+              <a:rPr lang="pt-BR" sz="2400" dirty="0" smtClean="0">
+                <a:solidFill>
+                  <a:srgbClr val="FFC000"/>
+                </a:solidFill>
+              </a:rPr>
+              <a:t>()</a:t>
+            </a:r>
+            <a:r>
+              <a:rPr lang="pt-BR" sz="2400" dirty="0" smtClean="0"/>
+              <a:t>;</a:t>
+            </a:r>
+          </a:p>
+          <a:p>
+            <a:pPr marL="447675" lvl="1" indent="0">
+              <a:buNone/>
+            </a:pPr>
+            <a:endParaRPr lang="pt-BR" sz="2400" dirty="0" smtClean="0"/>
+          </a:p>
+          <a:p>
+            <a:pPr marL="447675" lvl="1" indent="0">
+              <a:buNone/>
+            </a:pPr>
+            <a:r>
+              <a:rPr lang="pt-BR" sz="2400" dirty="0" err="1" smtClean="0">
+                <a:solidFill>
+                  <a:srgbClr val="FFC000"/>
+                </a:solidFill>
+              </a:rPr>
+              <a:t>BolsaInteger</a:t>
+            </a:r>
+            <a:r>
+              <a:rPr lang="pt-BR" sz="2400" dirty="0" smtClean="0"/>
+              <a:t> bolsa2 = </a:t>
+            </a:r>
+            <a:r>
+              <a:rPr lang="pt-BR" sz="2400" dirty="0" err="1" smtClean="0"/>
               <a:t>new</a:t>
             </a:r>
             <a:r>
+              <a:rPr lang="pt-BR" sz="2400" dirty="0" smtClean="0"/>
+              <a:t> </a:t>
+            </a:r>
+            <a:r>
+              <a:rPr lang="pt-BR" sz="2400" dirty="0" err="1" smtClean="0">
+                <a:solidFill>
+                  <a:srgbClr val="FFC000"/>
+                </a:solidFill>
+              </a:rPr>
+              <a:t>BolsaInteger</a:t>
+            </a:r>
+            <a:r>
               <a:rPr lang="pt-BR" sz="2400" dirty="0" smtClean="0">
                 <a:solidFill>
                   <a:srgbClr val="FFC000"/>
                 </a:solidFill>
               </a:rPr>
-              <a:t> </a:t>
-            </a:r>
-            <a:r>
-              <a:rPr lang="pt-BR" sz="2400" dirty="0" err="1" smtClean="0"/>
-              <a:t>BolsaString</a:t>
+              <a:t>()</a:t>
             </a:r>
             <a:r>
               <a:rPr lang="pt-BR" sz="2400" dirty="0" smtClean="0"/>
+              <a:t>;</a:t>
+            </a:r>
+          </a:p>
+          <a:p>
+            <a:pPr marL="447675" lvl="1" indent="0">
+              <a:buNone/>
+            </a:pPr>
+            <a:r>
+              <a:rPr lang="pt-BR" sz="2400" dirty="0" smtClean="0"/>
+              <a:t>bolsa2.</a:t>
+            </a:r>
+            <a:r>
+              <a:rPr lang="pt-BR" sz="2400" dirty="0" err="1" smtClean="0">
+                <a:solidFill>
+                  <a:srgbClr val="FFC000"/>
+                </a:solidFill>
+              </a:rPr>
+              <a:t>setValor</a:t>
+            </a:r>
+            <a:r>
+              <a:rPr lang="pt-BR" sz="2400" dirty="0" smtClean="0"/>
+              <a:t>(2012);</a:t>
+            </a:r>
+          </a:p>
+          <a:p>
+            <a:pPr marL="447675" lvl="1" indent="0">
+              <a:buNone/>
+            </a:pPr>
+            <a:r>
+              <a:rPr lang="pt-BR" sz="2400" dirty="0" err="1" smtClean="0">
+                <a:solidFill>
+                  <a:srgbClr val="FFC000"/>
+                </a:solidFill>
+              </a:rPr>
+              <a:t>Integer</a:t>
+            </a:r>
+            <a:r>
+              <a:rPr lang="pt-BR" sz="2400" dirty="0" smtClean="0"/>
+              <a:t> i = bolsa2.</a:t>
+            </a:r>
+            <a:r>
+              <a:rPr lang="pt-BR" sz="2400" dirty="0" err="1" smtClean="0">
+                <a:solidFill>
+                  <a:srgbClr val="FFC000"/>
+                </a:solidFill>
+              </a:rPr>
+              <a:t>getValor</a:t>
+            </a:r>
+            <a:r>
+              <a:rPr lang="pt-BR" sz="2400" dirty="0" smtClean="0">
+                <a:solidFill>
+                  <a:srgbClr val="FFC000"/>
+                </a:solidFill>
+              </a:rPr>
               <a:t>()</a:t>
             </a:r>
             <a:r>
-              <a:rPr lang="pt-BR" sz="2400" dirty="0" smtClean="0">
-                <a:solidFill>
-                  <a:srgbClr val="FFC000"/>
-                </a:solidFill>
-              </a:rPr>
-              <a:t>;</a:t>
-            </a:r>
-          </a:p>
-          <a:p>
-            <a:pPr marL="447675" lvl="1" indent="0">
-              <a:buNone/>
-            </a:pPr>
-            <a:r>
-              <a:rPr lang="pt-BR" sz="2400" dirty="0" smtClean="0">
-                <a:solidFill>
-                  <a:srgbClr val="FFC000"/>
-                </a:solidFill>
-              </a:rPr>
-              <a:t>bolsa1.</a:t>
-            </a:r>
-            <a:r>
-              <a:rPr lang="pt-BR" sz="2400" dirty="0" err="1" smtClean="0"/>
-              <a:t>setValor</a:t>
-            </a:r>
-            <a:r>
               <a:rPr lang="pt-BR" sz="2400" dirty="0" smtClean="0"/>
-              <a:t>(</a:t>
-            </a:r>
-            <a:r>
-              <a:rPr lang="pt-BR" sz="2400" dirty="0" smtClean="0">
-                <a:solidFill>
-                  <a:srgbClr val="FFC000"/>
-                </a:solidFill>
-              </a:rPr>
-              <a:t>“E o vento levou!”</a:t>
-            </a:r>
-            <a:r>
-              <a:rPr lang="pt-BR" sz="2400" dirty="0" smtClean="0"/>
-              <a:t>)</a:t>
-            </a:r>
-            <a:r>
-              <a:rPr lang="pt-BR" sz="2400" dirty="0" smtClean="0">
-                <a:solidFill>
-                  <a:srgbClr val="FFC000"/>
-                </a:solidFill>
-              </a:rPr>
-              <a:t>;</a:t>
-            </a:r>
-          </a:p>
-          <a:p>
-            <a:pPr marL="447675" lvl="1" indent="0">
-              <a:buNone/>
-            </a:pPr>
-            <a:r>
-              <a:rPr lang="pt-BR" sz="2400" dirty="0" smtClean="0"/>
-              <a:t>String</a:t>
-            </a:r>
-            <a:r>
-              <a:rPr lang="pt-BR" sz="2400" dirty="0" smtClean="0">
-                <a:solidFill>
-                  <a:srgbClr val="FFC000"/>
-                </a:solidFill>
-              </a:rPr>
-              <a:t> s = bolsa1.</a:t>
-            </a:r>
-            <a:r>
-              <a:rPr lang="pt-BR" sz="2400" dirty="0" err="1" smtClean="0"/>
-              <a:t>getValor</a:t>
-            </a:r>
-            <a:r>
-              <a:rPr lang="pt-BR" sz="2400" dirty="0" smtClean="0"/>
-              <a:t>()</a:t>
-            </a:r>
-            <a:r>
-              <a:rPr lang="pt-BR" sz="2400" dirty="0" smtClean="0">
-                <a:solidFill>
-                  <a:srgbClr val="FFC000"/>
-                </a:solidFill>
-              </a:rPr>
-              <a:t>;</a:t>
-            </a:r>
-          </a:p>
-          <a:p>
-            <a:pPr marL="447675" lvl="1" indent="0">
-              <a:buNone/>
-            </a:pPr>
-            <a:endParaRPr lang="pt-BR" sz="2400" dirty="0" smtClean="0">
-              <a:solidFill>
-                <a:srgbClr val="FFC000"/>
-              </a:solidFill>
-            </a:endParaRPr>
-          </a:p>
-          <a:p>
-            <a:pPr marL="447675" lvl="1" indent="0">
-              <a:buNone/>
-            </a:pPr>
-            <a:r>
-              <a:rPr lang="pt-BR" sz="2400" dirty="0" err="1" smtClean="0"/>
-              <a:t>BolsaInteger</a:t>
-            </a:r>
-            <a:r>
-              <a:rPr lang="pt-BR" sz="2400" dirty="0" smtClean="0">
-                <a:solidFill>
-                  <a:srgbClr val="FFC000"/>
-                </a:solidFill>
-              </a:rPr>
-              <a:t> bolsa2 = </a:t>
-            </a:r>
-            <a:r>
-              <a:rPr lang="pt-BR" sz="2400" dirty="0" err="1" smtClean="0">
-                <a:solidFill>
-                  <a:srgbClr val="FFC000"/>
-                </a:solidFill>
-              </a:rPr>
-              <a:t>new</a:t>
-            </a:r>
-            <a:r>
-              <a:rPr lang="pt-BR" sz="2400" dirty="0" smtClean="0">
-                <a:solidFill>
-                  <a:srgbClr val="FFC000"/>
-                </a:solidFill>
-              </a:rPr>
-              <a:t> </a:t>
-            </a:r>
-            <a:r>
-              <a:rPr lang="pt-BR" sz="2400" dirty="0" err="1" smtClean="0"/>
-              <a:t>BolsaInteger</a:t>
-            </a:r>
-            <a:r>
-              <a:rPr lang="pt-BR" sz="2400" dirty="0" smtClean="0"/>
-              <a:t>()</a:t>
-            </a:r>
-            <a:r>
-              <a:rPr lang="pt-BR" sz="2400" dirty="0" smtClean="0">
-                <a:solidFill>
-                  <a:srgbClr val="FFC000"/>
-                </a:solidFill>
-              </a:rPr>
-              <a:t>;</a:t>
-            </a:r>
-          </a:p>
-          <a:p>
-            <a:pPr marL="447675" lvl="1" indent="0">
-              <a:buNone/>
-            </a:pPr>
-            <a:r>
-              <a:rPr lang="pt-BR" sz="2400" dirty="0" smtClean="0">
-                <a:solidFill>
-                  <a:srgbClr val="FFC000"/>
-                </a:solidFill>
-              </a:rPr>
-              <a:t>bolsa2.</a:t>
-            </a:r>
-            <a:r>
-              <a:rPr lang="pt-BR" sz="2400" dirty="0" err="1" smtClean="0"/>
-              <a:t>setValor</a:t>
-            </a:r>
-            <a:r>
-              <a:rPr lang="pt-BR" sz="2400" dirty="0" smtClean="0"/>
-              <a:t>(</a:t>
-            </a:r>
-            <a:r>
-              <a:rPr lang="pt-BR" sz="2400" dirty="0" smtClean="0">
-                <a:solidFill>
-                  <a:srgbClr val="FFC000"/>
-                </a:solidFill>
-              </a:rPr>
-              <a:t>2012</a:t>
-            </a:r>
-            <a:r>
-              <a:rPr lang="pt-BR" sz="2400" dirty="0" smtClean="0"/>
-              <a:t>)</a:t>
-            </a:r>
-            <a:r>
-              <a:rPr lang="pt-BR" sz="2400" dirty="0" smtClean="0">
-                <a:solidFill>
-                  <a:srgbClr val="FFC000"/>
-                </a:solidFill>
-              </a:rPr>
-              <a:t>;</a:t>
-            </a:r>
-          </a:p>
-          <a:p>
-            <a:pPr marL="447675" lvl="1" indent="0">
-              <a:buNone/>
-            </a:pPr>
-            <a:r>
-              <a:rPr lang="pt-BR" sz="2400" dirty="0" err="1" smtClean="0"/>
-              <a:t>Integer</a:t>
-            </a:r>
-            <a:r>
-              <a:rPr lang="pt-BR" sz="2400" dirty="0" smtClean="0">
-                <a:solidFill>
-                  <a:srgbClr val="FFC000"/>
-                </a:solidFill>
-              </a:rPr>
-              <a:t> i = bolsa2.</a:t>
-            </a:r>
-            <a:r>
-              <a:rPr lang="pt-BR" sz="2400" dirty="0" err="1" smtClean="0"/>
-              <a:t>getValor</a:t>
-            </a:r>
-            <a:r>
-              <a:rPr lang="pt-BR" sz="2400" dirty="0" smtClean="0"/>
-              <a:t>()</a:t>
-            </a:r>
-            <a:r>
-              <a:rPr lang="pt-BR" sz="2400" dirty="0" smtClean="0">
-                <a:solidFill>
-                  <a:srgbClr val="FFC000"/>
-                </a:solidFill>
-              </a:rPr>
               <a:t>;</a:t>
             </a:r>
           </a:p>
@@ -10747,28 +10399,36 @@
               </a:tabLst>
             </a:pPr>
             <a:r>
-              <a:rPr lang="pt-BR" sz="2000" dirty="0" err="1" smtClean="0">
-                <a:solidFill>
-                  <a:srgbClr val="FFC000"/>
-                </a:solidFill>
-              </a:rPr>
+              <a:rPr lang="pt-BR" sz="2000" dirty="0" err="1" smtClean="0"/>
               <a:t>public</a:t>
             </a:r>
             <a:r>
+              <a:rPr lang="pt-BR" sz="2000" dirty="0" smtClean="0"/>
+              <a:t> </a:t>
+            </a:r>
+            <a:r>
+              <a:rPr lang="pt-BR" sz="2000" dirty="0" err="1" smtClean="0"/>
+              <a:t>class</a:t>
+            </a:r>
+            <a:r>
+              <a:rPr lang="pt-BR" sz="2000" dirty="0" smtClean="0"/>
+              <a:t> </a:t>
+            </a:r>
+            <a:r>
               <a:rPr lang="pt-BR" sz="2000" dirty="0" smtClean="0">
                 <a:solidFill>
                   <a:srgbClr val="FFC000"/>
                 </a:solidFill>
               </a:rPr>
-              <a:t> </a:t>
-            </a:r>
-            <a:r>
-              <a:rPr lang="pt-BR" sz="2000" dirty="0" err="1" smtClean="0">
-                <a:solidFill>
-                  <a:srgbClr val="FFC000"/>
-                </a:solidFill>
-              </a:rPr>
-              <a:t>class</a:t>
+              <a:t>Bolsa&lt;</a:t>
+            </a:r>
+            <a:r>
+              <a:rPr lang="pt-BR" sz="2000" b="1" dirty="0" smtClean="0">
+                <a:solidFill>
+                  <a:srgbClr val="FFC000"/>
+                </a:solidFill>
+              </a:rPr>
+              <a:t>T</a:t>
             </a:r>
             <a:r>
               <a:rPr lang="pt-BR" sz="2000" dirty="0" smtClean="0">
@@ -10776,26 +10436,10 @@
                   <a:srgbClr val="FFC000"/>
                 </a:solidFill>
               </a:rPr>
-              <a:t> </a:t>
+              <a:t>&gt;</a:t>
             </a:r>
             <a:r>
               <a:rPr lang="pt-BR" sz="2000" dirty="0" smtClean="0"/>
-              <a:t>Bolsa&lt;</a:t>
-            </a:r>
-            <a:r>
-              <a:rPr lang="pt-BR" sz="2000" b="1" dirty="0" smtClean="0"/>
-              <a:t>T</a:t>
-            </a:r>
-            <a:r>
-              <a:rPr lang="pt-BR" sz="2000" dirty="0" smtClean="0"/>
-              <a:t>&gt;</a:t>
-            </a:r>
-            <a:r>
-              <a:rPr lang="pt-BR" sz="2000" dirty="0" smtClean="0">
-                <a:solidFill>
-                  <a:srgbClr val="FFC000"/>
-                </a:solidFill>
-              </a:rPr>
               <a:t> {</a:t>
             </a:r>
           </a:p>
@@ -10810,11 +10454,7 @@
                 <a:tab pos="722313" algn="l"/>
               </a:tabLst>
             </a:pPr>
-            <a:endParaRPr lang="pt-BR" sz="2000" dirty="0" smtClean="0">
-              <a:solidFill>
-                <a:srgbClr val="FFC000"/>
-              </a:solidFill>
-            </a:endParaRPr>
+            <a:endParaRPr lang="pt-BR" sz="2000" dirty="0" smtClean="0"/>
           </a:p>
           <a:p>
             <a:pPr marL="0" indent="0">
@@ -10828,55 +10468,35 @@
               </a:tabLst>
             </a:pPr>
             <a:r>
+              <a:rPr lang="pt-BR" sz="2000" dirty="0" smtClean="0"/>
+              <a:t>	</a:t>
+            </a:r>
+            <a:r>
+              <a:rPr lang="pt-BR" sz="2000" dirty="0" err="1" smtClean="0"/>
+              <a:t>private</a:t>
+            </a:r>
+            <a:r>
+              <a:rPr lang="pt-BR" sz="2000" dirty="0" smtClean="0"/>
+              <a:t> </a:t>
+            </a:r>
+            <a:r>
+              <a:rPr lang="pt-BR" sz="2000" b="1" dirty="0" smtClean="0">
+                <a:solidFill>
+                  <a:srgbClr val="FFC000"/>
+                </a:solidFill>
+              </a:rPr>
+              <a:t>T</a:t>
+            </a:r>
+            <a:r>
               <a:rPr lang="pt-BR" sz="2000" dirty="0" smtClean="0">
                 <a:solidFill>
                   <a:srgbClr val="FFC000"/>
                 </a:solidFill>
               </a:rPr>
-              <a:t>	</a:t>
-            </a:r>
-            <a:r>
-              <a:rPr lang="pt-BR" sz="2000" dirty="0" err="1" smtClean="0">
-                <a:solidFill>
-                  <a:srgbClr val="FFC000"/>
-                </a:solidFill>
-              </a:rPr>
-              <a:t>private</a:t>
-            </a:r>
-            <a:r>
-              <a:rPr lang="pt-BR" sz="2000" dirty="0" smtClean="0">
-                <a:solidFill>
-                  <a:srgbClr val="FFC000"/>
-                </a:solidFill>
-              </a:rPr>
-              <a:t> </a:t>
-            </a:r>
-            <a:r>
-              <a:rPr lang="pt-BR" sz="2000" b="1" dirty="0" smtClean="0">
-                <a:solidFill>
-                  <a:srgbClr val="FFC000"/>
-                </a:solidFill>
-              </a:rPr>
-              <a:t>T</a:t>
-            </a:r>
-            <a:r>
-              <a:rPr lang="pt-BR" sz="2000" dirty="0" smtClean="0">
-                <a:solidFill>
-                  <a:srgbClr val="FFC000"/>
-                </a:solidFill>
-              </a:rPr>
-              <a:t> </a:t>
+              <a:t> valor</a:t>
             </a:r>
             <a:r>
               <a:rPr lang="pt-BR" sz="2000" dirty="0" smtClean="0"/>
-              <a:t>valor</a:t>
-            </a:r>
-            <a:r>
-              <a:rPr lang="pt-BR" sz="2000" dirty="0" smtClean="0">
-                <a:solidFill>
-                  <a:srgbClr val="FFC000"/>
-                </a:solidFill>
-              </a:rPr>
               <a:t>;</a:t>
             </a:r>
           </a:p>
@@ -10891,11 +10511,7 @@
                 <a:tab pos="722313" algn="l"/>
               </a:tabLst>
             </a:pPr>
-            <a:endParaRPr lang="pt-BR" sz="2000" dirty="0" smtClean="0">
-              <a:solidFill>
-                <a:srgbClr val="FFC000"/>
-              </a:solidFill>
-            </a:endParaRPr>
+            <a:endParaRPr lang="pt-BR" sz="2000" dirty="0" smtClean="0"/>
           </a:p>
           <a:p>
             <a:pPr marL="0" indent="0">
@@ -10909,12 +10525,32 @@
               </a:tabLst>
             </a:pPr>
             <a:r>
+              <a:rPr lang="pt-BR" sz="2000" dirty="0" smtClean="0"/>
+              <a:t>	</a:t>
+            </a:r>
+            <a:r>
+              <a:rPr lang="pt-BR" sz="2000" dirty="0" err="1" smtClean="0"/>
+              <a:t>public</a:t>
+            </a:r>
+            <a:r>
+              <a:rPr lang="pt-BR" sz="2000" dirty="0" smtClean="0"/>
+              <a:t> </a:t>
+            </a:r>
+            <a:r>
+              <a:rPr lang="pt-BR" sz="2000" b="1" dirty="0" smtClean="0">
+                <a:solidFill>
+                  <a:srgbClr val="FFC000"/>
+                </a:solidFill>
+              </a:rPr>
+              <a:t>T</a:t>
+            </a:r>
+            <a:r>
               <a:rPr lang="pt-BR" sz="2000" dirty="0" smtClean="0">
                 <a:solidFill>
                   <a:srgbClr val="FFC000"/>
                 </a:solidFill>
               </a:rPr>
-              <a:t>	</a:t>
+              <a:t> </a:t>
             </a:r>
             <a:r>
               <a:rPr lang="pt-BR" sz="2000" dirty="0" err="1" smtClean="0">
@@ -10922,7 +10558,7 @@
                   <a:srgbClr val="FFC000"/>
                 </a:solidFill>
               </a:rPr>
-              <a:t>public</a:t>
+              <a:t>getValor</a:t>
             </a:r>
             <a:r>
               <a:rPr lang="pt-BR" sz="2000" dirty="0" smtClean="0">
@@ -10930,35 +10566,11 @@
                   <a:srgbClr val="FFC000"/>
                 </a:solidFill>
               </a:rPr>
-              <a:t> </a:t>
-            </a:r>
-            <a:r>
-              <a:rPr lang="pt-BR" sz="2000" b="1" dirty="0" smtClean="0">
-                <a:solidFill>
-                  <a:srgbClr val="FFC000"/>
-                </a:solidFill>
-              </a:rPr>
-              <a:t>T</a:t>
-            </a:r>
-            <a:r>
-              <a:rPr lang="pt-BR" sz="2000" dirty="0" smtClean="0">
-                <a:solidFill>
-                  <a:srgbClr val="FFC000"/>
-                </a:solidFill>
-              </a:rPr>
-              <a:t> </a:t>
-            </a:r>
-            <a:r>
-              <a:rPr lang="pt-BR" sz="2000" dirty="0" err="1" smtClean="0"/>
-              <a:t>getValor</a:t>
-            </a:r>
-            <a:r>
-              <a:rPr lang="pt-BR" sz="2000" dirty="0" smtClean="0">
-                <a:solidFill>
-                  <a:srgbClr val="FFC000"/>
-                </a:solidFill>
-              </a:rPr>
-              <a:t>() {</a:t>
+              <a:t>()</a:t>
+            </a:r>
+            <a:r>
+              <a:rPr lang="pt-BR" sz="2000" dirty="0" smtClean="0"/>
+              <a:t> {</a:t>
             </a:r>
           </a:p>
           <a:p>
@@ -10973,40 +10585,16 @@
               </a:tabLst>
             </a:pPr>
             <a:r>
-              <a:rPr lang="pt-BR" sz="2000" dirty="0" smtClean="0">
-                <a:solidFill>
-                  <a:srgbClr val="FFC000"/>
-                </a:solidFill>
-              </a:rPr>
+              <a:rPr lang="pt-BR" sz="2000" dirty="0" smtClean="0"/>
               <a:t>		</a:t>
             </a:r>
             <a:r>
-              <a:rPr lang="pt-BR" sz="2000" dirty="0" err="1" smtClean="0">
-                <a:solidFill>
-                  <a:srgbClr val="FFC000"/>
-                </a:solidFill>
-              </a:rPr>
+              <a:rPr lang="pt-BR" sz="2000" dirty="0" err="1" smtClean="0"/>
               <a:t>return</a:t>
             </a:r>
             <a:r>
-              <a:rPr lang="pt-BR" sz="2000" dirty="0" smtClean="0">
-                <a:solidFill>
-                  <a:srgbClr val="FFC000"/>
-                </a:solidFill>
-              </a:rPr>
-              <a:t> </a:t>
-            </a:r>
-            <a:r>
               <a:rPr lang="pt-BR" sz="2000" dirty="0" smtClean="0"/>
-              <a:t>valor</a:t>
-            </a:r>
-            <a:r>
-              <a:rPr lang="pt-BR" sz="2000" dirty="0" smtClean="0">
-                <a:solidFill>
-                  <a:srgbClr val="FFC000"/>
-                </a:solidFill>
-              </a:rPr>
-              <a:t>;</a:t>
+              <a:t> valor;</a:t>
             </a:r>
           </a:p>
           <a:p>
@@ -11021,11 +10609,7 @@
               </a:tabLst>
             </a:pPr>
             <a:r>
-              <a:rPr lang="pt-BR" sz="2000" dirty="0" smtClean="0">
-                <a:solidFill>
-                  <a:srgbClr val="FFC000"/>
-                </a:solidFill>
-              </a:rPr>
+              <a:rPr lang="pt-BR" sz="2000" dirty="0" smtClean="0"/>
               <a:t>	}</a:t>
             </a:r>
           </a:p>
@@ -11040,11 +10624,7 @@
                 <a:tab pos="722313" algn="l"/>
               </a:tabLst>
             </a:pPr>
-            <a:endParaRPr lang="pt-BR" sz="2000" dirty="0" smtClean="0">
-              <a:solidFill>
-                <a:srgbClr val="FFC000"/>
-              </a:solidFill>
-            </a:endParaRPr>
+            <a:endParaRPr lang="pt-BR" sz="2000" dirty="0" smtClean="0"/>
           </a:p>
           <a:p>
             <a:pPr marL="0" indent="0">
@@ -11058,20 +10638,48 @@
               </a:tabLst>
             </a:pPr>
             <a:r>
+              <a:rPr lang="pt-BR" sz="2000" dirty="0" smtClean="0"/>
+              <a:t>	</a:t>
+            </a:r>
+            <a:r>
+              <a:rPr lang="pt-BR" sz="2000" dirty="0" err="1" smtClean="0"/>
+              <a:t>public</a:t>
+            </a:r>
+            <a:r>
+              <a:rPr lang="pt-BR" sz="2000" dirty="0" smtClean="0"/>
+              <a:t> </a:t>
+            </a:r>
+            <a:r>
+              <a:rPr lang="pt-BR" sz="2000" dirty="0" err="1" smtClean="0"/>
+              <a:t>void</a:t>
+            </a:r>
+            <a:r>
+              <a:rPr lang="pt-BR" sz="2000" dirty="0" smtClean="0"/>
+              <a:t> </a:t>
+            </a:r>
+            <a:r>
+              <a:rPr lang="pt-BR" sz="2000" dirty="0" err="1" smtClean="0">
+                <a:solidFill>
+                  <a:srgbClr val="FFC000"/>
+                </a:solidFill>
+              </a:rPr>
+              <a:t>setValor</a:t>
+            </a:r>
+            <a:r>
               <a:rPr lang="pt-BR" sz="2000" dirty="0" smtClean="0">
                 <a:solidFill>
                   <a:srgbClr val="FFC000"/>
                 </a:solidFill>
               </a:rPr>
-              <a:t>	</a:t>
-            </a:r>
-            <a:r>
-              <a:rPr lang="pt-BR" sz="2000" dirty="0" err="1" smtClean="0">
-                <a:solidFill>
-                  <a:srgbClr val="FFC000"/>
-                </a:solidFill>
-              </a:rPr>
-              <a:t>public</a:t>
+              <a:t>(</a:t>
+            </a:r>
+            <a:r>
+              <a:rPr lang="pt-BR" sz="2000" b="1" dirty="0" smtClean="0">
+                <a:solidFill>
+                  <a:srgbClr val="FFC000"/>
+                </a:solidFill>
+              </a:rPr>
+              <a:t>T</a:t>
             </a:r>
             <a:r>
               <a:rPr lang="pt-BR" sz="2000" dirty="0" smtClean="0">
@@ -11079,51 +10687,11 @@
                   <a:srgbClr val="FFC000"/>
                 </a:solidFill>
               </a:rPr>
-              <a:t> </a:t>
-            </a:r>
-            <a:r>
-              <a:rPr lang="pt-BR" sz="2000" dirty="0" err="1" smtClean="0">
-                <a:solidFill>
-                  <a:srgbClr val="FFC000"/>
-                </a:solidFill>
-              </a:rPr>
-              <a:t>void</a:t>
-            </a:r>
-            <a:r>
-              <a:rPr lang="pt-BR" sz="2000" dirty="0" smtClean="0">
-                <a:solidFill>
-                  <a:srgbClr val="FFC000"/>
-                </a:solidFill>
-              </a:rPr>
-              <a:t> </a:t>
-            </a:r>
-            <a:r>
-              <a:rPr lang="pt-BR" sz="2000" dirty="0" err="1" smtClean="0"/>
-              <a:t>setValor</a:t>
-            </a:r>
-            <a:r>
-              <a:rPr lang="pt-BR" sz="2000" dirty="0" smtClean="0">
-                <a:solidFill>
-                  <a:srgbClr val="FFC000"/>
-                </a:solidFill>
-              </a:rPr>
-              <a:t>(</a:t>
-            </a:r>
-            <a:r>
-              <a:rPr lang="pt-BR" sz="2000" b="1" dirty="0" smtClean="0">
-                <a:solidFill>
-                  <a:srgbClr val="FFC000"/>
-                </a:solidFill>
-              </a:rPr>
-              <a:t>T</a:t>
-            </a:r>
-            <a:r>
-              <a:rPr lang="pt-BR" sz="2000" dirty="0" smtClean="0">
-                <a:solidFill>
-                  <a:srgbClr val="FFC000"/>
-                </a:solidFill>
-              </a:rPr>
-              <a:t> valor) {</a:t>
+              <a:t> valor)</a:t>
+            </a:r>
+            <a:r>
+              <a:rPr lang="pt-BR" sz="2000" dirty="0" smtClean="0"/>
+              <a:t> {</a:t>
             </a:r>
           </a:p>
           <a:p>
@@ -11138,40 +10706,16 @@
               </a:tabLst>
             </a:pPr>
             <a:r>
-              <a:rPr lang="pt-BR" sz="2000" dirty="0" smtClean="0">
-                <a:solidFill>
-                  <a:srgbClr val="FFC000"/>
-                </a:solidFill>
-              </a:rPr>
+              <a:rPr lang="pt-BR" sz="2000" dirty="0" smtClean="0"/>
               <a:t>		</a:t>
             </a:r>
             <a:r>
-              <a:rPr lang="pt-BR" sz="2000" dirty="0" err="1" smtClean="0">
-                <a:solidFill>
-                  <a:srgbClr val="FFC000"/>
-                </a:solidFill>
-              </a:rPr>
+              <a:rPr lang="pt-BR" sz="2000" dirty="0" err="1" smtClean="0"/>
               <a:t>this</a:t>
             </a:r>
             <a:r>
-              <a:rPr lang="pt-BR" sz="2000" dirty="0" smtClean="0">
-                <a:solidFill>
-                  <a:srgbClr val="FFC000"/>
-                </a:solidFill>
-              </a:rPr>
-              <a:t>.</a:t>
-            </a:r>
-            <a:r>
               <a:rPr lang="pt-BR" sz="2000" dirty="0" smtClean="0"/>
-              <a:t>valor</a:t>
-            </a:r>
-            <a:r>
-              <a:rPr lang="pt-BR" sz="2000" dirty="0" smtClean="0">
-                <a:solidFill>
-                  <a:srgbClr val="FFC000"/>
-                </a:solidFill>
-              </a:rPr>
-              <a:t> = valor;</a:t>
+              <a:t>.valor = valor;</a:t>
             </a:r>
           </a:p>
           <a:p>
@@ -11186,11 +10730,7 @@
               </a:tabLst>
             </a:pPr>
             <a:r>
-              <a:rPr lang="pt-BR" sz="2000" dirty="0" smtClean="0">
-                <a:solidFill>
-                  <a:srgbClr val="FFC000"/>
-                </a:solidFill>
-              </a:rPr>
+              <a:rPr lang="pt-BR" sz="2000" dirty="0" smtClean="0"/>
               <a:t>	}</a:t>
             </a:r>
           </a:p>
@@ -11206,11 +10746,7 @@
               </a:tabLst>
             </a:pPr>
             <a:r>
-              <a:rPr lang="pt-BR" sz="2000" dirty="0" smtClean="0">
-                <a:solidFill>
-                  <a:srgbClr val="FFC000"/>
-                </a:solidFill>
-              </a:rPr>
+              <a:rPr lang="pt-BR" sz="2000" dirty="0" smtClean="0"/>
               <a:t>}</a:t>
             </a:r>
           </a:p>
@@ -11354,8 +10890,24 @@
               <a:buNone/>
             </a:pPr>
             <a:r>
+              <a:rPr lang="pt-BR" sz="2400" dirty="0" smtClean="0">
+                <a:solidFill>
+                  <a:srgbClr val="FFC000"/>
+                </a:solidFill>
+              </a:rPr>
+              <a:t>Bolsa&lt;String&gt;</a:t>
+            </a:r>
+            <a:r>
               <a:rPr lang="pt-BR" sz="2400" dirty="0" smtClean="0"/>
-              <a:t>Bolsa&lt;String&gt;</a:t>
+              <a:t> bolsa1 = </a:t>
+            </a:r>
+            <a:r>
+              <a:rPr lang="pt-BR" sz="2400" dirty="0" err="1" smtClean="0"/>
+              <a:t>new</a:t>
+            </a:r>
+            <a:r>
+              <a:rPr lang="pt-BR" sz="2400" dirty="0" smtClean="0"/>
+              <a:t> </a:t>
             </a:r>
             <a:r>
               <a:rPr lang="pt-BR" sz="2400" dirty="0" smtClean="0">
@@ -11363,7 +10915,20 @@
                   <a:srgbClr val="FFC000"/>
                 </a:solidFill>
               </a:rPr>
-              <a:t> bolsa1 = </a:t>
+              <a:t>Bolsa&lt;String&gt;()</a:t>
+            </a:r>
+            <a:r>
+              <a:rPr lang="pt-BR" sz="2400" dirty="0" smtClean="0"/>
+              <a:t>;</a:t>
+            </a:r>
+          </a:p>
+          <a:p>
+            <a:pPr marL="447675" lvl="1" indent="0">
+              <a:buNone/>
+            </a:pPr>
+            <a:r>
+              <a:rPr lang="pt-BR" sz="2400" dirty="0" smtClean="0"/>
+              <a:t>bolsa1.</a:t>
             </a:r>
             <a:r>
               <a:rPr lang="pt-BR" sz="2400" dirty="0" err="1" smtClean="0">
@@ -11371,19 +10936,160 @@
                   <a:srgbClr val="FFC000"/>
                 </a:solidFill>
               </a:rPr>
+              <a:t>setValor</a:t>
+            </a:r>
+            <a:r>
+              <a:rPr lang="pt-BR" sz="2400" dirty="0" smtClean="0">
+                <a:solidFill>
+                  <a:srgbClr val="FFC000"/>
+                </a:solidFill>
+              </a:rPr>
+              <a:t>(</a:t>
+            </a:r>
+            <a:r>
+              <a:rPr lang="pt-BR" sz="2400" dirty="0" smtClean="0"/>
+              <a:t>“E o vento levou!”</a:t>
+            </a:r>
+            <a:r>
+              <a:rPr lang="pt-BR" sz="2400" dirty="0" smtClean="0">
+                <a:solidFill>
+                  <a:srgbClr val="FFC000"/>
+                </a:solidFill>
+              </a:rPr>
+              <a:t>)</a:t>
+            </a:r>
+            <a:r>
+              <a:rPr lang="pt-BR" sz="2400" dirty="0" smtClean="0"/>
+              <a:t>;</a:t>
+            </a:r>
+          </a:p>
+          <a:p>
+            <a:pPr marL="447675" lvl="1" indent="0">
+              <a:buNone/>
+            </a:pPr>
+            <a:r>
+              <a:rPr lang="pt-BR" sz="2400" dirty="0" smtClean="0">
+                <a:solidFill>
+                  <a:srgbClr val="FFC000"/>
+                </a:solidFill>
+              </a:rPr>
+              <a:t>String</a:t>
+            </a:r>
+            <a:r>
+              <a:rPr lang="pt-BR" sz="2400" dirty="0" smtClean="0"/>
+              <a:t> s = bolsa1.</a:t>
+            </a:r>
+            <a:r>
+              <a:rPr lang="pt-BR" sz="2400" dirty="0" err="1" smtClean="0">
+                <a:solidFill>
+                  <a:srgbClr val="FFC000"/>
+                </a:solidFill>
+              </a:rPr>
+              <a:t>getValor</a:t>
+            </a:r>
+            <a:r>
+              <a:rPr lang="pt-BR" sz="2400" dirty="0" smtClean="0">
+                <a:solidFill>
+                  <a:srgbClr val="FFC000"/>
+                </a:solidFill>
+              </a:rPr>
+              <a:t>()</a:t>
+            </a:r>
+            <a:r>
+              <a:rPr lang="pt-BR" sz="2400" dirty="0" smtClean="0"/>
+              <a:t>;</a:t>
+            </a:r>
+          </a:p>
+          <a:p>
+            <a:pPr marL="447675" lvl="1" indent="0">
+              <a:buNone/>
+            </a:pPr>
+            <a:endParaRPr lang="pt-BR" sz="2400" dirty="0" smtClean="0"/>
+          </a:p>
+          <a:p>
+            <a:pPr marL="447675" lvl="1" indent="0">
+              <a:buNone/>
+            </a:pPr>
+            <a:r>
+              <a:rPr lang="pt-BR" sz="2400" dirty="0" smtClean="0">
+                <a:solidFill>
+                  <a:srgbClr val="FFC000"/>
+                </a:solidFill>
+              </a:rPr>
+              <a:t>Bolsa&lt;</a:t>
+            </a:r>
+            <a:r>
+              <a:rPr lang="pt-BR" sz="2400" dirty="0" err="1" smtClean="0">
+                <a:solidFill>
+                  <a:srgbClr val="FFC000"/>
+                </a:solidFill>
+              </a:rPr>
+              <a:t>Integer</a:t>
+            </a:r>
+            <a:r>
+              <a:rPr lang="pt-BR" sz="2400" dirty="0" smtClean="0">
+                <a:solidFill>
+                  <a:srgbClr val="FFC000"/>
+                </a:solidFill>
+              </a:rPr>
+              <a:t>&gt;</a:t>
+            </a:r>
+            <a:r>
+              <a:rPr lang="pt-BR" sz="2400" dirty="0" smtClean="0"/>
+              <a:t> bolsa2 = </a:t>
+            </a:r>
+            <a:r>
+              <a:rPr lang="pt-BR" sz="2400" dirty="0" err="1" smtClean="0"/>
               <a:t>new</a:t>
             </a:r>
             <a:r>
+              <a:rPr lang="pt-BR" sz="2400" dirty="0" smtClean="0"/>
+              <a:t> </a:t>
+            </a:r>
+            <a:r>
               <a:rPr lang="pt-BR" sz="2400" dirty="0" smtClean="0">
                 <a:solidFill>
                   <a:srgbClr val="FFC000"/>
                 </a:solidFill>
               </a:rPr>
-              <a:t> </a:t>
+              <a:t>Bolsa&lt;</a:t>
+            </a:r>
+            <a:r>
+              <a:rPr lang="pt-BR" sz="2400" dirty="0" err="1" smtClean="0">
+                <a:solidFill>
+                  <a:srgbClr val="FFC000"/>
+                </a:solidFill>
+              </a:rPr>
+              <a:t>Integer</a:t>
+            </a:r>
+            <a:r>
+              <a:rPr lang="pt-BR" sz="2400" dirty="0" smtClean="0">
+                <a:solidFill>
+                  <a:srgbClr val="FFC000"/>
+                </a:solidFill>
+              </a:rPr>
+              <a:t>&gt;()</a:t>
             </a:r>
             <a:r>
               <a:rPr lang="pt-BR" sz="2400" dirty="0" smtClean="0"/>
-              <a:t>Bolsa&lt;String&gt;()</a:t>
+              <a:t>;</a:t>
+            </a:r>
+          </a:p>
+          <a:p>
+            <a:pPr marL="447675" lvl="1" indent="0">
+              <a:buNone/>
+            </a:pPr>
+            <a:r>
+              <a:rPr lang="pt-BR" sz="2400" dirty="0" smtClean="0"/>
+              <a:t>bolsa2.</a:t>
+            </a:r>
+            <a:r>
+              <a:rPr lang="pt-BR" sz="2400" dirty="0" err="1" smtClean="0">
+                <a:solidFill>
+                  <a:srgbClr val="FFC000"/>
+                </a:solidFill>
+              </a:rPr>
+              <a:t>setValor</a:t>
             </a:r>
             <a:r>
               <a:rPr lang="pt-BR" sz="2400" dirty="0" smtClean="0">
@@ -11391,6 +11097,22 @@
                   <a:srgbClr val="FFC000"/>
                 </a:solidFill>
               </a:rPr>
+              <a:t>(</a:t>
+            </a:r>
+            <a:r>
+              <a:rPr lang="pt-BR" sz="2400" dirty="0" smtClean="0"/>
+              <a:t>2012</a:t>
+            </a:r>
+            <a:r>
+              <a:rPr lang="pt-BR" sz="2400" dirty="0" smtClean="0">
+                <a:solidFill>
+                  <a:srgbClr val="FFC000"/>
+                </a:solidFill>
+              </a:rPr>
+              <a:t>)</a:t>
+            </a:r>
+            <a:r>
+              <a:rPr lang="pt-BR" sz="2400" dirty="0" smtClean="0"/>
               <a:t>;</a:t>
             </a:r>
           </a:p>
@@ -11399,217 +11121,35 @@
               <a:buNone/>
             </a:pPr>
             <a:r>
+              <a:rPr lang="pt-BR" sz="2400" dirty="0" err="1" smtClean="0">
+                <a:solidFill>
+                  <a:srgbClr val="FFC000"/>
+                </a:solidFill>
+              </a:rPr>
+              <a:t>Integer</a:t>
+            </a:r>
+            <a:r>
+              <a:rPr lang="pt-BR" sz="2400" dirty="0" smtClean="0"/>
+              <a:t> i = bolsa2.</a:t>
+            </a:r>
+            <a:r>
+              <a:rPr lang="pt-BR" sz="2400" dirty="0" err="1" smtClean="0">
+                <a:solidFill>
+                  <a:srgbClr val="FFC000"/>
+                </a:solidFill>
+              </a:rPr>
+              <a:t>getValor</a:t>
+            </a:r>
+            <a:r>
               <a:rPr lang="pt-BR" sz="2400" dirty="0" smtClean="0">
                 <a:solidFill>
                   <a:srgbClr val="FFC000"/>
                 </a:solidFill>
               </a:rPr>
-              <a:t>bolsa1.</a:t>
-            </a:r>
-            <a:r>
-              <a:rPr lang="pt-BR" sz="2400" dirty="0" err="1" smtClean="0"/>
-              <a:t>setValor</a:t>
+              <a:t>()</a:t>
             </a:r>
             <a:r>
               <a:rPr lang="pt-BR" sz="2400" dirty="0" smtClean="0"/>
-              <a:t>(</a:t>
-            </a:r>
-            <a:r>
-              <a:rPr lang="pt-BR" sz="2400" dirty="0" smtClean="0">
-                <a:solidFill>
-                  <a:srgbClr val="FFC000"/>
-                </a:solidFill>
-              </a:rPr>
-              <a:t>“E o vento levou!”</a:t>
-            </a:r>
-            <a:r>
-              <a:rPr lang="pt-BR" sz="2400" dirty="0" smtClean="0"/>
-              <a:t>)</a:t>
-            </a:r>
-            <a:r>
-              <a:rPr lang="pt-BR" sz="2400" dirty="0" smtClean="0">
-                <a:solidFill>
-                  <a:srgbClr val="FFC000"/>
-                </a:solidFill>
-              </a:rPr>
-              <a:t>;</a:t>
-            </a:r>
-          </a:p>
-          <a:p>
-            <a:pPr marL="447675" lvl="1" indent="0">
-              <a:buNone/>
-            </a:pPr>
-            <a:r>
-              <a:rPr lang="pt-BR" sz="2400" dirty="0" smtClean="0"/>
-              <a:t>String</a:t>
-            </a:r>
-            <a:r>
-              <a:rPr lang="pt-BR" sz="2400" dirty="0" smtClean="0">
-                <a:solidFill>
-                  <a:srgbClr val="FFC000"/>
-                </a:solidFill>
-              </a:rPr>
-              <a:t> s = bolsa1.</a:t>
-            </a:r>
-            <a:r>
-              <a:rPr lang="pt-BR" sz="2400" dirty="0" err="1" smtClean="0"/>
-              <a:t>getValor</a:t>
-            </a:r>
-            <a:r>
-              <a:rPr lang="pt-BR" sz="2400" dirty="0" smtClean="0"/>
-              <a:t>()</a:t>
-            </a:r>
-            <a:r>
-              <a:rPr lang="pt-BR" sz="2400" dirty="0" smtClean="0">
-                <a:solidFill>
-                  <a:srgbClr val="FFC000"/>
-                </a:solidFill>
-              </a:rPr>
-              <a:t>;</a:t>
-            </a:r>
-          </a:p>
-          <a:p>
-            <a:pPr marL="447675" lvl="1" indent="0">
-              <a:buNone/>
-            </a:pPr>
-            <a:endParaRPr lang="pt-BR" sz="2400" dirty="0" smtClean="0">
-              <a:solidFill>
-                <a:srgbClr val="FFC000"/>
-              </a:solidFill>
-            </a:endParaRPr>
-          </a:p>
-          <a:p>
-            <a:pPr marL="447675" lvl="1" indent="0">
-              <a:buNone/>
-            </a:pPr>
-            <a:r>
-              <a:rPr lang="pt-BR" sz="2400" dirty="0" smtClean="0"/>
-              <a:t>Bolsa&lt;</a:t>
-            </a:r>
-            <a:r>
-              <a:rPr lang="pt-BR" sz="2400" dirty="0" err="1" smtClean="0"/>
-              <a:t>Integer</a:t>
-            </a:r>
-            <a:r>
-              <a:rPr lang="pt-BR" sz="2400" dirty="0" smtClean="0"/>
-              <a:t>&gt;</a:t>
-            </a:r>
-            <a:r>
-              <a:rPr lang="pt-BR" sz="2400" dirty="0" smtClean="0">
-                <a:solidFill>
-                  <a:srgbClr val="FFC000"/>
-                </a:solidFill>
-              </a:rPr>
-              <a:t> bolsa2 = </a:t>
-            </a:r>
-            <a:r>
-              <a:rPr lang="pt-BR" sz="2400" dirty="0" err="1" smtClean="0">
-                <a:solidFill>
-                  <a:srgbClr val="FFC000"/>
-                </a:solidFill>
-              </a:rPr>
-              <a:t>new</a:t>
-            </a:r>
-            <a:r>
-              <a:rPr lang="pt-BR" sz="2400" dirty="0" smtClean="0">
-                <a:solidFill>
-                  <a:srgbClr val="FFC000"/>
-                </a:solidFill>
-              </a:rPr>
-              <a:t> </a:t>
-            </a:r>
-            <a:r>
-              <a:rPr lang="pt-BR" sz="2400" dirty="0" smtClean="0"/>
-              <a:t>Bolsa&lt;</a:t>
-            </a:r>
-            <a:r>
-              <a:rPr lang="pt-BR" sz="2400" dirty="0" err="1" smtClean="0"/>
-              <a:t>Integer</a:t>
-            </a:r>
-            <a:r>
-              <a:rPr lang="pt-BR" sz="2400" dirty="0" smtClean="0"/>
-              <a:t>&gt;()</a:t>
-            </a:r>
-            <a:r>
-              <a:rPr lang="pt-BR" sz="2400" dirty="0" smtClean="0">
-                <a:solidFill>
-                  <a:srgbClr val="FFC000"/>
-                </a:solidFill>
-              </a:rPr>
-              <a:t>;</a:t>
-            </a:r>
-          </a:p>
-          <a:p>
-            <a:pPr marL="447675" lvl="1" indent="0">
-              <a:buNone/>
-            </a:pPr>
-            <a:r>
-              <a:rPr lang="pt-BR" sz="2400" dirty="0" smtClean="0">
-                <a:solidFill>
-                  <a:srgbClr val="FFC000"/>
-                </a:solidFill>
-              </a:rPr>
-              <a:t>bolsa2.</a:t>
-            </a:r>
-            <a:r>
-              <a:rPr lang="pt-BR" sz="2400" dirty="0" err="1" smtClean="0"/>
-              <a:t>setValor</a:t>
-            </a:r>
-            <a:r>
-              <a:rPr lang="pt-BR" sz="2400" dirty="0" smtClean="0"/>
-              <a:t>(</a:t>
-            </a:r>
-            <a:r>
-              <a:rPr lang="pt-BR" sz="2400" dirty="0" smtClean="0">
-                <a:solidFill>
-                  <a:srgbClr val="FFC000"/>
-                </a:solidFill>
-              </a:rPr>
-              <a:t>2012</a:t>
-            </a:r>
-            <a:r>
-              <a:rPr lang="pt-BR" sz="2400" dirty="0" smtClean="0"/>
-              <a:t>)</a:t>
-            </a:r>
-            <a:r>
-              <a:rPr lang="pt-BR" sz="2400" dirty="0" smtClean="0">
-                <a:solidFill>
-                  <a:srgbClr val="FFC000"/>
-                </a:solidFill>
-              </a:rPr>
-              <a:t>;</a:t>
-            </a:r>
-          </a:p>
-          <a:p>
-            <a:pPr marL="447675" lvl="1" indent="0">
-              <a:buNone/>
-            </a:pPr>
-            <a:r>
-              <a:rPr lang="pt-BR" sz="2400" dirty="0" err="1" smtClean="0"/>
-              <a:t>Integer</a:t>
-            </a:r>
-            <a:r>
-              <a:rPr lang="pt-BR" sz="2400" dirty="0" smtClean="0">
-                <a:solidFill>
-                  <a:srgbClr val="FFC000"/>
-                </a:solidFill>
-              </a:rPr>
-              <a:t> i = bolsa2.</a:t>
-            </a:r>
-            <a:r>
-              <a:rPr lang="pt-BR" sz="2400" dirty="0" err="1" smtClean="0"/>
-              <a:t>getValor</a:t>
-            </a:r>
-            <a:r>
-              <a:rPr lang="pt-BR" sz="2400" dirty="0" smtClean="0"/>
-              <a:t>()</a:t>
-            </a:r>
-            <a:r>
-              <a:rPr lang="pt-BR" sz="2400" dirty="0" smtClean="0">
-                <a:solidFill>
-                  <a:srgbClr val="FFC000"/>
-                </a:solidFill>
-              </a:rPr>
               <a:t>;</a:t>
             </a:r>
           </a:p>
@@ -11730,28 +11270,36 @@
               </a:tabLst>
             </a:pPr>
             <a:r>
-              <a:rPr lang="pt-BR" sz="1800" dirty="0" err="1" smtClean="0">
-                <a:solidFill>
-                  <a:srgbClr val="FFC000"/>
-                </a:solidFill>
-              </a:rPr>
+              <a:rPr lang="pt-BR" sz="1800" dirty="0" err="1" smtClean="0"/>
               <a:t>public</a:t>
             </a:r>
             <a:r>
+              <a:rPr lang="pt-BR" sz="1800" dirty="0" smtClean="0"/>
+              <a:t> </a:t>
+            </a:r>
+            <a:r>
+              <a:rPr lang="pt-BR" sz="1800" dirty="0" err="1" smtClean="0"/>
+              <a:t>class</a:t>
+            </a:r>
+            <a:r>
+              <a:rPr lang="pt-BR" sz="1800" dirty="0" smtClean="0"/>
+              <a:t> </a:t>
+            </a:r>
+            <a:r>
               <a:rPr lang="pt-BR" sz="1800" dirty="0" smtClean="0">
                 <a:solidFill>
                   <a:srgbClr val="FFC000"/>
                 </a:solidFill>
               </a:rPr>
-              <a:t> </a:t>
-            </a:r>
-            <a:r>
-              <a:rPr lang="pt-BR" sz="1800" dirty="0" err="1" smtClean="0">
-                <a:solidFill>
-                  <a:srgbClr val="FFC000"/>
-                </a:solidFill>
-              </a:rPr>
-              <a:t>class</a:t>
+              <a:t>Trio&lt;</a:t>
+            </a:r>
+            <a:r>
+              <a:rPr lang="pt-BR" sz="1800" b="1" dirty="0" smtClean="0">
+                <a:solidFill>
+                  <a:srgbClr val="FFC000"/>
+                </a:solidFill>
+              </a:rPr>
+              <a:t>T</a:t>
             </a:r>
             <a:r>
               <a:rPr lang="pt-BR" sz="1800" dirty="0" smtClean="0">
@@ -11759,26 +11307,10 @@
                   <a:srgbClr val="FFC000"/>
                 </a:solidFill>
               </a:rPr>
-              <a:t> </a:t>
+              <a:t>&gt;</a:t>
             </a:r>
             <a:r>
               <a:rPr lang="pt-BR" sz="1800" dirty="0" smtClean="0"/>
-              <a:t>Trio&lt;</a:t>
-            </a:r>
-            <a:r>
-              <a:rPr lang="pt-BR" sz="1800" b="1" dirty="0" smtClean="0"/>
-              <a:t>T</a:t>
-            </a:r>
-            <a:r>
-              <a:rPr lang="pt-BR" sz="1800" dirty="0" smtClean="0"/>
-              <a:t>&gt;</a:t>
-            </a:r>
-            <a:r>
-              <a:rPr lang="pt-BR" sz="1800" dirty="0" smtClean="0">
-                <a:solidFill>
-                  <a:srgbClr val="FFC000"/>
-                </a:solidFill>
-              </a:rPr>
               <a:t> {</a:t>
             </a:r>
           </a:p>
@@ -11794,55 +11326,35 @@
               </a:tabLst>
             </a:pPr>
             <a:r>
+              <a:rPr lang="pt-BR" sz="1800" dirty="0" smtClean="0"/>
+              <a:t>	</a:t>
+            </a:r>
+            <a:r>
+              <a:rPr lang="pt-BR" sz="1800" dirty="0" err="1" smtClean="0"/>
+              <a:t>private</a:t>
+            </a:r>
+            <a:r>
+              <a:rPr lang="pt-BR" sz="1800" dirty="0" smtClean="0"/>
+              <a:t> </a:t>
+            </a:r>
+            <a:r>
+              <a:rPr lang="pt-BR" sz="1800" b="1" dirty="0" smtClean="0">
+                <a:solidFill>
+                  <a:srgbClr val="FFC000"/>
+                </a:solidFill>
+              </a:rPr>
+              <a:t>T</a:t>
+            </a:r>
+            <a:r>
               <a:rPr lang="pt-BR" sz="1800" dirty="0" smtClean="0">
                 <a:solidFill>
                   <a:srgbClr val="FFC000"/>
                 </a:solidFill>
               </a:rPr>
-              <a:t>	</a:t>
-            </a:r>
-            <a:r>
-              <a:rPr lang="pt-BR" sz="1800" dirty="0" err="1" smtClean="0">
-                <a:solidFill>
-                  <a:srgbClr val="FFC000"/>
-                </a:solidFill>
-              </a:rPr>
-              <a:t>private</a:t>
-            </a:r>
-            <a:r>
-              <a:rPr lang="pt-BR" sz="1800" dirty="0" smtClean="0">
-                <a:solidFill>
-                  <a:srgbClr val="FFC000"/>
-                </a:solidFill>
-              </a:rPr>
-              <a:t> </a:t>
-            </a:r>
-            <a:r>
-              <a:rPr lang="pt-BR" sz="1800" b="1" dirty="0" smtClean="0">
-                <a:solidFill>
-                  <a:srgbClr val="FFC000"/>
-                </a:solidFill>
-              </a:rPr>
-              <a:t>T</a:t>
-            </a:r>
-            <a:r>
-              <a:rPr lang="pt-BR" sz="1800" dirty="0" smtClean="0">
-                <a:solidFill>
-                  <a:srgbClr val="FFC000"/>
-                </a:solidFill>
-              </a:rPr>
-              <a:t> </a:t>
+              <a:t> primeiro</a:t>
             </a:r>
             <a:r>
               <a:rPr lang="pt-BR" sz="1800" dirty="0" smtClean="0"/>
-              <a:t>primeiro</a:t>
-            </a:r>
-            <a:r>
-              <a:rPr lang="pt-BR" sz="1800" dirty="0" smtClean="0">
-                <a:solidFill>
-                  <a:srgbClr val="FFC000"/>
-                </a:solidFill>
-              </a:rPr>
               <a:t>;</a:t>
             </a:r>
           </a:p>
@@ -11858,55 +11370,35 @@
               </a:tabLst>
             </a:pPr>
             <a:r>
+              <a:rPr lang="pt-BR" sz="1800" dirty="0" smtClean="0"/>
+              <a:t>	</a:t>
+            </a:r>
+            <a:r>
+              <a:rPr lang="pt-BR" sz="1800" dirty="0" err="1" smtClean="0"/>
+              <a:t>private</a:t>
+            </a:r>
+            <a:r>
+              <a:rPr lang="pt-BR" sz="1800" dirty="0" smtClean="0"/>
+              <a:t> </a:t>
+            </a:r>
+            <a:r>
+              <a:rPr lang="pt-BR" sz="1800" b="1" dirty="0" smtClean="0">
+                <a:solidFill>
+                  <a:srgbClr val="FFC000"/>
+                </a:solidFill>
+              </a:rPr>
+              <a:t>T</a:t>
+            </a:r>
+            <a:r>
               <a:rPr lang="pt-BR" sz="1800" dirty="0" smtClean="0">
                 <a:solidFill>
                   <a:srgbClr val="FFC000"/>
                 </a:solidFill>
               </a:rPr>
-              <a:t>	</a:t>
-            </a:r>
-            <a:r>
-              <a:rPr lang="pt-BR" sz="1800" dirty="0" err="1" smtClean="0">
-                <a:solidFill>
-                  <a:srgbClr val="FFC000"/>
-                </a:solidFill>
-              </a:rPr>
-              <a:t>private</a:t>
-            </a:r>
-            <a:r>
-              <a:rPr lang="pt-BR" sz="1800" dirty="0" smtClean="0">
-                <a:solidFill>
-                  <a:srgbClr val="FFC000"/>
-                </a:solidFill>
-              </a:rPr>
-              <a:t> </a:t>
-            </a:r>
-            <a:r>
-              <a:rPr lang="pt-BR" sz="1800" b="1" dirty="0" smtClean="0">
-                <a:solidFill>
-                  <a:srgbClr val="FFC000"/>
-                </a:solidFill>
-              </a:rPr>
-              <a:t>T</a:t>
-            </a:r>
-            <a:r>
-              <a:rPr lang="pt-BR" sz="1800" dirty="0" smtClean="0">
-                <a:solidFill>
-                  <a:srgbClr val="FFC000"/>
-                </a:solidFill>
-              </a:rPr>
-              <a:t> </a:t>
+              <a:t> segundo</a:t>
             </a:r>
             <a:r>
               <a:rPr lang="pt-BR" sz="1800" dirty="0" smtClean="0"/>
-              <a:t>segundo</a:t>
-            </a:r>
-            <a:r>
-              <a:rPr lang="pt-BR" sz="1800" dirty="0" smtClean="0">
-                <a:solidFill>
-                  <a:srgbClr val="FFC000"/>
-                </a:solidFill>
-              </a:rPr>
               <a:t>;</a:t>
             </a:r>
           </a:p>
@@ -11922,55 +11414,35 @@
               </a:tabLst>
             </a:pPr>
             <a:r>
+              <a:rPr lang="pt-BR" sz="1800" dirty="0" smtClean="0"/>
+              <a:t>	</a:t>
+            </a:r>
+            <a:r>
+              <a:rPr lang="pt-BR" sz="1800" dirty="0" err="1" smtClean="0"/>
+              <a:t>private</a:t>
+            </a:r>
+            <a:r>
+              <a:rPr lang="pt-BR" sz="1800" dirty="0" smtClean="0"/>
+              <a:t> </a:t>
+            </a:r>
+            <a:r>
+              <a:rPr lang="pt-BR" sz="1800" b="1" dirty="0" smtClean="0">
+                <a:solidFill>
+                  <a:srgbClr val="FFC000"/>
+                </a:solidFill>
+              </a:rPr>
+              <a:t>T</a:t>
+            </a:r>
+            <a:r>
               <a:rPr lang="pt-BR" sz="1800" dirty="0" smtClean="0">
                 <a:solidFill>
                   <a:srgbClr val="FFC000"/>
                 </a:solidFill>
               </a:rPr>
-              <a:t>	</a:t>
-            </a:r>
-            <a:r>
-              <a:rPr lang="pt-BR" sz="1800" dirty="0" err="1" smtClean="0">
-                <a:solidFill>
-                  <a:srgbClr val="FFC000"/>
-                </a:solidFill>
-              </a:rPr>
-              <a:t>private</a:t>
-            </a:r>
-            <a:r>
-              <a:rPr lang="pt-BR" sz="1800" dirty="0" smtClean="0">
-                <a:solidFill>
-                  <a:srgbClr val="FFC000"/>
-                </a:solidFill>
-              </a:rPr>
-              <a:t> </a:t>
-            </a:r>
-            <a:r>
-              <a:rPr lang="pt-BR" sz="1800" b="1" dirty="0" smtClean="0">
-                <a:solidFill>
-                  <a:srgbClr val="FFC000"/>
-                </a:solidFill>
-              </a:rPr>
-              <a:t>T</a:t>
-            </a:r>
-            <a:r>
-              <a:rPr lang="pt-BR" sz="1800" dirty="0" smtClean="0">
-                <a:solidFill>
-                  <a:srgbClr val="FFC000"/>
-                </a:solidFill>
-              </a:rPr>
-              <a:t> </a:t>
+              <a:t> terceiro</a:t>
             </a:r>
             <a:r>
               <a:rPr lang="pt-BR" sz="1800" dirty="0" smtClean="0"/>
-              <a:t>terceiro</a:t>
-            </a:r>
-            <a:r>
-              <a:rPr lang="pt-BR" sz="1800" dirty="0" smtClean="0">
-                <a:solidFill>
-                  <a:srgbClr val="FFC000"/>
-                </a:solidFill>
-              </a:rPr>
               <a:t>;</a:t>
             </a:r>
           </a:p>
@@ -11985,11 +11457,7 @@
                 <a:tab pos="722313" algn="l"/>
               </a:tabLst>
             </a:pPr>
-            <a:endParaRPr lang="pt-BR" sz="1800" dirty="0" smtClean="0">
-              <a:solidFill>
-                <a:srgbClr val="FFC000"/>
-              </a:solidFill>
-            </a:endParaRPr>
+            <a:endParaRPr lang="pt-BR" sz="1800" dirty="0" smtClean="0"/>
           </a:p>
           <a:p>
             <a:pPr marL="0" indent="0">
@@ -12003,12 +11471,32 @@
               </a:tabLst>
             </a:pPr>
             <a:r>
+              <a:rPr lang="pt-BR" sz="1800" dirty="0" smtClean="0"/>
+              <a:t>	</a:t>
+            </a:r>
+            <a:r>
+              <a:rPr lang="pt-BR" sz="1800" dirty="0" err="1" smtClean="0"/>
+              <a:t>public</a:t>
+            </a:r>
+            <a:r>
+              <a:rPr lang="pt-BR" sz="1800" dirty="0" smtClean="0"/>
+              <a:t> </a:t>
+            </a:r>
+            <a:r>
+              <a:rPr lang="pt-BR" sz="1800" b="1" dirty="0" smtClean="0">
+                <a:solidFill>
+                  <a:srgbClr val="FFC000"/>
+                </a:solidFill>
+              </a:rPr>
+              <a:t>T</a:t>
+            </a:r>
+            <a:r>
               <a:rPr lang="pt-BR" sz="1800" dirty="0" smtClean="0">
                 <a:solidFill>
                   <a:srgbClr val="FFC000"/>
                 </a:solidFill>
               </a:rPr>
-              <a:t>	</a:t>
+              <a:t> </a:t>
             </a:r>
             <a:r>
               <a:rPr lang="pt-BR" sz="1800" dirty="0" err="1" smtClean="0">
@@ -12016,7 +11504,7 @@
                   <a:srgbClr val="FFC000"/>
                 </a:solidFill>
               </a:rPr>
-              <a:t>public</a:t>
+              <a:t>getPrimeiro</a:t>
             </a:r>
             <a:r>
               <a:rPr lang="pt-BR" sz="1800" dirty="0" smtClean="0">
@@ -12024,35 +11512,11 @@
                   <a:srgbClr val="FFC000"/>
                 </a:solidFill>
               </a:rPr>
-              <a:t> </a:t>
-            </a:r>
-            <a:r>
-              <a:rPr lang="pt-BR" sz="1800" b="1" dirty="0" smtClean="0">
-                <a:solidFill>
-                  <a:srgbClr val="FFC000"/>
-                </a:solidFill>
-              </a:rPr>
-              <a:t>T</a:t>
-            </a:r>
-            <a:r>
-              <a:rPr lang="pt-BR" sz="1800" dirty="0" smtClean="0">
-                <a:solidFill>
-                  <a:srgbClr val="FFC000"/>
-                </a:solidFill>
-              </a:rPr>
-              <a:t> </a:t>
-            </a:r>
-            <a:r>
-              <a:rPr lang="pt-BR" sz="1800" dirty="0" err="1" smtClean="0"/>
-              <a:t>getPrimeiro</a:t>
-            </a:r>
-            <a:r>
-              <a:rPr lang="pt-BR" sz="1800" dirty="0" smtClean="0">
-                <a:solidFill>
-                  <a:srgbClr val="FFC000"/>
-                </a:solidFill>
-              </a:rPr>
-              <a:t>() {</a:t>
+              <a:t>()</a:t>
+            </a:r>
+            <a:r>
+              <a:rPr lang="pt-BR" sz="1800" dirty="0" smtClean="0"/>
+              <a:t> {</a:t>
             </a:r>
           </a:p>
           <a:p>
@@ -12067,40 +11531,16 @@
               </a:tabLst>
             </a:pPr>
             <a:r>
-              <a:rPr lang="pt-BR" sz="1800" dirty="0" smtClean="0">
-                <a:solidFill>
-                  <a:srgbClr val="FFC000"/>
-                </a:solidFill>
-              </a:rPr>
+              <a:rPr lang="pt-BR" sz="1800" dirty="0" smtClean="0"/>
               <a:t>		</a:t>
             </a:r>
             <a:r>
-              <a:rPr lang="pt-BR" sz="1800" dirty="0" err="1" smtClean="0">
-                <a:solidFill>
-                  <a:srgbClr val="FFC000"/>
-                </a:solidFill>
-              </a:rPr>
+              <a:rPr lang="pt-BR" sz="1800" dirty="0" err="1" smtClean="0"/>
               <a:t>return</a:t>
             </a:r>
             <a:r>
-              <a:rPr lang="pt-BR" sz="1800" dirty="0" smtClean="0">
-                <a:solidFill>
-                  <a:srgbClr val="FFC000"/>
-                </a:solidFill>
-              </a:rPr>
-              <a:t> </a:t>
-            </a:r>
-            <a:r>
               <a:rPr lang="pt-BR" sz="1800" dirty="0" smtClean="0"/>
-              <a:t>primeiro</a:t>
-            </a:r>
-            <a:r>
-              <a:rPr lang="pt-BR" sz="1800" dirty="0" smtClean="0">
-                <a:solidFill>
-                  <a:srgbClr val="FFC000"/>
-                </a:solidFill>
-              </a:rPr>
-              <a:t>;</a:t>
+              <a:t> primeiro;</a:t>
             </a:r>
           </a:p>
           <a:p>
@@ -12115,11 +11555,7 @@
               </a:tabLst>
             </a:pPr>
             <a:r>
-              <a:rPr lang="pt-BR" sz="1800" dirty="0" smtClean="0">
-                <a:solidFill>
-                  <a:srgbClr val="FFC000"/>
-                </a:solidFill>
-              </a:rPr>
+              <a:rPr lang="pt-BR" sz="1800" dirty="0" smtClean="0"/>
               <a:t>	}</a:t>
             </a:r>
           </a:p>
@@ -12135,20 +11571,48 @@
               </a:tabLst>
             </a:pPr>
             <a:r>
+              <a:rPr lang="pt-BR" sz="1800" dirty="0" smtClean="0"/>
+              <a:t>	</a:t>
+            </a:r>
+            <a:r>
+              <a:rPr lang="pt-BR" sz="1800" dirty="0" err="1" smtClean="0"/>
+              <a:t>public</a:t>
+            </a:r>
+            <a:r>
+              <a:rPr lang="pt-BR" sz="1800" dirty="0" smtClean="0"/>
+              <a:t> </a:t>
+            </a:r>
+            <a:r>
+              <a:rPr lang="pt-BR" sz="1800" dirty="0" err="1" smtClean="0"/>
+              <a:t>void</a:t>
+            </a:r>
+            <a:r>
+              <a:rPr lang="pt-BR" sz="1800" dirty="0" smtClean="0"/>
+              <a:t> </a:t>
+            </a:r>
+            <a:r>
+              <a:rPr lang="pt-BR" sz="1800" dirty="0" err="1" smtClean="0">
+                <a:solidFill>
+                  <a:srgbClr val="FFC000"/>
+                </a:solidFill>
+              </a:rPr>
+              <a:t>setPrimeiro</a:t>
+            </a:r>
+            <a:r>
               <a:rPr lang="pt-BR" sz="1800" dirty="0" smtClean="0">
                 <a:solidFill>
                   <a:srgbClr val="FFC000"/>
                 </a:solidFill>
               </a:rPr>
-              <a:t>	</a:t>
-            </a:r>
-            <a:r>
-              <a:rPr lang="pt-BR" sz="1800" dirty="0" err="1" smtClean="0">
-                <a:solidFill>
-                  <a:srgbClr val="FFC000"/>
-                </a:solidFill>
-              </a:rPr>
-              <a:t>public</a:t>
+              <a:t>(</a:t>
+            </a:r>
+            <a:r>
+              <a:rPr lang="pt-BR" sz="1800" b="1" dirty="0" smtClean="0">
+                <a:solidFill>
+                  <a:srgbClr val="FFC000"/>
+                </a:solidFill>
+              </a:rPr>
+              <a:t>T</a:t>
             </a:r>
             <a:r>
               <a:rPr lang="pt-BR" sz="1800" dirty="0" smtClean="0">
@@ -12156,51 +11620,11 @@
                   <a:srgbClr val="FFC000"/>
                 </a:solidFill>
               </a:rPr>
-              <a:t> </a:t>
-            </a:r>
-            <a:r>
-              <a:rPr lang="pt-BR" sz="1800" dirty="0" err="1" smtClean="0">
-                <a:solidFill>
-                  <a:srgbClr val="FFC000"/>
-                </a:solidFill>
-              </a:rPr>
-              <a:t>void</a:t>
-            </a:r>
-            <a:r>
-              <a:rPr lang="pt-BR" sz="1800" dirty="0" smtClean="0">
-                <a:solidFill>
-                  <a:srgbClr val="FFC000"/>
-                </a:solidFill>
-              </a:rPr>
-              <a:t> </a:t>
-            </a:r>
-            <a:r>
-              <a:rPr lang="pt-BR" sz="1800" dirty="0" err="1" smtClean="0"/>
-              <a:t>setPrimeiro</a:t>
-            </a:r>
-            <a:r>
-              <a:rPr lang="pt-BR" sz="1800" dirty="0" smtClean="0">
-                <a:solidFill>
-                  <a:srgbClr val="FFC000"/>
-                </a:solidFill>
-              </a:rPr>
-              <a:t>(</a:t>
-            </a:r>
-            <a:r>
-              <a:rPr lang="pt-BR" sz="1800" b="1" dirty="0" smtClean="0">
-                <a:solidFill>
-                  <a:srgbClr val="FFC000"/>
-                </a:solidFill>
-              </a:rPr>
-              <a:t>T</a:t>
-            </a:r>
-            <a:r>
-              <a:rPr lang="pt-BR" sz="1800" dirty="0" smtClean="0">
-                <a:solidFill>
-                  <a:srgbClr val="FFC000"/>
-                </a:solidFill>
-              </a:rPr>
-              <a:t> valor) {</a:t>
+              <a:t> valor)</a:t>
+            </a:r>
+            <a:r>
+              <a:rPr lang="pt-BR" sz="1800" dirty="0" smtClean="0"/>
+              <a:t> {</a:t>
             </a:r>
           </a:p>
           <a:p>
@@ -12215,40 +11639,16 @@
               </a:tabLst>
             </a:pPr>
             <a:r>
-              <a:rPr lang="pt-BR" sz="1800" dirty="0" smtClean="0">
-                <a:solidFill>
-                  <a:srgbClr val="FFC000"/>
-                </a:solidFill>
-              </a:rPr>
+              <a:rPr lang="pt-BR" sz="1800" dirty="0" smtClean="0"/>
               <a:t>		</a:t>
             </a:r>
             <a:r>
-              <a:rPr lang="pt-BR" sz="1800" dirty="0" err="1" smtClean="0">
-                <a:solidFill>
-                  <a:srgbClr val="FFC000"/>
-                </a:solidFill>
-              </a:rPr>
+              <a:rPr lang="pt-BR" sz="1800" dirty="0" err="1" smtClean="0"/>
               <a:t>this</a:t>
             </a:r>
             <a:r>
-              <a:rPr lang="pt-BR" sz="1800" dirty="0" smtClean="0">
-                <a:solidFill>
-                  <a:srgbClr val="FFC000"/>
-                </a:solidFill>
-              </a:rPr>
-              <a:t>.</a:t>
-            </a:r>
-            <a:r>
               <a:rPr lang="pt-BR" sz="1800" dirty="0" smtClean="0"/>
-              <a:t>primeiro</a:t>
-            </a:r>
-            <a:r>
-              <a:rPr lang="pt-BR" sz="1800" dirty="0" smtClean="0">
-                <a:solidFill>
-                  <a:srgbClr val="FFC000"/>
-                </a:solidFill>
-              </a:rPr>
-              <a:t> = valor;</a:t>
+              <a:t>.primeiro = valor;</a:t>
             </a:r>
           </a:p>
           <a:p>
@@ -12263,11 +11663,7 @@
               </a:tabLst>
             </a:pPr>
             <a:r>
-              <a:rPr lang="pt-BR" sz="1800" dirty="0" smtClean="0">
-                <a:solidFill>
-                  <a:srgbClr val="FFC000"/>
-                </a:solidFill>
-              </a:rPr>
+              <a:rPr lang="pt-BR" sz="1800" dirty="0" smtClean="0"/>
               <a:t>	}</a:t>
             </a:r>
           </a:p>
@@ -12283,12 +11679,32 @@
               </a:tabLst>
             </a:pPr>
             <a:r>
+              <a:rPr lang="pt-BR" sz="1800" dirty="0" smtClean="0"/>
+              <a:t>	</a:t>
+            </a:r>
+            <a:r>
+              <a:rPr lang="pt-BR" sz="1800" dirty="0" err="1" smtClean="0"/>
+              <a:t>public</a:t>
+            </a:r>
+            <a:r>
+              <a:rPr lang="pt-BR" sz="1800" dirty="0" smtClean="0"/>
+              <a:t> </a:t>
+            </a:r>
+            <a:r>
+              <a:rPr lang="pt-BR" sz="1800" b="1" dirty="0" smtClean="0">
+                <a:solidFill>
+                  <a:srgbClr val="FFC000"/>
+                </a:solidFill>
+              </a:rPr>
+              <a:t>T</a:t>
+            </a:r>
+            <a:r>
               <a:rPr lang="pt-BR" sz="1800" dirty="0" smtClean="0">
                 <a:solidFill>
                   <a:srgbClr val="FFC000"/>
                 </a:solidFill>
               </a:rPr>
-              <a:t>	</a:t>
+              <a:t> </a:t>
             </a:r>
             <a:r>
               <a:rPr lang="pt-BR" sz="1800" dirty="0" err="1" smtClean="0">
@@ -12296,7 +11712,7 @@
                   <a:srgbClr val="FFC000"/>
                 </a:solidFill>
               </a:rPr>
-              <a:t>public</a:t>
+              <a:t>getSegundo</a:t>
             </a:r>
             <a:r>
               <a:rPr lang="pt-BR" sz="1800" dirty="0" smtClean="0">
@@ -12304,35 +11720,11 @@
                   <a:srgbClr val="FFC000"/>
                 </a:solidFill>
               </a:rPr>
-              <a:t> </a:t>
-            </a:r>
-            <a:r>
-              <a:rPr lang="pt-BR" sz="1800" b="1" dirty="0" smtClean="0">
-                <a:solidFill>
-                  <a:srgbClr val="FFC000"/>
-                </a:solidFill>
-              </a:rPr>
-              <a:t>T</a:t>
-            </a:r>
-            <a:r>
-              <a:rPr lang="pt-BR" sz="1800" dirty="0" smtClean="0">
-                <a:solidFill>
-                  <a:srgbClr val="FFC000"/>
-                </a:solidFill>
-              </a:rPr>
-              <a:t> </a:t>
-            </a:r>
-            <a:r>
-              <a:rPr lang="pt-BR" sz="1800" dirty="0" err="1" smtClean="0"/>
-              <a:t>getSegundo</a:t>
-            </a:r>
-            <a:r>
-              <a:rPr lang="pt-BR" sz="1800" dirty="0" smtClean="0">
-                <a:solidFill>
-                  <a:srgbClr val="FFC000"/>
-                </a:solidFill>
-              </a:rPr>
-              <a:t>() {</a:t>
+              <a:t>()</a:t>
+            </a:r>
+            <a:r>
+              <a:rPr lang="pt-BR" sz="1800" dirty="0" smtClean="0"/>
+              <a:t> {</a:t>
             </a:r>
           </a:p>
           <a:p>
@@ -12347,40 +11739,16 @@
               </a:tabLst>
             </a:pPr>
             <a:r>
-              <a:rPr lang="pt-BR" sz="1800" dirty="0" smtClean="0">
-                <a:solidFill>
-                  <a:srgbClr val="FFC000"/>
-                </a:solidFill>
-              </a:rPr>
+              <a:rPr lang="pt-BR" sz="1800" dirty="0" smtClean="0"/>
               <a:t>		</a:t>
             </a:r>
             <a:r>
-              <a:rPr lang="pt-BR" sz="1800" dirty="0" err="1" smtClean="0">
-                <a:solidFill>
-                  <a:srgbClr val="FFC000"/>
-                </a:solidFill>
-              </a:rPr>
+              <a:rPr lang="pt-BR" sz="1800" dirty="0" err="1" smtClean="0"/>
               <a:t>return</a:t>
             </a:r>
             <a:r>
-              <a:rPr lang="pt-BR" sz="1800" dirty="0" smtClean="0">
-                <a:solidFill>
-                  <a:srgbClr val="FFC000"/>
-                </a:solidFill>
-              </a:rPr>
-              <a:t> </a:t>
-            </a:r>
-            <a:r>
               <a:rPr lang="pt-BR" sz="1800" dirty="0" smtClean="0"/>
-              <a:t>segundo</a:t>
-            </a:r>
-            <a:r>
-              <a:rPr lang="pt-BR" sz="1800" dirty="0" smtClean="0">
-                <a:solidFill>
-                  <a:srgbClr val="FFC000"/>
-                </a:solidFill>
-              </a:rPr>
-              <a:t>;</a:t>
+              <a:t> segundo;</a:t>
             </a:r>
           </a:p>
           <a:p>
@@ -12395,11 +11763,7 @@
               </a:tabLst>
             </a:pPr>
             <a:r>
-              <a:rPr lang="pt-BR" sz="1800" dirty="0" smtClean="0">
-                <a:solidFill>
-                  <a:srgbClr val="FFC000"/>
-                </a:solidFill>
-              </a:rPr>
+              <a:rPr lang="pt-BR" sz="1800" dirty="0" smtClean="0"/>
               <a:t>	}</a:t>
             </a:r>
           </a:p>
@@ -12415,11 +11779,7 @@
               </a:tabLst>
             </a:pPr>
             <a:r>
-              <a:rPr lang="pt-BR" sz="1800" dirty="0" smtClean="0">
-                <a:solidFill>
-                  <a:srgbClr val="FFC000"/>
-                </a:solidFill>
-              </a:rPr>
+              <a:rPr lang="pt-BR" sz="1800" dirty="0" smtClean="0"/>
               <a:t>	......</a:t>
             </a:r>
           </a:p>
@@ -12435,11 +11795,7 @@
               </a:tabLst>
             </a:pPr>
             <a:r>
-              <a:rPr lang="pt-BR" sz="1800" dirty="0" smtClean="0">
-                <a:solidFill>
-                  <a:srgbClr val="FFC000"/>
-                </a:solidFill>
-              </a:rPr>
+              <a:rPr lang="pt-BR" sz="1800" dirty="0" smtClean="0"/>
               <a:t>	......</a:t>
             </a:r>
           </a:p>
@@ -12455,11 +11811,7 @@
               </a:tabLst>
             </a:pPr>
             <a:r>
-              <a:rPr lang="pt-BR" sz="1800" dirty="0" smtClean="0">
-                <a:solidFill>
-                  <a:srgbClr val="FFC000"/>
-                </a:solidFill>
-              </a:rPr>
+              <a:rPr lang="pt-BR" sz="1800" dirty="0" smtClean="0"/>
               <a:t>}</a:t>
             </a:r>
           </a:p>
@@ -12581,16 +11933,222 @@
               <a:buNone/>
             </a:pPr>
             <a:r>
+              <a:rPr lang="pt-BR" sz="1800" dirty="0" smtClean="0">
+                <a:solidFill>
+                  <a:srgbClr val="FFC000"/>
+                </a:solidFill>
+              </a:rPr>
+              <a:t>Trio&lt;</a:t>
+            </a:r>
+            <a:r>
+              <a:rPr lang="pt-BR" sz="1800" dirty="0" err="1" smtClean="0">
+                <a:solidFill>
+                  <a:srgbClr val="FFC000"/>
+                </a:solidFill>
+              </a:rPr>
+              <a:t>Integer</a:t>
+            </a:r>
+            <a:r>
+              <a:rPr lang="pt-BR" sz="1800" dirty="0" smtClean="0">
+                <a:solidFill>
+                  <a:srgbClr val="FFC000"/>
+                </a:solidFill>
+              </a:rPr>
+              <a:t>&gt;</a:t>
+            </a:r>
+            <a:r>
               <a:rPr lang="pt-BR" sz="1800" dirty="0" smtClean="0"/>
+              <a:t> trio1 = </a:t>
+            </a:r>
+            <a:r>
+              <a:rPr lang="pt-BR" sz="1800" dirty="0" err="1" smtClean="0"/>
+              <a:t>new</a:t>
+            </a:r>
+            <a:r>
+              <a:rPr lang="pt-BR" sz="1800" dirty="0" smtClean="0"/>
+              <a:t> </a:t>
+            </a:r>
+            <a:r>
+              <a:rPr lang="pt-BR" sz="1800" dirty="0" smtClean="0">
+                <a:solidFill>
+                  <a:srgbClr val="FFC000"/>
+                </a:solidFill>
+              </a:rPr>
               <a:t>Trio&lt;</a:t>
             </a:r>
             <a:r>
+              <a:rPr lang="pt-BR" sz="1800" dirty="0" err="1" smtClean="0">
+                <a:solidFill>
+                  <a:srgbClr val="FFC000"/>
+                </a:solidFill>
+              </a:rPr>
+              <a:t>Integer</a:t>
+            </a:r>
+            <a:r>
+              <a:rPr lang="pt-BR" sz="1800" dirty="0" smtClean="0">
+                <a:solidFill>
+                  <a:srgbClr val="FFC000"/>
+                </a:solidFill>
+              </a:rPr>
+              <a:t>&gt;()</a:t>
+            </a:r>
+            <a:r>
+              <a:rPr lang="pt-BR" sz="1800" dirty="0" smtClean="0"/>
+              <a:t>;</a:t>
+            </a:r>
+          </a:p>
+          <a:p>
+            <a:pPr marL="4763" lvl="1" indent="0">
+              <a:buNone/>
+            </a:pPr>
+            <a:r>
+              <a:rPr lang="pt-BR" sz="1800" dirty="0" smtClean="0"/>
+              <a:t>trio1.</a:t>
+            </a:r>
+            <a:r>
+              <a:rPr lang="pt-BR" sz="1800" dirty="0" err="1" smtClean="0">
+                <a:solidFill>
+                  <a:srgbClr val="FFC000"/>
+                </a:solidFill>
+              </a:rPr>
+              <a:t>setPrimeiro</a:t>
+            </a:r>
+            <a:r>
+              <a:rPr lang="pt-BR" sz="1800" dirty="0" smtClean="0">
+                <a:solidFill>
+                  <a:srgbClr val="FFC000"/>
+                </a:solidFill>
+              </a:rPr>
+              <a:t>(</a:t>
+            </a:r>
+            <a:r>
+              <a:rPr lang="pt-BR" sz="1800" dirty="0" smtClean="0"/>
+              <a:t>39</a:t>
+            </a:r>
+            <a:r>
+              <a:rPr lang="pt-BR" sz="1800" dirty="0" smtClean="0">
+                <a:solidFill>
+                  <a:srgbClr val="FFC000"/>
+                </a:solidFill>
+              </a:rPr>
+              <a:t>)</a:t>
+            </a:r>
+            <a:r>
+              <a:rPr lang="pt-BR" sz="1800" dirty="0" smtClean="0"/>
+              <a:t>;</a:t>
+            </a:r>
+          </a:p>
+          <a:p>
+            <a:pPr marL="4763" lvl="1" indent="0">
+              <a:buNone/>
+            </a:pPr>
+            <a:r>
+              <a:rPr lang="pt-BR" sz="1800" dirty="0" smtClean="0"/>
+              <a:t>trio1.</a:t>
+            </a:r>
+            <a:r>
+              <a:rPr lang="pt-BR" sz="1800" dirty="0" err="1" smtClean="0">
+                <a:solidFill>
+                  <a:srgbClr val="FFC000"/>
+                </a:solidFill>
+              </a:rPr>
+              <a:t>setSegundo</a:t>
+            </a:r>
+            <a:r>
+              <a:rPr lang="pt-BR" sz="1800" dirty="0" smtClean="0">
+                <a:solidFill>
+                  <a:srgbClr val="FFC000"/>
+                </a:solidFill>
+              </a:rPr>
+              <a:t>(</a:t>
+            </a:r>
+            <a:r>
+              <a:rPr lang="pt-BR" sz="1800" dirty="0" smtClean="0"/>
+              <a:t>63</a:t>
+            </a:r>
+            <a:r>
+              <a:rPr lang="pt-BR" sz="1800" dirty="0" smtClean="0">
+                <a:solidFill>
+                  <a:srgbClr val="FFC000"/>
+                </a:solidFill>
+              </a:rPr>
+              <a:t>)</a:t>
+            </a:r>
+            <a:r>
+              <a:rPr lang="pt-BR" sz="1800" dirty="0" smtClean="0"/>
+              <a:t>;</a:t>
+            </a:r>
+          </a:p>
+          <a:p>
+            <a:pPr marL="4763" lvl="1" indent="0">
+              <a:buNone/>
+            </a:pPr>
+            <a:r>
+              <a:rPr lang="pt-BR" sz="1800" dirty="0" smtClean="0"/>
+              <a:t>trio1.</a:t>
+            </a:r>
+            <a:r>
+              <a:rPr lang="pt-BR" sz="1800" dirty="0" err="1" smtClean="0">
+                <a:solidFill>
+                  <a:srgbClr val="FFC000"/>
+                </a:solidFill>
+              </a:rPr>
+              <a:t>setTerceiro</a:t>
+            </a:r>
+            <a:r>
+              <a:rPr lang="pt-BR" sz="1800" dirty="0" smtClean="0">
+                <a:solidFill>
+                  <a:srgbClr val="FFC000"/>
+                </a:solidFill>
+              </a:rPr>
+              <a:t>(</a:t>
+            </a:r>
+            <a:r>
+              <a:rPr lang="pt-BR" sz="1800" dirty="0" smtClean="0"/>
+              <a:t>15</a:t>
+            </a:r>
+            <a:r>
+              <a:rPr lang="pt-BR" sz="1800" dirty="0" smtClean="0">
+                <a:solidFill>
+                  <a:srgbClr val="FFC000"/>
+                </a:solidFill>
+              </a:rPr>
+              <a:t>)</a:t>
+            </a:r>
+            <a:r>
+              <a:rPr lang="pt-BR" sz="1800" dirty="0" smtClean="0"/>
+              <a:t>;</a:t>
+            </a:r>
+          </a:p>
+          <a:p>
+            <a:pPr marL="4763" lvl="1" indent="0">
+              <a:buNone/>
+            </a:pPr>
+            <a:endParaRPr lang="pt-BR" sz="1800" dirty="0" smtClean="0"/>
+          </a:p>
+          <a:p>
+            <a:pPr marL="4763" lvl="1" indent="0">
+              <a:buNone/>
+            </a:pPr>
+            <a:r>
+              <a:rPr lang="pt-BR" sz="1800" dirty="0" smtClean="0">
+                <a:solidFill>
+                  <a:srgbClr val="FFC000"/>
+                </a:solidFill>
+              </a:rPr>
+              <a:t>Trio&lt;String&gt;</a:t>
+            </a:r>
+            <a:r>
+              <a:rPr lang="pt-BR" sz="1800" dirty="0" smtClean="0"/>
+              <a:t> trio2 = </a:t>
+            </a:r>
+            <a:r>
               <a:rPr lang="pt-BR" sz="1800" dirty="0" err="1" smtClean="0"/>
-              <a:t>Integer</a:t>
+              <a:t>new</a:t>
             </a:r>
             <a:r>
               <a:rPr lang="pt-BR" sz="1800" dirty="0" smtClean="0"/>
-              <a:t>&gt;</a:t>
+              <a:t> </a:t>
             </a:r>
             <a:r>
               <a:rPr lang="pt-BR" sz="1800" dirty="0" smtClean="0">
@@ -12598,7 +12156,20 @@
                   <a:srgbClr val="FFC000"/>
                 </a:solidFill>
               </a:rPr>
-              <a:t> trio1 = </a:t>
+              <a:t>Trio&lt;String&gt;()</a:t>
+            </a:r>
+            <a:r>
+              <a:rPr lang="pt-BR" sz="1800" dirty="0" smtClean="0"/>
+              <a:t>;</a:t>
+            </a:r>
+          </a:p>
+          <a:p>
+            <a:pPr marL="4763" lvl="1" indent="0">
+              <a:buNone/>
+            </a:pPr>
+            <a:r>
+              <a:rPr lang="pt-BR" sz="1800" dirty="0" smtClean="0"/>
+              <a:t>trio2.</a:t>
             </a:r>
             <a:r>
               <a:rPr lang="pt-BR" sz="1800" dirty="0" err="1" smtClean="0">
@@ -12606,7 +12177,7 @@
                   <a:srgbClr val="FFC000"/>
                 </a:solidFill>
               </a:rPr>
-              <a:t>new</a:t>
+              <a:t>setPrimeiro</a:t>
             </a:r>
             <a:r>
               <a:rPr lang="pt-BR" sz="1800" dirty="0" smtClean="0">
@@ -12614,19 +12185,19 @@
                   <a:srgbClr val="FFC000"/>
                 </a:solidFill>
               </a:rPr>
-              <a:t> </a:t>
+              <a:t>(</a:t>
             </a:r>
             <a:r>
               <a:rPr lang="pt-BR" sz="1800" dirty="0" smtClean="0"/>
-              <a:t>Trio&lt;</a:t>
+              <a:t>“</a:t>
             </a:r>
             <a:r>
               <a:rPr lang="pt-BR" sz="1800" dirty="0" err="1" smtClean="0"/>
-              <a:t>Integer</a:t>
+              <a:t>Huguinho</a:t>
             </a:r>
             <a:r>
               <a:rPr lang="pt-BR" sz="1800" dirty="0" smtClean="0"/>
-              <a:t>&gt;()</a:t>
+              <a:t>”</a:t>
             </a:r>
             <a:r>
               <a:rPr lang="pt-BR" sz="1800" dirty="0" smtClean="0">
@@ -12634,6 +12205,10 @@
                   <a:srgbClr val="FFC000"/>
                 </a:solidFill>
               </a:rPr>
+              <a:t>)</a:t>
+            </a:r>
+            <a:r>
+              <a:rPr lang="pt-BR" sz="1800" dirty="0" smtClean="0"/>
               <a:t>;</a:t>
             </a:r>
           </a:p>
@@ -12642,39 +12217,80 @@
               <a:buNone/>
             </a:pPr>
             <a:r>
+              <a:rPr lang="pt-BR" sz="1800" dirty="0" smtClean="0"/>
+              <a:t>trio2.</a:t>
+            </a:r>
+            <a:r>
+              <a:rPr lang="pt-BR" sz="1800" dirty="0" err="1" smtClean="0">
+                <a:solidFill>
+                  <a:srgbClr val="FFC000"/>
+                </a:solidFill>
+              </a:rPr>
+              <a:t>setSegundo</a:t>
+            </a:r>
+            <a:r>
               <a:rPr lang="pt-BR" sz="1800" dirty="0" smtClean="0">
                 <a:solidFill>
                   <a:srgbClr val="FFC000"/>
                 </a:solidFill>
               </a:rPr>
-              <a:t>trio1.</a:t>
-            </a:r>
-            <a:r>
-              <a:rPr lang="pt-BR" sz="1800" dirty="0" err="1" smtClean="0"/>
-              <a:t>setPrimeiro</a:t>
+              <a:t>(</a:t>
             </a:r>
             <a:r>
               <a:rPr lang="pt-BR" sz="1800" dirty="0" smtClean="0"/>
+              <a:t>“Zezinho”</a:t>
+            </a:r>
+            <a:r>
+              <a:rPr lang="pt-BR" sz="1800" dirty="0" smtClean="0">
+                <a:solidFill>
+                  <a:srgbClr val="FFC000"/>
+                </a:solidFill>
+              </a:rPr>
+              <a:t>)</a:t>
+            </a:r>
+            <a:r>
+              <a:rPr lang="pt-BR" sz="1800" dirty="0" smtClean="0"/>
+              <a:t>;</a:t>
+            </a:r>
+          </a:p>
+          <a:p>
+            <a:pPr marL="4763" lvl="1" indent="0">
+              <a:buNone/>
+            </a:pPr>
+            <a:r>
+              <a:rPr lang="pt-BR" sz="1800" dirty="0" smtClean="0"/>
+              <a:t>trio2.</a:t>
+            </a:r>
+            <a:r>
+              <a:rPr lang="pt-BR" sz="1800" dirty="0" err="1" smtClean="0">
+                <a:solidFill>
+                  <a:srgbClr val="FFC000"/>
+                </a:solidFill>
+              </a:rPr>
+              <a:t>setTerceiro</a:t>
+            </a:r>
+            <a:r>
+              <a:rPr lang="pt-BR" sz="1800" dirty="0" smtClean="0">
+                <a:solidFill>
+                  <a:srgbClr val="FFC000"/>
+                </a:solidFill>
+              </a:rPr>
               <a:t>(</a:t>
             </a:r>
             <a:r>
+              <a:rPr lang="pt-BR" sz="1800" dirty="0" smtClean="0"/>
+              <a:t>“Luizinho”</a:t>
+            </a:r>
+            <a:r>
               <a:rPr lang="pt-BR" sz="1800" dirty="0" smtClean="0">
                 <a:solidFill>
                   <a:srgbClr val="FFC000"/>
                 </a:solidFill>
               </a:rPr>
-              <a:t>39</a:t>
+              <a:t>)</a:t>
             </a:r>
             <a:r>
               <a:rPr lang="pt-BR" sz="1800" dirty="0" smtClean="0"/>
-              <a:t>)</a:t>
-            </a:r>
-            <a:r>
-              <a:rPr lang="pt-BR" sz="1800" dirty="0" smtClean="0">
-                <a:solidFill>
-                  <a:srgbClr val="FFC000"/>
-                </a:solidFill>
-              </a:rPr>
               <a:t>;</a:t>
             </a:r>
           </a:p>
@@ -12682,287 +12298,7 @@
             <a:pPr marL="4763" lvl="1" indent="0">
               <a:buNone/>
             </a:pPr>
-            <a:r>
-              <a:rPr lang="pt-BR" sz="1800" dirty="0" smtClean="0">
-                <a:solidFill>
-                  <a:srgbClr val="FFC000"/>
-                </a:solidFill>
-              </a:rPr>
-              <a:t>trio1.</a:t>
-            </a:r>
-            <a:r>
-              <a:rPr lang="pt-BR" sz="1800" dirty="0" err="1" smtClean="0"/>
-              <a:t>setSegundo</a:t>
-            </a:r>
-            <a:r>
-              <a:rPr lang="pt-BR" sz="1800" dirty="0" smtClean="0"/>
-              <a:t>(</a:t>
-            </a:r>
-            <a:r>
-              <a:rPr lang="pt-BR" sz="1800" dirty="0" smtClean="0">
-                <a:solidFill>
-                  <a:srgbClr val="FFC000"/>
-                </a:solidFill>
-              </a:rPr>
-              <a:t>63</a:t>
-            </a:r>
-            <a:r>
-              <a:rPr lang="pt-BR" sz="1800" dirty="0" smtClean="0"/>
-              <a:t>)</a:t>
-            </a:r>
-            <a:r>
-              <a:rPr lang="pt-BR" sz="1800" dirty="0" smtClean="0">
-                <a:solidFill>
-                  <a:srgbClr val="FFC000"/>
-                </a:solidFill>
-              </a:rPr>
-              <a:t>;</a:t>
-            </a:r>
-          </a:p>
-          <a:p>
-            <a:pPr marL="4763" lvl="1" indent="0">
-              <a:buNone/>
-            </a:pPr>
-            <a:r>
-              <a:rPr lang="pt-BR" sz="1800" dirty="0" smtClean="0">
-                <a:solidFill>
-                  <a:srgbClr val="FFC000"/>
-                </a:solidFill>
-              </a:rPr>
-              <a:t>trio1.</a:t>
-            </a:r>
-            <a:r>
-              <a:rPr lang="pt-BR" sz="1800" dirty="0" err="1" smtClean="0"/>
-              <a:t>setTerceiro</a:t>
-            </a:r>
-            <a:r>
-              <a:rPr lang="pt-BR" sz="1800" dirty="0" smtClean="0"/>
-              <a:t>(</a:t>
-            </a:r>
-            <a:r>
-              <a:rPr lang="pt-BR" sz="1800" dirty="0" smtClean="0">
-                <a:solidFill>
-                  <a:srgbClr val="FFC000"/>
-                </a:solidFill>
-              </a:rPr>
-              <a:t>15</a:t>
-            </a:r>
-            <a:r>
-              <a:rPr lang="pt-BR" sz="1800" dirty="0" smtClean="0"/>
-              <a:t>)</a:t>
-            </a:r>
-            <a:r>
-              <a:rPr lang="pt-BR" sz="1800" dirty="0" smtClean="0">
-                <a:solidFill>
-                  <a:srgbClr val="FFC000"/>
-                </a:solidFill>
-              </a:rPr>
-              <a:t>;</a:t>
-            </a:r>
-          </a:p>
-          <a:p>
-            <a:pPr marL="4763" lvl="1" indent="0">
-              <a:buNone/>
-            </a:pPr>
-            <a:endParaRPr lang="pt-BR" sz="1800" dirty="0" smtClean="0">
-              <a:solidFill>
-                <a:srgbClr val="FFC000"/>
-              </a:solidFill>
-            </a:endParaRPr>
-          </a:p>
-          <a:p>
-            <a:pPr marL="4763" lvl="1" indent="0">
-              <a:buNone/>
-            </a:pPr>
-            <a:r>
-              <a:rPr lang="pt-BR" sz="1800" dirty="0" smtClean="0"/>
-              <a:t>Trio&lt;String&gt;</a:t>
-            </a:r>
-            <a:r>
-              <a:rPr lang="pt-BR" sz="1800" dirty="0" smtClean="0">
-                <a:solidFill>
-                  <a:srgbClr val="FFC000"/>
-                </a:solidFill>
-              </a:rPr>
-              <a:t> trio2 = </a:t>
-            </a:r>
-            <a:r>
-              <a:rPr lang="pt-BR" sz="1800" dirty="0" err="1" smtClean="0">
-                <a:solidFill>
-                  <a:srgbClr val="FFC000"/>
-                </a:solidFill>
-              </a:rPr>
-              <a:t>new</a:t>
-            </a:r>
-            <a:r>
-              <a:rPr lang="pt-BR" sz="1800" dirty="0" smtClean="0">
-                <a:solidFill>
-                  <a:srgbClr val="FFC000"/>
-                </a:solidFill>
-              </a:rPr>
-              <a:t> </a:t>
-            </a:r>
-            <a:r>
-              <a:rPr lang="pt-BR" sz="1800" dirty="0" smtClean="0"/>
-              <a:t>Trio&lt;String&gt;()</a:t>
-            </a:r>
-            <a:r>
-              <a:rPr lang="pt-BR" sz="1800" dirty="0" smtClean="0">
-                <a:solidFill>
-                  <a:srgbClr val="FFC000"/>
-                </a:solidFill>
-              </a:rPr>
-              <a:t>;</a:t>
-            </a:r>
-          </a:p>
-          <a:p>
-            <a:pPr marL="4763" lvl="1" indent="0">
-              <a:buNone/>
-            </a:pPr>
-            <a:r>
-              <a:rPr lang="pt-BR" sz="1800" dirty="0" smtClean="0">
-                <a:solidFill>
-                  <a:srgbClr val="FFC000"/>
-                </a:solidFill>
-              </a:rPr>
-              <a:t>trio2.</a:t>
-            </a:r>
-            <a:r>
-              <a:rPr lang="pt-BR" sz="1800" dirty="0" err="1" smtClean="0"/>
-              <a:t>setPrimeiro</a:t>
-            </a:r>
-            <a:r>
-              <a:rPr lang="pt-BR" sz="1800" dirty="0" smtClean="0"/>
-              <a:t>(</a:t>
-            </a:r>
-            <a:r>
-              <a:rPr lang="pt-BR" sz="1800" dirty="0" smtClean="0">
-                <a:solidFill>
-                  <a:srgbClr val="FFC000"/>
-                </a:solidFill>
-              </a:rPr>
-              <a:t>“</a:t>
-            </a:r>
-            <a:r>
-              <a:rPr lang="pt-BR" sz="1800" dirty="0" err="1" smtClean="0">
-                <a:solidFill>
-                  <a:srgbClr val="FFC000"/>
-                </a:solidFill>
-              </a:rPr>
-              <a:t>Huguinho</a:t>
-            </a:r>
-            <a:r>
-              <a:rPr lang="pt-BR" sz="1800" dirty="0" smtClean="0">
-                <a:solidFill>
-                  <a:srgbClr val="FFC000"/>
-                </a:solidFill>
-              </a:rPr>
-              <a:t>”</a:t>
-            </a:r>
-            <a:r>
-              <a:rPr lang="pt-BR" sz="1800" dirty="0" smtClean="0"/>
-              <a:t>)</a:t>
-            </a:r>
-            <a:r>
-              <a:rPr lang="pt-BR" sz="1800" dirty="0" smtClean="0">
-                <a:solidFill>
-                  <a:srgbClr val="FFC000"/>
-                </a:solidFill>
-              </a:rPr>
-              <a:t>;</a:t>
-            </a:r>
-          </a:p>
-          <a:p>
-            <a:pPr marL="4763" lvl="1" indent="0">
-              <a:buNone/>
-            </a:pPr>
-            <a:r>
-              <a:rPr lang="pt-BR" sz="1800" dirty="0" smtClean="0">
-                <a:solidFill>
-                  <a:srgbClr val="FFC000"/>
-                </a:solidFill>
-              </a:rPr>
-              <a:t>trio2.</a:t>
-            </a:r>
-            <a:r>
-              <a:rPr lang="pt-BR" sz="1800" dirty="0" err="1" smtClean="0"/>
-              <a:t>setSegundo</a:t>
-            </a:r>
-            <a:r>
-              <a:rPr lang="pt-BR" sz="1800" dirty="0" smtClean="0"/>
-              <a:t>(</a:t>
-            </a:r>
-            <a:r>
-              <a:rPr lang="pt-BR" sz="1800" dirty="0" smtClean="0">
-                <a:solidFill>
-                  <a:srgbClr val="FFC000"/>
-                </a:solidFill>
-              </a:rPr>
-              <a:t>“Zezinho”</a:t>
-            </a:r>
-            <a:r>
-              <a:rPr lang="pt-BR" sz="1800" dirty="0" smtClean="0"/>
-              <a:t>)</a:t>
-            </a:r>
-            <a:r>
-              <a:rPr lang="pt-BR" sz="1800" dirty="0" smtClean="0">
-                <a:solidFill>
-                  <a:srgbClr val="FFC000"/>
-                </a:solidFill>
-              </a:rPr>
-              <a:t>;</a:t>
-            </a:r>
-          </a:p>
-          <a:p>
-            <a:pPr marL="4763" lvl="1" indent="0">
-              <a:buNone/>
-            </a:pPr>
-            <a:r>
-              <a:rPr lang="pt-BR" sz="1800" dirty="0" smtClean="0">
-                <a:solidFill>
-                  <a:srgbClr val="FFC000"/>
-                </a:solidFill>
-              </a:rPr>
-              <a:t>trio2.</a:t>
-            </a:r>
-            <a:r>
-              <a:rPr lang="pt-BR" sz="1800" dirty="0" err="1" smtClean="0"/>
-              <a:t>setTerceiro</a:t>
-            </a:r>
-            <a:r>
-              <a:rPr lang="pt-BR" sz="1800" dirty="0" smtClean="0"/>
-              <a:t>(</a:t>
-            </a:r>
-            <a:r>
-              <a:rPr lang="pt-BR" sz="1800" dirty="0" smtClean="0">
-                <a:solidFill>
-                  <a:srgbClr val="FFC000"/>
-                </a:solidFill>
-              </a:rPr>
-              <a:t>“Luizinho”</a:t>
-            </a:r>
-            <a:r>
-              <a:rPr lang="pt-BR" sz="1800" dirty="0" smtClean="0"/>
-              <a:t>)</a:t>
-            </a:r>
-            <a:r>
-              <a:rPr lang="pt-BR" sz="1800" dirty="0" smtClean="0">
-                <a:solidFill>
-                  <a:srgbClr val="FFC000"/>
-                </a:solidFill>
-              </a:rPr>
-              <a:t>;</a:t>
-            </a:r>
-          </a:p>
-          <a:p>
-            <a:pPr marL="4763" lvl="1" indent="0">
-              <a:buNone/>
-            </a:pPr>
-            <a:endParaRPr lang="pt-BR" sz="1800" dirty="0" smtClean="0">
-              <a:solidFill>
-                <a:srgbClr val="FFC000"/>
-              </a:solidFill>
-            </a:endParaRPr>
+            <a:endParaRPr lang="pt-BR" sz="1800" dirty="0" smtClean="0"/>
           </a:p>
         </p:txBody>
       </p:sp>
@@ -13085,28 +12421,36 @@
               </a:tabLst>
             </a:pPr>
             <a:r>
-              <a:rPr lang="pt-BR" sz="1800" dirty="0" err="1" smtClean="0">
-                <a:solidFill>
-                  <a:srgbClr val="FFC000"/>
-                </a:solidFill>
-              </a:rPr>
+              <a:rPr lang="pt-BR" sz="1800" dirty="0" err="1" smtClean="0"/>
               <a:t>public</a:t>
             </a:r>
             <a:r>
+              <a:rPr lang="pt-BR" sz="1800" dirty="0" smtClean="0"/>
+              <a:t> </a:t>
+            </a:r>
+            <a:r>
+              <a:rPr lang="pt-BR" sz="1800" dirty="0" err="1" smtClean="0"/>
+              <a:t>class</a:t>
+            </a:r>
+            <a:r>
+              <a:rPr lang="pt-BR" sz="1800" dirty="0" smtClean="0"/>
+              <a:t> </a:t>
+            </a:r>
+            <a:r>
               <a:rPr lang="pt-BR" sz="1800" dirty="0" smtClean="0">
                 <a:solidFill>
                   <a:srgbClr val="FFC000"/>
                 </a:solidFill>
               </a:rPr>
-              <a:t> </a:t>
-            </a:r>
-            <a:r>
-              <a:rPr lang="pt-BR" sz="1800" dirty="0" err="1" smtClean="0">
-                <a:solidFill>
-                  <a:srgbClr val="FFC000"/>
-                </a:solidFill>
-              </a:rPr>
-              <a:t>class</a:t>
+              <a:t>Trio&lt;</a:t>
+            </a:r>
+            <a:r>
+              <a:rPr lang="pt-BR" sz="1800" b="1" dirty="0" smtClean="0">
+                <a:solidFill>
+                  <a:srgbClr val="FFC000"/>
+                </a:solidFill>
+              </a:rPr>
+              <a:t>T, U, V</a:t>
             </a:r>
             <a:r>
               <a:rPr lang="pt-BR" sz="1800" dirty="0" smtClean="0">
@@ -13114,26 +12458,10 @@
                   <a:srgbClr val="FFC000"/>
                 </a:solidFill>
               </a:rPr>
-              <a:t> </a:t>
+              <a:t>&gt;</a:t>
             </a:r>
             <a:r>
               <a:rPr lang="pt-BR" sz="1800" dirty="0" smtClean="0"/>
-              <a:t>Trio&lt;</a:t>
-            </a:r>
-            <a:r>
-              <a:rPr lang="pt-BR" sz="1800" b="1" dirty="0" smtClean="0"/>
-              <a:t>T, U, V</a:t>
-            </a:r>
-            <a:r>
-              <a:rPr lang="pt-BR" sz="1800" dirty="0" smtClean="0"/>
-              <a:t>&gt;</a:t>
-            </a:r>
-            <a:r>
-              <a:rPr lang="pt-BR" sz="1800" dirty="0" smtClean="0">
-                <a:solidFill>
-                  <a:srgbClr val="FFC000"/>
-                </a:solidFill>
-              </a:rPr>
               <a:t> {</a:t>
             </a:r>
           </a:p>
@@ -13149,55 +12477,35 @@
               </a:tabLst>
             </a:pPr>
             <a:r>
+              <a:rPr lang="pt-BR" sz="1800" dirty="0" smtClean="0"/>
+              <a:t>	</a:t>
+            </a:r>
+            <a:r>
+              <a:rPr lang="pt-BR" sz="1800" dirty="0" err="1" smtClean="0"/>
+              <a:t>private</a:t>
+            </a:r>
+            <a:r>
+              <a:rPr lang="pt-BR" sz="1800" dirty="0" smtClean="0"/>
+              <a:t> </a:t>
+            </a:r>
+            <a:r>
+              <a:rPr lang="pt-BR" sz="1800" b="1" dirty="0" smtClean="0">
+                <a:solidFill>
+                  <a:srgbClr val="FFC000"/>
+                </a:solidFill>
+              </a:rPr>
+              <a:t>T</a:t>
+            </a:r>
+            <a:r>
               <a:rPr lang="pt-BR" sz="1800" dirty="0" smtClean="0">
                 <a:solidFill>
                   <a:srgbClr val="FFC000"/>
                 </a:solidFill>
               </a:rPr>
-              <a:t>	</a:t>
-            </a:r>
-            <a:r>
-              <a:rPr lang="pt-BR" sz="1800" dirty="0" err="1" smtClean="0">
-                <a:solidFill>
-                  <a:srgbClr val="FFC000"/>
-                </a:solidFill>
-              </a:rPr>
-              <a:t>private</a:t>
-            </a:r>
-            <a:r>
-              <a:rPr lang="pt-BR" sz="1800" dirty="0" smtClean="0">
-                <a:solidFill>
-                  <a:srgbClr val="FFC000"/>
-                </a:solidFill>
-              </a:rPr>
-              <a:t> </a:t>
-            </a:r>
-            <a:r>
-              <a:rPr lang="pt-BR" sz="1800" b="1" dirty="0" smtClean="0">
-                <a:solidFill>
-                  <a:srgbClr val="FFC000"/>
-                </a:solidFill>
-              </a:rPr>
-              <a:t>T</a:t>
-            </a:r>
-            <a:r>
-              <a:rPr lang="pt-BR" sz="1800" dirty="0" smtClean="0">
-                <a:solidFill>
-                  <a:srgbClr val="FFC000"/>
-                </a:solidFill>
-              </a:rPr>
-              <a:t> </a:t>
+              <a:t> primeiro</a:t>
             </a:r>
             <a:r>
               <a:rPr lang="pt-BR" sz="1800" dirty="0" smtClean="0"/>
-              <a:t>primeiro</a:t>
-            </a:r>
-            <a:r>
-              <a:rPr lang="pt-BR" sz="1800" dirty="0" smtClean="0">
-                <a:solidFill>
-                  <a:srgbClr val="FFC000"/>
-                </a:solidFill>
-              </a:rPr>
               <a:t>;</a:t>
             </a:r>
           </a:p>
@@ -13213,55 +12521,35 @@
               </a:tabLst>
             </a:pPr>
             <a:r>
+              <a:rPr lang="pt-BR" sz="1800" dirty="0" smtClean="0"/>
+              <a:t>	</a:t>
+            </a:r>
+            <a:r>
+              <a:rPr lang="pt-BR" sz="1800" dirty="0" err="1" smtClean="0"/>
+              <a:t>private</a:t>
+            </a:r>
+            <a:r>
+              <a:rPr lang="pt-BR" sz="1800" dirty="0" smtClean="0"/>
+              <a:t> </a:t>
+            </a:r>
+            <a:r>
+              <a:rPr lang="pt-BR" sz="1800" b="1" dirty="0" smtClean="0">
+                <a:solidFill>
+                  <a:srgbClr val="FFC000"/>
+                </a:solidFill>
+              </a:rPr>
+              <a:t>U</a:t>
+            </a:r>
+            <a:r>
               <a:rPr lang="pt-BR" sz="1800" dirty="0" smtClean="0">
                 <a:solidFill>
                   <a:srgbClr val="FFC000"/>
                 </a:solidFill>
               </a:rPr>
-              <a:t>	</a:t>
-            </a:r>
-            <a:r>
-              <a:rPr lang="pt-BR" sz="1800" dirty="0" err="1" smtClean="0">
-                <a:solidFill>
-                  <a:srgbClr val="FFC000"/>
-                </a:solidFill>
-              </a:rPr>
-              <a:t>private</a:t>
-            </a:r>
-            <a:r>
-              <a:rPr lang="pt-BR" sz="1800" dirty="0" smtClean="0">
-                <a:solidFill>
-                  <a:srgbClr val="FFC000"/>
-                </a:solidFill>
-              </a:rPr>
-              <a:t> </a:t>
-            </a:r>
-            <a:r>
-              <a:rPr lang="pt-BR" sz="1800" b="1" dirty="0" smtClean="0">
-                <a:solidFill>
-                  <a:srgbClr val="FFC000"/>
-                </a:solidFill>
-              </a:rPr>
-              <a:t>U</a:t>
-            </a:r>
-            <a:r>
-              <a:rPr lang="pt-BR" sz="1800" dirty="0" smtClean="0">
-                <a:solidFill>
-                  <a:srgbClr val="FFC000"/>
-                </a:solidFill>
-              </a:rPr>
-              <a:t> </a:t>
+              <a:t> segundo</a:t>
             </a:r>
             <a:r>
               <a:rPr lang="pt-BR" sz="1800" dirty="0" smtClean="0"/>
-              <a:t>segundo</a:t>
-            </a:r>
-            <a:r>
-              <a:rPr lang="pt-BR" sz="1800" dirty="0" smtClean="0">
-                <a:solidFill>
-                  <a:srgbClr val="FFC000"/>
-                </a:solidFill>
-              </a:rPr>
               <a:t>;</a:t>
             </a:r>
           </a:p>
@@ -13277,55 +12565,35 @@
               </a:tabLst>
             </a:pPr>
             <a:r>
+              <a:rPr lang="pt-BR" sz="1800" dirty="0" smtClean="0"/>
+              <a:t>	</a:t>
+            </a:r>
+            <a:r>
+              <a:rPr lang="pt-BR" sz="1800" dirty="0" err="1" smtClean="0"/>
+              <a:t>private</a:t>
+            </a:r>
+            <a:r>
+              <a:rPr lang="pt-BR" sz="1800" dirty="0" smtClean="0"/>
+              <a:t> </a:t>
+            </a:r>
+            <a:r>
+              <a:rPr lang="pt-BR" sz="1800" b="1" dirty="0" smtClean="0">
+                <a:solidFill>
+                  <a:srgbClr val="FFC000"/>
+                </a:solidFill>
+              </a:rPr>
+              <a:t>V</a:t>
+            </a:r>
+            <a:r>
               <a:rPr lang="pt-BR" sz="1800" dirty="0" smtClean="0">
                 <a:solidFill>
                   <a:srgbClr val="FFC000"/>
                 </a:solidFill>
               </a:rPr>
-              <a:t>	</a:t>
-            </a:r>
-            <a:r>
-              <a:rPr lang="pt-BR" sz="1800" dirty="0" err="1" smtClean="0">
-                <a:solidFill>
-                  <a:srgbClr val="FFC000"/>
-                </a:solidFill>
-              </a:rPr>
-              <a:t>private</a:t>
-            </a:r>
-            <a:r>
-              <a:rPr lang="pt-BR" sz="1800" dirty="0" smtClean="0">
-                <a:solidFill>
-                  <a:srgbClr val="FFC000"/>
-                </a:solidFill>
-              </a:rPr>
-              <a:t> </a:t>
-            </a:r>
-            <a:r>
-              <a:rPr lang="pt-BR" sz="1800" b="1" dirty="0" smtClean="0">
-                <a:solidFill>
-                  <a:srgbClr val="FFC000"/>
-                </a:solidFill>
-              </a:rPr>
-              <a:t>V</a:t>
-            </a:r>
-            <a:r>
-              <a:rPr lang="pt-BR" sz="1800" dirty="0" smtClean="0">
-                <a:solidFill>
-                  <a:srgbClr val="FFC000"/>
-                </a:solidFill>
-              </a:rPr>
-              <a:t> </a:t>
+              <a:t> terceiro</a:t>
             </a:r>
             <a:r>
               <a:rPr lang="pt-BR" sz="1800" dirty="0" smtClean="0"/>
-              <a:t>terceiro</a:t>
-            </a:r>
-            <a:r>
-              <a:rPr lang="pt-BR" sz="1800" dirty="0" smtClean="0">
-                <a:solidFill>
-                  <a:srgbClr val="FFC000"/>
-                </a:solidFill>
-              </a:rPr>
               <a:t>;</a:t>
             </a:r>
           </a:p>
@@ -13340,11 +12608,7 @@
                 <a:tab pos="722313" algn="l"/>
               </a:tabLst>
             </a:pPr>
-            <a:endParaRPr lang="pt-BR" sz="1800" dirty="0" smtClean="0">
-              <a:solidFill>
-                <a:srgbClr val="FFC000"/>
-              </a:solidFill>
-            </a:endParaRPr>
+            <a:endParaRPr lang="pt-BR" sz="1800" dirty="0" smtClean="0"/>
           </a:p>
           <a:p>
             <a:pPr marL="0" indent="0">
@@ -13358,12 +12622,32 @@
               </a:tabLst>
             </a:pPr>
             <a:r>
+              <a:rPr lang="pt-BR" sz="1800" dirty="0" smtClean="0"/>
+              <a:t>	</a:t>
+            </a:r>
+            <a:r>
+              <a:rPr lang="pt-BR" sz="1800" dirty="0" err="1" smtClean="0"/>
+              <a:t>public</a:t>
+            </a:r>
+            <a:r>
+              <a:rPr lang="pt-BR" sz="1800" dirty="0" smtClean="0"/>
+              <a:t> </a:t>
+            </a:r>
+            <a:r>
+              <a:rPr lang="pt-BR" sz="1800" b="1" dirty="0" smtClean="0">
+                <a:solidFill>
+                  <a:srgbClr val="FFC000"/>
+                </a:solidFill>
+              </a:rPr>
+              <a:t>T</a:t>
+            </a:r>
+            <a:r>
               <a:rPr lang="pt-BR" sz="1800" dirty="0" smtClean="0">
                 <a:solidFill>
                   <a:srgbClr val="FFC000"/>
                 </a:solidFill>
               </a:rPr>
-              <a:t>	</a:t>
+              <a:t> </a:t>
             </a:r>
             <a:r>
               <a:rPr lang="pt-BR" sz="1800" dirty="0" err="1" smtClean="0">
@@ -13371,7 +12655,7 @@
                   <a:srgbClr val="FFC000"/>
                 </a:solidFill>
               </a:rPr>
-              <a:t>public</a:t>
+              <a:t>getPrimeiro</a:t>
             </a:r>
             <a:r>
               <a:rPr lang="pt-BR" sz="1800" dirty="0" smtClean="0">
@@ -13379,35 +12663,11 @@
                   <a:srgbClr val="FFC000"/>
                 </a:solidFill>
               </a:rPr>
-              <a:t> </a:t>
-            </a:r>
-            <a:r>
-              <a:rPr lang="pt-BR" sz="1800" b="1" dirty="0" smtClean="0">
-                <a:solidFill>
-                  <a:srgbClr val="FFC000"/>
-                </a:solidFill>
-              </a:rPr>
-              <a:t>T</a:t>
-            </a:r>
-            <a:r>
-              <a:rPr lang="pt-BR" sz="1800" dirty="0" smtClean="0">
-                <a:solidFill>
-                  <a:srgbClr val="FFC000"/>
-                </a:solidFill>
-              </a:rPr>
-              <a:t> </a:t>
-            </a:r>
-            <a:r>
-              <a:rPr lang="pt-BR" sz="1800" dirty="0" err="1" smtClean="0"/>
-              <a:t>getPrimeiro</a:t>
-            </a:r>
-            <a:r>
-              <a:rPr lang="pt-BR" sz="1800" dirty="0" smtClean="0">
-                <a:solidFill>
-                  <a:srgbClr val="FFC000"/>
-                </a:solidFill>
-              </a:rPr>
-              <a:t>() {</a:t>
+              <a:t>()</a:t>
+            </a:r>
+            <a:r>
+              <a:rPr lang="pt-BR" sz="1800" dirty="0" smtClean="0"/>
+              <a:t> {</a:t>
             </a:r>
           </a:p>
           <a:p>
@@ -13422,40 +12682,16 @@
               </a:tabLst>
             </a:pPr>
             <a:r>
-              <a:rPr lang="pt-BR" sz="1800" dirty="0" smtClean="0">
-                <a:solidFill>
-                  <a:srgbClr val="FFC000"/>
-                </a:solidFill>
-              </a:rPr>
+              <a:rPr lang="pt-BR" sz="1800" dirty="0" smtClean="0"/>
               <a:t>		</a:t>
             </a:r>
             <a:r>
-              <a:rPr lang="pt-BR" sz="1800" dirty="0" err="1" smtClean="0">
-                <a:solidFill>
-                  <a:srgbClr val="FFC000"/>
-                </a:solidFill>
-              </a:rPr>
+              <a:rPr lang="pt-BR" sz="1800" dirty="0" err="1" smtClean="0"/>
               <a:t>return</a:t>
             </a:r>
             <a:r>
-              <a:rPr lang="pt-BR" sz="1800" dirty="0" smtClean="0">
-                <a:solidFill>
-                  <a:srgbClr val="FFC000"/>
-                </a:solidFill>
-              </a:rPr>
-              <a:t> </a:t>
-            </a:r>
-            <a:r>
               <a:rPr lang="pt-BR" sz="1800" dirty="0" smtClean="0"/>
-              <a:t>primeiro</a:t>
-            </a:r>
-            <a:r>
-              <a:rPr lang="pt-BR" sz="1800" dirty="0" smtClean="0">
-                <a:solidFill>
-                  <a:srgbClr val="FFC000"/>
-                </a:solidFill>
-              </a:rPr>
-              <a:t>;</a:t>
+              <a:t> primeiro;</a:t>
             </a:r>
           </a:p>
           <a:p>
@@ -13470,11 +12706,7 @@
               </a:tabLst>
             </a:pPr>
             <a:r>
-              <a:rPr lang="pt-BR" sz="1800" dirty="0" smtClean="0">
-                <a:solidFill>
-                  <a:srgbClr val="FFC000"/>
-                </a:solidFill>
-              </a:rPr>
+              <a:rPr lang="pt-BR" sz="1800" dirty="0" smtClean="0"/>
               <a:t>	}</a:t>
             </a:r>
           </a:p>
@@ -13490,20 +12722,48 @@
               </a:tabLst>
             </a:pPr>
             <a:r>
+              <a:rPr lang="pt-BR" sz="1800" dirty="0" smtClean="0"/>
+              <a:t>	</a:t>
+            </a:r>
+            <a:r>
+              <a:rPr lang="pt-BR" sz="1800" dirty="0" err="1" smtClean="0"/>
+              <a:t>public</a:t>
+            </a:r>
+            <a:r>
+              <a:rPr lang="pt-BR" sz="1800" dirty="0" smtClean="0"/>
+              <a:t> </a:t>
+            </a:r>
+            <a:r>
+              <a:rPr lang="pt-BR" sz="1800" dirty="0" err="1" smtClean="0"/>
+              <a:t>void</a:t>
+            </a:r>
+            <a:r>
+              <a:rPr lang="pt-BR" sz="1800" dirty="0" smtClean="0"/>
+              <a:t> </a:t>
+            </a:r>
+            <a:r>
+              <a:rPr lang="pt-BR" sz="1800" dirty="0" err="1" smtClean="0">
+                <a:solidFill>
+                  <a:srgbClr val="FFC000"/>
+                </a:solidFill>
+              </a:rPr>
+              <a:t>setPrimeiro</a:t>
+            </a:r>
+            <a:r>
               <a:rPr lang="pt-BR" sz="1800" dirty="0" smtClean="0">
                 <a:solidFill>
                   <a:srgbClr val="FFC000"/>
                 </a:solidFill>
               </a:rPr>
-              <a:t>	</a:t>
-            </a:r>
-            <a:r>
-              <a:rPr lang="pt-BR" sz="1800" dirty="0" err="1" smtClean="0">
-                <a:solidFill>
-                  <a:srgbClr val="FFC000"/>
-                </a:solidFill>
-              </a:rPr>
-              <a:t>public</a:t>
+              <a:t>(</a:t>
+            </a:r>
+            <a:r>
+              <a:rPr lang="pt-BR" sz="1800" b="1" dirty="0" smtClean="0">
+                <a:solidFill>
+                  <a:srgbClr val="FFC000"/>
+                </a:solidFill>
+              </a:rPr>
+              <a:t>T</a:t>
             </a:r>
             <a:r>
               <a:rPr lang="pt-BR" sz="1800" dirty="0" smtClean="0">
@@ -13511,51 +12771,11 @@
                   <a:srgbClr val="FFC000"/>
                 </a:solidFill>
               </a:rPr>
-              <a:t> </a:t>
-            </a:r>
-            <a:r>
-              <a:rPr lang="pt-BR" sz="1800" dirty="0" err="1" smtClean="0">
-                <a:solidFill>
-                  <a:srgbClr val="FFC000"/>
-                </a:solidFill>
-              </a:rPr>
-              <a:t>void</a:t>
-            </a:r>
-            <a:r>
-              <a:rPr lang="pt-BR" sz="1800" dirty="0" smtClean="0">
-                <a:solidFill>
-                  <a:srgbClr val="FFC000"/>
-                </a:solidFill>
-              </a:rPr>
-              <a:t> </a:t>
-            </a:r>
-            <a:r>
-              <a:rPr lang="pt-BR" sz="1800" dirty="0" err="1" smtClean="0"/>
-              <a:t>setPrimeiro</a:t>
-            </a:r>
-            <a:r>
-              <a:rPr lang="pt-BR" sz="1800" dirty="0" smtClean="0">
-                <a:solidFill>
-                  <a:srgbClr val="FFC000"/>
-                </a:solidFill>
-              </a:rPr>
-              <a:t>(</a:t>
-            </a:r>
-            <a:r>
-              <a:rPr lang="pt-BR" sz="1800" b="1" dirty="0" smtClean="0">
-                <a:solidFill>
-                  <a:srgbClr val="FFC000"/>
-                </a:solidFill>
-              </a:rPr>
-              <a:t>T</a:t>
-            </a:r>
-            <a:r>
-              <a:rPr lang="pt-BR" sz="1800" dirty="0" smtClean="0">
-                <a:solidFill>
-                  <a:srgbClr val="FFC000"/>
-                </a:solidFill>
-              </a:rPr>
-              <a:t> valor) {</a:t>
+              <a:t> valor)</a:t>
+            </a:r>
+            <a:r>
+              <a:rPr lang="pt-BR" sz="1800" dirty="0" smtClean="0"/>
+              <a:t> {</a:t>
             </a:r>
           </a:p>
           <a:p>
@@ -13570,40 +12790,16 @@
               </a:tabLst>
             </a:pPr>
             <a:r>
-              <a:rPr lang="pt-BR" sz="1800" dirty="0" smtClean="0">
-                <a:solidFill>
-                  <a:srgbClr val="FFC000"/>
-                </a:solidFill>
-              </a:rPr>
+              <a:rPr lang="pt-BR" sz="1800" dirty="0" smtClean="0"/>
               <a:t>		</a:t>
             </a:r>
             <a:r>
-              <a:rPr lang="pt-BR" sz="1800" dirty="0" err="1" smtClean="0">
-                <a:solidFill>
-                  <a:srgbClr val="FFC000"/>
-                </a:solidFill>
-              </a:rPr>
+              <a:rPr lang="pt-BR" sz="1800" dirty="0" err="1" smtClean="0"/>
               <a:t>this</a:t>
             </a:r>
             <a:r>
-              <a:rPr lang="pt-BR" sz="1800" dirty="0" smtClean="0">
-                <a:solidFill>
-                  <a:srgbClr val="FFC000"/>
-                </a:solidFill>
-              </a:rPr>
-              <a:t>.</a:t>
-            </a:r>
-            <a:r>
               <a:rPr lang="pt-BR" sz="1800" dirty="0" smtClean="0"/>
-              <a:t>primeiro</a:t>
-            </a:r>
-            <a:r>
-              <a:rPr lang="pt-BR" sz="1800" dirty="0" smtClean="0">
-                <a:solidFill>
-                  <a:srgbClr val="FFC000"/>
-                </a:solidFill>
-              </a:rPr>
-              <a:t> = valor;</a:t>
+              <a:t>.primeiro = valor;</a:t>
             </a:r>
           </a:p>
           <a:p>
@@ -13618,11 +12814,7 @@
               </a:tabLst>
             </a:pPr>
             <a:r>
-              <a:rPr lang="pt-BR" sz="1800" dirty="0" smtClean="0">
-                <a:solidFill>
-                  <a:srgbClr val="FFC000"/>
-                </a:solidFill>
-              </a:rPr>
+              <a:rPr lang="pt-BR" sz="1800" dirty="0" smtClean="0"/>
               <a:t>	}</a:t>
             </a:r>
           </a:p>
@@ -13638,12 +12830,32 @@
               </a:tabLst>
             </a:pPr>
             <a:r>
+              <a:rPr lang="pt-BR" sz="1800" dirty="0" smtClean="0"/>
+              <a:t>	</a:t>
+            </a:r>
+            <a:r>
+              <a:rPr lang="pt-BR" sz="1800" dirty="0" err="1" smtClean="0"/>
+              <a:t>public</a:t>
+            </a:r>
+            <a:r>
+              <a:rPr lang="pt-BR" sz="1800" dirty="0" smtClean="0"/>
+              <a:t> </a:t>
+            </a:r>
+            <a:r>
+              <a:rPr lang="pt-BR" sz="1800" b="1" dirty="0" smtClean="0">
+                <a:solidFill>
+                  <a:srgbClr val="FFC000"/>
+                </a:solidFill>
+              </a:rPr>
+              <a:t>U</a:t>
+            </a:r>
+            <a:r>
               <a:rPr lang="pt-BR" sz="1800" dirty="0" smtClean="0">
                 <a:solidFill>
                   <a:srgbClr val="FFC000"/>
                 </a:solidFill>
               </a:rPr>
-              <a:t>	</a:t>
+              <a:t> </a:t>
             </a:r>
             <a:r>
               <a:rPr lang="pt-BR" sz="1800" dirty="0" err="1" smtClean="0">
@@ -13651,7 +12863,7 @@
                   <a:srgbClr val="FFC000"/>
                 </a:solidFill>
               </a:rPr>
-              <a:t>public</a:t>
+              <a:t>getSegundo</a:t>
             </a:r>
             <a:r>
               <a:rPr lang="pt-BR" sz="1800" dirty="0" smtClean="0">
@@ -13659,35 +12871,11 @@
                   <a:srgbClr val="FFC000"/>
                 </a:solidFill>
               </a:rPr>
-              <a:t> </a:t>
-            </a:r>
-            <a:r>
-              <a:rPr lang="pt-BR" sz="1800" b="1" dirty="0" smtClean="0">
-                <a:solidFill>
-                  <a:srgbClr val="FFC000"/>
-                </a:solidFill>
-              </a:rPr>
-              <a:t>U</a:t>
-            </a:r>
-            <a:r>
-              <a:rPr lang="pt-BR" sz="1800" dirty="0" smtClean="0">
-                <a:solidFill>
-                  <a:srgbClr val="FFC000"/>
-                </a:solidFill>
-              </a:rPr>
-              <a:t> </a:t>
-            </a:r>
-            <a:r>
-              <a:rPr lang="pt-BR" sz="1800" dirty="0" err="1" smtClean="0"/>
-              <a:t>getSegundo</a:t>
-            </a:r>
-            <a:r>
-              <a:rPr lang="pt-BR" sz="1800" dirty="0" smtClean="0">
-                <a:solidFill>
-                  <a:srgbClr val="FFC000"/>
-                </a:solidFill>
-              </a:rPr>
-              <a:t>() {</a:t>
+              <a:t>()</a:t>
+            </a:r>
+            <a:r>
+              <a:rPr lang="pt-BR" sz="1800" dirty="0" smtClean="0"/>
+              <a:t> {</a:t>
             </a:r>
           </a:p>
           <a:p>
@@ -13702,40 +12890,16 @@
               </a:tabLst>
             </a:pPr>
             <a:r>
-              <a:rPr lang="pt-BR" sz="1800" dirty="0" smtClean="0">
-                <a:solidFill>
-                  <a:srgbClr val="FFC000"/>
-                </a:solidFill>
-              </a:rPr>
+              <a:rPr lang="pt-BR" sz="1800" dirty="0" smtClean="0"/>
               <a:t>		</a:t>
             </a:r>
             <a:r>
-              <a:rPr lang="pt-BR" sz="1800" dirty="0" err="1" smtClean="0">
-                <a:solidFill>
-                  <a:srgbClr val="FFC000"/>
-                </a:solidFill>
-              </a:rPr>
+              <a:rPr lang="pt-BR" sz="1800" dirty="0" err="1" smtClean="0"/>
               <a:t>return</a:t>
             </a:r>
             <a:r>
-              <a:rPr lang="pt-BR" sz="1800" dirty="0" smtClean="0">
-                <a:solidFill>
-                  <a:srgbClr val="FFC000"/>
-                </a:solidFill>
-              </a:rPr>
-              <a:t> </a:t>
-            </a:r>
-            <a:r>
               <a:rPr lang="pt-BR" sz="1800" dirty="0" smtClean="0"/>
-              <a:t>segundo</a:t>
-            </a:r>
-            <a:r>
-              <a:rPr lang="pt-BR" sz="1800" dirty="0" smtClean="0">
-                <a:solidFill>
-                  <a:srgbClr val="FFC000"/>
-                </a:solidFill>
-              </a:rPr>
-              <a:t>;</a:t>
+              <a:t> segundo;</a:t>
             </a:r>
           </a:p>
           <a:p>
@@ -13750,11 +12914,7 @@
               </a:tabLst>
             </a:pPr>
             <a:r>
-              <a:rPr lang="pt-BR" sz="1800" dirty="0" smtClean="0">
-                <a:solidFill>
-                  <a:srgbClr val="FFC000"/>
-                </a:solidFill>
-              </a:rPr>
+              <a:rPr lang="pt-BR" sz="1800" dirty="0" smtClean="0"/>
               <a:t>	}</a:t>
             </a:r>
           </a:p>
@@ -13770,11 +12930,7 @@
               </a:tabLst>
             </a:pPr>
             <a:r>
-              <a:rPr lang="pt-BR" sz="1800" dirty="0" smtClean="0">
-                <a:solidFill>
-                  <a:srgbClr val="FFC000"/>
-                </a:solidFill>
-              </a:rPr>
+              <a:rPr lang="pt-BR" sz="1800" dirty="0" smtClean="0"/>
               <a:t>	......</a:t>
             </a:r>
           </a:p>
@@ -13790,11 +12946,7 @@
               </a:tabLst>
             </a:pPr>
             <a:r>
-              <a:rPr lang="pt-BR" sz="1800" dirty="0" smtClean="0">
-                <a:solidFill>
-                  <a:srgbClr val="FFC000"/>
-                </a:solidFill>
-              </a:rPr>
+              <a:rPr lang="pt-BR" sz="1800" dirty="0" smtClean="0"/>
               <a:t>	......</a:t>
             </a:r>
           </a:p>
@@ -13810,11 +12962,7 @@
               </a:tabLst>
             </a:pPr>
             <a:r>
-              <a:rPr lang="pt-BR" sz="1800" dirty="0" smtClean="0">
-                <a:solidFill>
-                  <a:srgbClr val="FFC000"/>
-                </a:solidFill>
-              </a:rPr>
+              <a:rPr lang="pt-BR" sz="1800" dirty="0" smtClean="0"/>
               <a:t>}</a:t>
             </a:r>
           </a:p>

--- a/trunk/2-Java-Programmer-Modulo-II/08.Capitulo02.pptx
+++ b/trunk/2-Java-Programmer-Modulo-II/08.Capitulo02.pptx
@@ -262,7 +262,7 @@
               <a:pPr>
                 <a:defRPr/>
               </a:pPr>
-              <a:t>04/04/2012</a:t>
+              <a:t>16/04/2012</a:t>
             </a:fld>
             <a:endParaRPr lang="pt-BR"/>
           </a:p>
@@ -2275,7 +2275,7 @@
               <a:pPr>
                 <a:defRPr/>
               </a:pPr>
-              <a:t>04/04/2012</a:t>
+              <a:t>16/04/2012</a:t>
             </a:fld>
             <a:endParaRPr lang="pt-BR"/>
           </a:p>
@@ -2467,7 +2467,7 @@
               <a:pPr>
                 <a:defRPr/>
               </a:pPr>
-              <a:t>04/04/2012</a:t>
+              <a:t>16/04/2012</a:t>
             </a:fld>
             <a:endParaRPr lang="pt-BR"/>
           </a:p>
@@ -2669,7 +2669,7 @@
               <a:pPr>
                 <a:defRPr/>
               </a:pPr>
-              <a:t>04/04/2012</a:t>
+              <a:t>16/04/2012</a:t>
             </a:fld>
             <a:endParaRPr lang="pt-BR"/>
           </a:p>
@@ -2865,7 +2865,7 @@
               <a:pPr>
                 <a:defRPr/>
               </a:pPr>
-              <a:t>04/04/2012</a:t>
+              <a:t>16/04/2012</a:t>
             </a:fld>
             <a:endParaRPr lang="pt-BR"/>
           </a:p>
@@ -3371,7 +3371,7 @@
               <a:pPr>
                 <a:defRPr/>
               </a:pPr>
-              <a:t>04/04/2012</a:t>
+              <a:t>16/04/2012</a:t>
             </a:fld>
             <a:endParaRPr lang="pt-BR"/>
           </a:p>
@@ -3662,7 +3662,7 @@
               <a:pPr>
                 <a:defRPr/>
               </a:pPr>
-              <a:t>04/04/2012</a:t>
+              <a:t>16/04/2012</a:t>
             </a:fld>
             <a:endParaRPr lang="pt-BR"/>
           </a:p>
@@ -4063,7 +4063,7 @@
               <a:pPr>
                 <a:defRPr/>
               </a:pPr>
-              <a:t>04/04/2012</a:t>
+              <a:t>16/04/2012</a:t>
             </a:fld>
             <a:endParaRPr lang="pt-BR"/>
           </a:p>
@@ -4212,7 +4212,7 @@
               <a:pPr>
                 <a:defRPr/>
               </a:pPr>
-              <a:t>04/04/2012</a:t>
+              <a:t>16/04/2012</a:t>
             </a:fld>
             <a:endParaRPr lang="pt-BR"/>
           </a:p>
@@ -4329,7 +4329,7 @@
               <a:pPr>
                 <a:defRPr/>
               </a:pPr>
-              <a:t>04/04/2012</a:t>
+              <a:t>16/04/2012</a:t>
             </a:fld>
             <a:endParaRPr lang="pt-BR"/>
           </a:p>
@@ -4605,7 +4605,7 @@
               <a:pPr>
                 <a:defRPr/>
               </a:pPr>
-              <a:t>04/04/2012</a:t>
+              <a:t>16/04/2012</a:t>
             </a:fld>
             <a:endParaRPr lang="pt-BR"/>
           </a:p>
@@ -4889,7 +4889,7 @@
               <a:pPr>
                 <a:defRPr/>
               </a:pPr>
-              <a:t>04/04/2012</a:t>
+              <a:t>16/04/2012</a:t>
             </a:fld>
             <a:endParaRPr lang="pt-BR"/>
           </a:p>
@@ -5367,7 +5367,7 @@
               <a:pPr>
                 <a:defRPr/>
               </a:pPr>
-              <a:t>04/04/2012</a:t>
+              <a:t>16/04/2012</a:t>
             </a:fld>
             <a:endParaRPr lang="pt-BR"/>
           </a:p>
@@ -6209,7 +6209,6 @@
               <a:rPr lang="pt-BR" sz="1800" dirty="0" smtClean="0"/>
               <a:t>;</a:t>
             </a:r>
-            <a:endParaRPr lang="pt-BR" sz="1800" dirty="0" smtClean="0"/>
           </a:p>
           <a:p>
             <a:pPr marL="4763" lvl="1" indent="0">
@@ -7161,9 +7160,6 @@
                     <p:cTn id="3" fill="hold">
                       <p:stCondLst>
                         <p:cond delay="indefinite"/>
-                        <p:cond evt="onBegin" delay="0">
-                          <p:tn val="2"/>
-                        </p:cond>
                       </p:stCondLst>
                       <p:childTnLst>
                         <p:par>
@@ -7173,7 +7169,7 @@
                             </p:stCondLst>
                             <p:childTnLst>
                               <p:par>
-                                <p:cTn id="5" presetID="2" presetClass="entr" presetSubtype="2" fill="hold" nodeType="withEffect">
+                                <p:cTn id="5" presetID="2" presetClass="entr" presetSubtype="2" fill="hold" nodeType="clickEffect">
                                   <p:stCondLst>
                                     <p:cond delay="0"/>
                                   </p:stCondLst>
@@ -7597,15 +7593,33 @@
                                   </p:childTnLst>
                                 </p:cTn>
                               </p:par>
+                            </p:childTnLst>
+                          </p:cTn>
+                        </p:par>
+                      </p:childTnLst>
+                    </p:cTn>
+                  </p:par>
+                  <p:par>
+                    <p:cTn id="25" fill="hold">
+                      <p:stCondLst>
+                        <p:cond delay="indefinite"/>
+                      </p:stCondLst>
+                      <p:childTnLst>
+                        <p:par>
+                          <p:cTn id="26" fill="hold">
+                            <p:stCondLst>
+                              <p:cond delay="0"/>
+                            </p:stCondLst>
+                            <p:childTnLst>
                               <p:par>
-                                <p:cTn id="25" presetID="2" presetClass="entr" presetSubtype="2" fill="hold" nodeType="withEffect">
+                                <p:cTn id="27" presetID="2" presetClass="entr" presetSubtype="2" fill="hold" nodeType="clickEffect">
                                   <p:stCondLst>
                                     <p:cond delay="0"/>
                                   </p:stCondLst>
                                   <p:childTnLst>
                                     <p:set>
                                       <p:cBhvr>
-                                        <p:cTn id="26" dur="1" fill="hold">
+                                        <p:cTn id="28" dur="1" fill="hold">
                                           <p:stCondLst>
                                             <p:cond delay="0"/>
                                           </p:stCondLst>
@@ -7627,7 +7641,7 @@
                                     </p:set>
                                     <p:anim calcmode="lin" valueType="num">
                                       <p:cBhvr additive="base">
-                                        <p:cTn id="27" dur="500" fill="hold"/>
+                                        <p:cTn id="29" dur="500" fill="hold"/>
                                         <p:tgtEl>
                                           <p:spTgt spid="3">
                                             <p:txEl>
@@ -7654,7 +7668,7 @@
                                     </p:anim>
                                     <p:anim calcmode="lin" valueType="num">
                                       <p:cBhvr additive="base">
-                                        <p:cTn id="28" dur="500" fill="hold"/>
+                                        <p:cTn id="30" dur="500" fill="hold"/>
                                         <p:tgtEl>
                                           <p:spTgt spid="3">
                                             <p:txEl>
@@ -7683,14 +7697,14 @@
                                 </p:cTn>
                               </p:par>
                               <p:par>
-                                <p:cTn id="29" presetID="2" presetClass="entr" presetSubtype="2" fill="hold" nodeType="withEffect">
+                                <p:cTn id="31" presetID="2" presetClass="entr" presetSubtype="2" fill="hold" nodeType="withEffect">
                                   <p:stCondLst>
                                     <p:cond delay="0"/>
                                   </p:stCondLst>
                                   <p:childTnLst>
                                     <p:set>
                                       <p:cBhvr>
-                                        <p:cTn id="30" dur="1" fill="hold">
+                                        <p:cTn id="32" dur="1" fill="hold">
                                           <p:stCondLst>
                                             <p:cond delay="0"/>
                                           </p:stCondLst>
@@ -7712,7 +7726,7 @@
                                     </p:set>
                                     <p:anim calcmode="lin" valueType="num">
                                       <p:cBhvr additive="base">
-                                        <p:cTn id="31" dur="500" fill="hold"/>
+                                        <p:cTn id="33" dur="500" fill="hold"/>
                                         <p:tgtEl>
                                           <p:spTgt spid="3">
                                             <p:txEl>
@@ -7739,7 +7753,7 @@
                                     </p:anim>
                                     <p:anim calcmode="lin" valueType="num">
                                       <p:cBhvr additive="base">
-                                        <p:cTn id="32" dur="500" fill="hold"/>
+                                        <p:cTn id="34" dur="500" fill="hold"/>
                                         <p:tgtEl>
                                           <p:spTgt spid="3">
                                             <p:txEl>
@@ -7768,14 +7782,14 @@
                                 </p:cTn>
                               </p:par>
                               <p:par>
-                                <p:cTn id="33" presetID="2" presetClass="entr" presetSubtype="2" fill="hold" nodeType="withEffect">
+                                <p:cTn id="35" presetID="2" presetClass="entr" presetSubtype="2" fill="hold" nodeType="withEffect">
                                   <p:stCondLst>
                                     <p:cond delay="0"/>
                                   </p:stCondLst>
                                   <p:childTnLst>
                                     <p:set>
                                       <p:cBhvr>
-                                        <p:cTn id="34" dur="1" fill="hold">
+                                        <p:cTn id="36" dur="1" fill="hold">
                                           <p:stCondLst>
                                             <p:cond delay="0"/>
                                           </p:stCondLst>
@@ -7797,7 +7811,7 @@
                                     </p:set>
                                     <p:anim calcmode="lin" valueType="num">
                                       <p:cBhvr additive="base">
-                                        <p:cTn id="35" dur="500" fill="hold"/>
+                                        <p:cTn id="37" dur="500" fill="hold"/>
                                         <p:tgtEl>
                                           <p:spTgt spid="3">
                                             <p:txEl>
@@ -7824,7 +7838,7 @@
                                     </p:anim>
                                     <p:anim calcmode="lin" valueType="num">
                                       <p:cBhvr additive="base">
-                                        <p:cTn id="36" dur="500" fill="hold"/>
+                                        <p:cTn id="38" dur="500" fill="hold"/>
                                         <p:tgtEl>
                                           <p:spTgt spid="3">
                                             <p:txEl>
@@ -7853,14 +7867,14 @@
                                 </p:cTn>
                               </p:par>
                               <p:par>
-                                <p:cTn id="37" presetID="2" presetClass="entr" presetSubtype="2" fill="hold" nodeType="withEffect">
+                                <p:cTn id="39" presetID="2" presetClass="entr" presetSubtype="2" fill="hold" nodeType="withEffect">
                                   <p:stCondLst>
                                     <p:cond delay="0"/>
                                   </p:stCondLst>
                                   <p:childTnLst>
                                     <p:set>
                                       <p:cBhvr>
-                                        <p:cTn id="38" dur="1" fill="hold">
+                                        <p:cTn id="40" dur="1" fill="hold">
                                           <p:stCondLst>
                                             <p:cond delay="0"/>
                                           </p:stCondLst>
@@ -7882,7 +7896,7 @@
                                     </p:set>
                                     <p:anim calcmode="lin" valueType="num">
                                       <p:cBhvr additive="base">
-                                        <p:cTn id="39" dur="500" fill="hold"/>
+                                        <p:cTn id="41" dur="500" fill="hold"/>
                                         <p:tgtEl>
                                           <p:spTgt spid="3">
                                             <p:txEl>
@@ -7909,7 +7923,7 @@
                                     </p:anim>
                                     <p:anim calcmode="lin" valueType="num">
                                       <p:cBhvr additive="base">
-                                        <p:cTn id="40" dur="500" fill="hold"/>
+                                        <p:cTn id="42" dur="500" fill="hold"/>
                                         <p:tgtEl>
                                           <p:spTgt spid="3">
                                             <p:txEl>
@@ -7938,14 +7952,14 @@
                                 </p:cTn>
                               </p:par>
                               <p:par>
-                                <p:cTn id="41" presetID="2" presetClass="entr" presetSubtype="2" fill="hold" nodeType="withEffect">
+                                <p:cTn id="43" presetID="2" presetClass="entr" presetSubtype="2" fill="hold" nodeType="withEffect">
                                   <p:stCondLst>
                                     <p:cond delay="0"/>
                                   </p:stCondLst>
                                   <p:childTnLst>
                                     <p:set>
                                       <p:cBhvr>
-                                        <p:cTn id="42" dur="1" fill="hold">
+                                        <p:cTn id="44" dur="1" fill="hold">
                                           <p:stCondLst>
                                             <p:cond delay="0"/>
                                           </p:stCondLst>
@@ -7967,7 +7981,7 @@
                                     </p:set>
                                     <p:anim calcmode="lin" valueType="num">
                                       <p:cBhvr additive="base">
-                                        <p:cTn id="43" dur="500" fill="hold"/>
+                                        <p:cTn id="45" dur="500" fill="hold"/>
                                         <p:tgtEl>
                                           <p:spTgt spid="3">
                                             <p:txEl>
@@ -7994,7 +8008,7 @@
                                     </p:anim>
                                     <p:anim calcmode="lin" valueType="num">
                                       <p:cBhvr additive="base">
-                                        <p:cTn id="44" dur="500" fill="hold"/>
+                                        <p:cTn id="46" dur="500" fill="hold"/>
                                         <p:tgtEl>
                                           <p:spTgt spid="3">
                                             <p:txEl>

--- a/trunk/2-Java-Programmer-Modulo-II/08.Capitulo02.pptx
+++ b/trunk/2-Java-Programmer-Modulo-II/08.Capitulo02.pptx
@@ -262,7 +262,7 @@
               <a:pPr>
                 <a:defRPr/>
               </a:pPr>
-              <a:t>16/04/2012</a:t>
+              <a:t>05/05/2012</a:t>
             </a:fld>
             <a:endParaRPr lang="pt-BR"/>
           </a:p>
@@ -2275,7 +2275,7 @@
               <a:pPr>
                 <a:defRPr/>
               </a:pPr>
-              <a:t>16/04/2012</a:t>
+              <a:t>05/05/2012</a:t>
             </a:fld>
             <a:endParaRPr lang="pt-BR"/>
           </a:p>
@@ -2467,7 +2467,7 @@
               <a:pPr>
                 <a:defRPr/>
               </a:pPr>
-              <a:t>16/04/2012</a:t>
+              <a:t>05/05/2012</a:t>
             </a:fld>
             <a:endParaRPr lang="pt-BR"/>
           </a:p>
@@ -2669,7 +2669,7 @@
               <a:pPr>
                 <a:defRPr/>
               </a:pPr>
-              <a:t>16/04/2012</a:t>
+              <a:t>05/05/2012</a:t>
             </a:fld>
             <a:endParaRPr lang="pt-BR"/>
           </a:p>
@@ -2865,7 +2865,7 @@
               <a:pPr>
                 <a:defRPr/>
               </a:pPr>
-              <a:t>16/04/2012</a:t>
+              <a:t>05/05/2012</a:t>
             </a:fld>
             <a:endParaRPr lang="pt-BR"/>
           </a:p>
@@ -3371,7 +3371,7 @@
               <a:pPr>
                 <a:defRPr/>
               </a:pPr>
-              <a:t>16/04/2012</a:t>
+              <a:t>05/05/2012</a:t>
             </a:fld>
             <a:endParaRPr lang="pt-BR"/>
           </a:p>
@@ -3662,7 +3662,7 @@
               <a:pPr>
                 <a:defRPr/>
               </a:pPr>
-              <a:t>16/04/2012</a:t>
+              <a:t>05/05/2012</a:t>
             </a:fld>
             <a:endParaRPr lang="pt-BR"/>
           </a:p>
@@ -4063,7 +4063,7 @@
               <a:pPr>
                 <a:defRPr/>
               </a:pPr>
-              <a:t>16/04/2012</a:t>
+              <a:t>05/05/2012</a:t>
             </a:fld>
             <a:endParaRPr lang="pt-BR"/>
           </a:p>
@@ -4212,7 +4212,7 @@
               <a:pPr>
                 <a:defRPr/>
               </a:pPr>
-              <a:t>16/04/2012</a:t>
+              <a:t>05/05/2012</a:t>
             </a:fld>
             <a:endParaRPr lang="pt-BR"/>
           </a:p>
@@ -4329,7 +4329,7 @@
               <a:pPr>
                 <a:defRPr/>
               </a:pPr>
-              <a:t>16/04/2012</a:t>
+              <a:t>05/05/2012</a:t>
             </a:fld>
             <a:endParaRPr lang="pt-BR"/>
           </a:p>
@@ -4605,7 +4605,7 @@
               <a:pPr>
                 <a:defRPr/>
               </a:pPr>
-              <a:t>16/04/2012</a:t>
+              <a:t>05/05/2012</a:t>
             </a:fld>
             <a:endParaRPr lang="pt-BR"/>
           </a:p>
@@ -4889,7 +4889,7 @@
               <a:pPr>
                 <a:defRPr/>
               </a:pPr>
-              <a:t>16/04/2012</a:t>
+              <a:t>05/05/2012</a:t>
             </a:fld>
             <a:endParaRPr lang="pt-BR"/>
           </a:p>
@@ -5367,7 +5367,7 @@
               <a:pPr>
                 <a:defRPr/>
               </a:pPr>
-              <a:t>16/04/2012</a:t>
+              <a:t>05/05/2012</a:t>
             </a:fld>
             <a:endParaRPr lang="pt-BR"/>
           </a:p>
@@ -5949,6 +5949,28 @@
               <a:rPr lang="pt-BR" cap="none" dirty="0" err="1" smtClean="0"/>
               <a:t>Generics</a:t>
             </a:r>
+            <a:r>
+              <a:rPr lang="pt-BR" cap="none" dirty="0" smtClean="0"/>
+              <a:t/>
+            </a:r>
+            <a:br>
+              <a:rPr lang="pt-BR" cap="none" dirty="0" smtClean="0"/>
+            </a:br>
+            <a:r>
+              <a:rPr lang="pt-BR" sz="1800" cap="none" dirty="0" smtClean="0"/>
+              <a:t>Pág. </a:t>
+            </a:r>
+            <a:r>
+              <a:rPr lang="pt-BR" sz="1800" cap="none" dirty="0" smtClean="0"/>
+              <a:t>87 a 90</a:t>
+            </a:r>
+            <a:r>
+              <a:rPr lang="pt-BR" sz="1800" cap="none" dirty="0" smtClean="0"/>
+              <a:t/>
+            </a:r>
+            <a:br>
+              <a:rPr lang="pt-BR" sz="1800" cap="none" dirty="0" smtClean="0"/>
+            </a:br>
             <a:endParaRPr lang="pt-BR" cap="none" dirty="0"/>
           </a:p>
         </p:txBody>

--- a/trunk/2-Java-Programmer-Modulo-II/08.Capitulo02.pptx
+++ b/trunk/2-Java-Programmer-Modulo-II/08.Capitulo02.pptx
@@ -262,7 +262,7 @@
               <a:pPr>
                 <a:defRPr/>
               </a:pPr>
-              <a:t>05/05/2012</a:t>
+              <a:t>19/05/2012</a:t>
             </a:fld>
             <a:endParaRPr lang="pt-BR"/>
           </a:p>
@@ -2275,7 +2275,7 @@
               <a:pPr>
                 <a:defRPr/>
               </a:pPr>
-              <a:t>05/05/2012</a:t>
+              <a:t>19/05/2012</a:t>
             </a:fld>
             <a:endParaRPr lang="pt-BR"/>
           </a:p>
@@ -2467,7 +2467,7 @@
               <a:pPr>
                 <a:defRPr/>
               </a:pPr>
-              <a:t>05/05/2012</a:t>
+              <a:t>19/05/2012</a:t>
             </a:fld>
             <a:endParaRPr lang="pt-BR"/>
           </a:p>
@@ -2669,7 +2669,7 @@
               <a:pPr>
                 <a:defRPr/>
               </a:pPr>
-              <a:t>05/05/2012</a:t>
+              <a:t>19/05/2012</a:t>
             </a:fld>
             <a:endParaRPr lang="pt-BR"/>
           </a:p>
@@ -2865,7 +2865,7 @@
               <a:pPr>
                 <a:defRPr/>
               </a:pPr>
-              <a:t>05/05/2012</a:t>
+              <a:t>19/05/2012</a:t>
             </a:fld>
             <a:endParaRPr lang="pt-BR"/>
           </a:p>
@@ -3371,7 +3371,7 @@
               <a:pPr>
                 <a:defRPr/>
               </a:pPr>
-              <a:t>05/05/2012</a:t>
+              <a:t>19/05/2012</a:t>
             </a:fld>
             <a:endParaRPr lang="pt-BR"/>
           </a:p>
@@ -3662,7 +3662,7 @@
               <a:pPr>
                 <a:defRPr/>
               </a:pPr>
-              <a:t>05/05/2012</a:t>
+              <a:t>19/05/2012</a:t>
             </a:fld>
             <a:endParaRPr lang="pt-BR"/>
           </a:p>
@@ -4063,7 +4063,7 @@
               <a:pPr>
                 <a:defRPr/>
               </a:pPr>
-              <a:t>05/05/2012</a:t>
+              <a:t>19/05/2012</a:t>
             </a:fld>
             <a:endParaRPr lang="pt-BR"/>
           </a:p>
@@ -4212,7 +4212,7 @@
               <a:pPr>
                 <a:defRPr/>
               </a:pPr>
-              <a:t>05/05/2012</a:t>
+              <a:t>19/05/2012</a:t>
             </a:fld>
             <a:endParaRPr lang="pt-BR"/>
           </a:p>
@@ -4329,7 +4329,7 @@
               <a:pPr>
                 <a:defRPr/>
               </a:pPr>
-              <a:t>05/05/2012</a:t>
+              <a:t>19/05/2012</a:t>
             </a:fld>
             <a:endParaRPr lang="pt-BR"/>
           </a:p>
@@ -4605,7 +4605,7 @@
               <a:pPr>
                 <a:defRPr/>
               </a:pPr>
-              <a:t>05/05/2012</a:t>
+              <a:t>19/05/2012</a:t>
             </a:fld>
             <a:endParaRPr lang="pt-BR"/>
           </a:p>
@@ -4889,7 +4889,7 @@
               <a:pPr>
                 <a:defRPr/>
               </a:pPr>
-              <a:t>05/05/2012</a:t>
+              <a:t>19/05/2012</a:t>
             </a:fld>
             <a:endParaRPr lang="pt-BR"/>
           </a:p>
@@ -5367,7 +5367,7 @@
               <a:pPr>
                 <a:defRPr/>
               </a:pPr>
-              <a:t>05/05/2012</a:t>
+              <a:t>19/05/2012</a:t>
             </a:fld>
             <a:endParaRPr lang="pt-BR"/>
           </a:p>
@@ -5958,15 +5958,7 @@
             </a:br>
             <a:r>
               <a:rPr lang="pt-BR" sz="1800" cap="none" dirty="0" smtClean="0"/>
-              <a:t>Pág. </a:t>
-            </a:r>
-            <a:r>
-              <a:rPr lang="pt-BR" sz="1800" cap="none" dirty="0" smtClean="0"/>
-              <a:t>87 a 90</a:t>
-            </a:r>
-            <a:r>
-              <a:rPr lang="pt-BR" sz="1800" cap="none" dirty="0" smtClean="0"/>
-              <a:t/>
+              <a:t>Pág. 87 a 90</a:t>
             </a:r>
             <a:br>
               <a:rPr lang="pt-BR" sz="1800" cap="none" dirty="0" smtClean="0"/>
@@ -8374,15 +8366,43 @@
             </a:pPr>
             <a:r>
               <a:rPr lang="pt-BR" sz="2800" dirty="0" smtClean="0"/>
-              <a:t>Crie em seguida uma classe chamada Start contendo o método </a:t>
-            </a:r>
-            <a:r>
-              <a:rPr lang="pt-BR" sz="2800" dirty="0" err="1" smtClean="0"/>
+              <a:t>Crie em seguida uma classe chamada </a:t>
+            </a:r>
+            <a:r>
+              <a:rPr lang="pt-BR" sz="2800" dirty="0" err="1" smtClean="0">
+                <a:solidFill>
+                  <a:srgbClr val="FFC000"/>
+                </a:solidFill>
+              </a:rPr>
+              <a:t>ExercicioGenerics</a:t>
+            </a:r>
+            <a:r>
+              <a:rPr lang="pt-BR" sz="2800" dirty="0" smtClean="0"/>
+              <a:t> </a:t>
+            </a:r>
+            <a:r>
+              <a:rPr lang="pt-BR" sz="2800" dirty="0" smtClean="0"/>
+              <a:t>contendo o método </a:t>
+            </a:r>
+            <a:r>
+              <a:rPr lang="pt-BR" sz="2800" dirty="0" err="1" smtClean="0">
+                <a:solidFill>
+                  <a:srgbClr val="FFC000"/>
+                </a:solidFill>
+              </a:rPr>
               <a:t>main</a:t>
             </a:r>
             <a:r>
+              <a:rPr lang="pt-BR" sz="2800" dirty="0" smtClean="0">
+                <a:solidFill>
+                  <a:srgbClr val="FFC000"/>
+                </a:solidFill>
+              </a:rPr>
+              <a:t>()</a:t>
+            </a:r>
+            <a:r>
               <a:rPr lang="pt-BR" sz="2800" dirty="0" smtClean="0"/>
-              <a:t>().</a:t>
+              <a:t>.</a:t>
             </a:r>
           </a:p>
           <a:p>
@@ -8444,6 +8464,13 @@
   <p:clrMapOvr>
     <a:masterClrMapping/>
   </p:clrMapOvr>
+  <p:timing>
+    <p:tnLst>
+      <p:par>
+        <p:cTn id="1" dur="indefinite" restart="never" nodeType="tmRoot"/>
+      </p:par>
+    </p:tnLst>
+  </p:timing>
 </p:sld>
 </file>
 
@@ -8770,6 +8797,13 @@
   <p:clrMapOvr>
     <a:masterClrMapping/>
   </p:clrMapOvr>
+  <p:timing>
+    <p:tnLst>
+      <p:par>
+        <p:cTn id="1" dur="indefinite" restart="never" nodeType="tmRoot"/>
+      </p:par>
+    </p:tnLst>
+  </p:timing>
 </p:sld>
 </file>
 
@@ -8857,7 +8891,15 @@
             </a:pPr>
             <a:r>
               <a:rPr lang="pt-BR" dirty="0" smtClean="0"/>
-              <a:t>Recurso extremamente útil na utilização de estruturas de dados</a:t>
+              <a:t>Recurso extremamente útil </a:t>
+            </a:r>
+            <a:r>
+              <a:rPr lang="pt-BR" dirty="0" smtClean="0"/>
+              <a:t>quando trabalhamos com </a:t>
+            </a:r>
+            <a:r>
+              <a:rPr lang="pt-BR" dirty="0" smtClean="0"/>
+              <a:t>estruturas de dados</a:t>
             </a:r>
           </a:p>
         </p:txBody>

--- a/trunk/2-Java-Programmer-Modulo-II/08.Capitulo02.pptx
+++ b/trunk/2-Java-Programmer-Modulo-II/08.Capitulo02.pptx
@@ -262,7 +262,7 @@
               <a:pPr>
                 <a:defRPr/>
               </a:pPr>
-              <a:t>19/05/2012</a:t>
+              <a:t>05/05/2012</a:t>
             </a:fld>
             <a:endParaRPr lang="pt-BR"/>
           </a:p>
@@ -2275,7 +2275,7 @@
               <a:pPr>
                 <a:defRPr/>
               </a:pPr>
-              <a:t>19/05/2012</a:t>
+              <a:t>05/05/2012</a:t>
             </a:fld>
             <a:endParaRPr lang="pt-BR"/>
           </a:p>
@@ -2467,7 +2467,7 @@
               <a:pPr>
                 <a:defRPr/>
               </a:pPr>
-              <a:t>19/05/2012</a:t>
+              <a:t>05/05/2012</a:t>
             </a:fld>
             <a:endParaRPr lang="pt-BR"/>
           </a:p>
@@ -2669,7 +2669,7 @@
               <a:pPr>
                 <a:defRPr/>
               </a:pPr>
-              <a:t>19/05/2012</a:t>
+              <a:t>05/05/2012</a:t>
             </a:fld>
             <a:endParaRPr lang="pt-BR"/>
           </a:p>
@@ -2865,7 +2865,7 @@
               <a:pPr>
                 <a:defRPr/>
               </a:pPr>
-              <a:t>19/05/2012</a:t>
+              <a:t>05/05/2012</a:t>
             </a:fld>
             <a:endParaRPr lang="pt-BR"/>
           </a:p>
@@ -3371,7 +3371,7 @@
               <a:pPr>
                 <a:defRPr/>
               </a:pPr>
-              <a:t>19/05/2012</a:t>
+              <a:t>05/05/2012</a:t>
             </a:fld>
             <a:endParaRPr lang="pt-BR"/>
           </a:p>
@@ -3662,7 +3662,7 @@
               <a:pPr>
                 <a:defRPr/>
               </a:pPr>
-              <a:t>19/05/2012</a:t>
+              <a:t>05/05/2012</a:t>
             </a:fld>
             <a:endParaRPr lang="pt-BR"/>
           </a:p>
@@ -4063,7 +4063,7 @@
               <a:pPr>
                 <a:defRPr/>
               </a:pPr>
-              <a:t>19/05/2012</a:t>
+              <a:t>05/05/2012</a:t>
             </a:fld>
             <a:endParaRPr lang="pt-BR"/>
           </a:p>
@@ -4212,7 +4212,7 @@
               <a:pPr>
                 <a:defRPr/>
               </a:pPr>
-              <a:t>19/05/2012</a:t>
+              <a:t>05/05/2012</a:t>
             </a:fld>
             <a:endParaRPr lang="pt-BR"/>
           </a:p>
@@ -4329,7 +4329,7 @@
               <a:pPr>
                 <a:defRPr/>
               </a:pPr>
-              <a:t>19/05/2012</a:t>
+              <a:t>05/05/2012</a:t>
             </a:fld>
             <a:endParaRPr lang="pt-BR"/>
           </a:p>
@@ -4605,7 +4605,7 @@
               <a:pPr>
                 <a:defRPr/>
               </a:pPr>
-              <a:t>19/05/2012</a:t>
+              <a:t>05/05/2012</a:t>
             </a:fld>
             <a:endParaRPr lang="pt-BR"/>
           </a:p>
@@ -4889,7 +4889,7 @@
               <a:pPr>
                 <a:defRPr/>
               </a:pPr>
-              <a:t>19/05/2012</a:t>
+              <a:t>05/05/2012</a:t>
             </a:fld>
             <a:endParaRPr lang="pt-BR"/>
           </a:p>
@@ -5367,7 +5367,7 @@
               <a:pPr>
                 <a:defRPr/>
               </a:pPr>
-              <a:t>19/05/2012</a:t>
+              <a:t>05/05/2012</a:t>
             </a:fld>
             <a:endParaRPr lang="pt-BR"/>
           </a:p>
@@ -5958,7 +5958,15 @@
             </a:br>
             <a:r>
               <a:rPr lang="pt-BR" sz="1800" cap="none" dirty="0" smtClean="0"/>
-              <a:t>Pág. 87 a 90</a:t>
+              <a:t>Pág. </a:t>
+            </a:r>
+            <a:r>
+              <a:rPr lang="pt-BR" sz="1800" cap="none" dirty="0" smtClean="0"/>
+              <a:t>87 a 90</a:t>
+            </a:r>
+            <a:r>
+              <a:rPr lang="pt-BR" sz="1800" cap="none" dirty="0" smtClean="0"/>
+              <a:t/>
             </a:r>
             <a:br>
               <a:rPr lang="pt-BR" sz="1800" cap="none" dirty="0" smtClean="0"/>
@@ -8366,43 +8374,15 @@
             </a:pPr>
             <a:r>
               <a:rPr lang="pt-BR" sz="2800" dirty="0" smtClean="0"/>
-              <a:t>Crie em seguida uma classe chamada </a:t>
-            </a:r>
-            <a:r>
-              <a:rPr lang="pt-BR" sz="2800" dirty="0" err="1" smtClean="0">
-                <a:solidFill>
-                  <a:srgbClr val="FFC000"/>
-                </a:solidFill>
-              </a:rPr>
-              <a:t>ExercicioGenerics</a:t>
+              <a:t>Crie em seguida uma classe chamada Start contendo o método </a:t>
+            </a:r>
+            <a:r>
+              <a:rPr lang="pt-BR" sz="2800" dirty="0" err="1" smtClean="0"/>
+              <a:t>main</a:t>
             </a:r>
             <a:r>
               <a:rPr lang="pt-BR" sz="2800" dirty="0" smtClean="0"/>
-              <a:t> </a:t>
-            </a:r>
-            <a:r>
-              <a:rPr lang="pt-BR" sz="2800" dirty="0" smtClean="0"/>
-              <a:t>contendo o método </a:t>
-            </a:r>
-            <a:r>
-              <a:rPr lang="pt-BR" sz="2800" dirty="0" err="1" smtClean="0">
-                <a:solidFill>
-                  <a:srgbClr val="FFC000"/>
-                </a:solidFill>
-              </a:rPr>
-              <a:t>main</a:t>
-            </a:r>
-            <a:r>
-              <a:rPr lang="pt-BR" sz="2800" dirty="0" smtClean="0">
-                <a:solidFill>
-                  <a:srgbClr val="FFC000"/>
-                </a:solidFill>
-              </a:rPr>
-              <a:t>()</a:t>
-            </a:r>
-            <a:r>
-              <a:rPr lang="pt-BR" sz="2800" dirty="0" smtClean="0"/>
-              <a:t>.</a:t>
+              <a:t>().</a:t>
             </a:r>
           </a:p>
           <a:p>
@@ -8464,13 +8444,6 @@
   <p:clrMapOvr>
     <a:masterClrMapping/>
   </p:clrMapOvr>
-  <p:timing>
-    <p:tnLst>
-      <p:par>
-        <p:cTn id="1" dur="indefinite" restart="never" nodeType="tmRoot"/>
-      </p:par>
-    </p:tnLst>
-  </p:timing>
 </p:sld>
 </file>
 
@@ -8797,13 +8770,6 @@
   <p:clrMapOvr>
     <a:masterClrMapping/>
   </p:clrMapOvr>
-  <p:timing>
-    <p:tnLst>
-      <p:par>
-        <p:cTn id="1" dur="indefinite" restart="never" nodeType="tmRoot"/>
-      </p:par>
-    </p:tnLst>
-  </p:timing>
 </p:sld>
 </file>
 
@@ -8891,15 +8857,7 @@
             </a:pPr>
             <a:r>
               <a:rPr lang="pt-BR" dirty="0" smtClean="0"/>
-              <a:t>Recurso extremamente útil </a:t>
-            </a:r>
-            <a:r>
-              <a:rPr lang="pt-BR" dirty="0" smtClean="0"/>
-              <a:t>quando trabalhamos com </a:t>
-            </a:r>
-            <a:r>
-              <a:rPr lang="pt-BR" dirty="0" smtClean="0"/>
-              <a:t>estruturas de dados</a:t>
+              <a:t>Recurso extremamente útil na utilização de estruturas de dados</a:t>
             </a:r>
           </a:p>
         </p:txBody>
